--- a/pres-source/00-intro.pptx
+++ b/pres-source/00-intro.pptx
@@ -5,7 +5,7 @@
     <p:sldMasterId id="2147483648" r:id="rId1"/>
   </p:sldMasterIdLst>
   <p:notesMasterIdLst>
-    <p:notesMasterId r:id="rId16"/>
+    <p:notesMasterId r:id="rId18"/>
   </p:notesMasterIdLst>
   <p:sldIdLst>
     <p:sldId id="256" r:id="rId2"/>
@@ -15,13 +15,15 @@
     <p:sldId id="260" r:id="rId6"/>
     <p:sldId id="261" r:id="rId7"/>
     <p:sldId id="262" r:id="rId8"/>
-    <p:sldId id="263" r:id="rId9"/>
-    <p:sldId id="264" r:id="rId10"/>
-    <p:sldId id="270" r:id="rId11"/>
-    <p:sldId id="265" r:id="rId12"/>
-    <p:sldId id="269" r:id="rId13"/>
-    <p:sldId id="266" r:id="rId14"/>
-    <p:sldId id="267" r:id="rId15"/>
+    <p:sldId id="272" r:id="rId9"/>
+    <p:sldId id="271" r:id="rId10"/>
+    <p:sldId id="263" r:id="rId11"/>
+    <p:sldId id="264" r:id="rId12"/>
+    <p:sldId id="270" r:id="rId13"/>
+    <p:sldId id="265" r:id="rId14"/>
+    <p:sldId id="269" r:id="rId15"/>
+    <p:sldId id="266" r:id="rId16"/>
+    <p:sldId id="267" r:id="rId17"/>
   </p:sldIdLst>
   <p:sldSz cx="9144000" cy="6858000" type="screen4x3"/>
   <p:notesSz cx="6858000" cy="9144000"/>
@@ -210,7 +212,7 @@
             <a:fld id="{7307762F-A706-E543-A832-3C298AA3103F}" type="datetimeFigureOut">
               <a:rPr lang="en-US" smtClean="0"/>
               <a:pPr/>
-              <a:t>25/08/15</a:t>
+              <a:t>30/09/15</a:t>
             </a:fld>
             <a:endParaRPr lang="en-US" dirty="0"/>
           </a:p>
@@ -777,7 +779,7 @@
           <a:p>
             <a:fld id="{875CF0EB-321F-0749-B37A-89BBA859503C}" type="datetimeFigureOut">
               <a:rPr lang="en-US" smtClean="0"/>
-              <a:t>25/08/15</a:t>
+              <a:t>30/09/15</a:t>
             </a:fld>
             <a:endParaRPr lang="en-US"/>
           </a:p>
@@ -981,7 +983,7 @@
           <a:p>
             <a:fld id="{875CF0EB-321F-0749-B37A-89BBA859503C}" type="datetimeFigureOut">
               <a:rPr lang="en-US" smtClean="0"/>
-              <a:t>25/08/15</a:t>
+              <a:t>30/09/15</a:t>
             </a:fld>
             <a:endParaRPr lang="en-US"/>
           </a:p>
@@ -1175,7 +1177,7 @@
           <a:p>
             <a:fld id="{875CF0EB-321F-0749-B37A-89BBA859503C}" type="datetimeFigureOut">
               <a:rPr lang="en-US" smtClean="0"/>
-              <a:t>25/08/15</a:t>
+              <a:t>30/09/15</a:t>
             </a:fld>
             <a:endParaRPr lang="en-US"/>
           </a:p>
@@ -1445,7 +1447,7 @@
           <a:p>
             <a:fld id="{875CF0EB-321F-0749-B37A-89BBA859503C}" type="datetimeFigureOut">
               <a:rPr lang="en-US" smtClean="0"/>
-              <a:t>25/08/15</a:t>
+              <a:t>30/09/15</a:t>
             </a:fld>
             <a:endParaRPr lang="en-US"/>
           </a:p>
@@ -1757,7 +1759,7 @@
           <a:p>
             <a:fld id="{875CF0EB-321F-0749-B37A-89BBA859503C}" type="datetimeFigureOut">
               <a:rPr lang="en-US" smtClean="0"/>
-              <a:t>25/08/15</a:t>
+              <a:t>30/09/15</a:t>
             </a:fld>
             <a:endParaRPr lang="en-US"/>
           </a:p>
@@ -2203,7 +2205,7 @@
           <a:p>
             <a:fld id="{875CF0EB-321F-0749-B37A-89BBA859503C}" type="datetimeFigureOut">
               <a:rPr lang="en-US" smtClean="0"/>
-              <a:t>25/08/15</a:t>
+              <a:t>30/09/15</a:t>
             </a:fld>
             <a:endParaRPr lang="en-US"/>
           </a:p>
@@ -2345,7 +2347,7 @@
           <a:p>
             <a:fld id="{875CF0EB-321F-0749-B37A-89BBA859503C}" type="datetimeFigureOut">
               <a:rPr lang="en-US" smtClean="0"/>
-              <a:t>25/08/15</a:t>
+              <a:t>30/09/15</a:t>
             </a:fld>
             <a:endParaRPr lang="en-US"/>
           </a:p>
@@ -2464,7 +2466,7 @@
           <a:p>
             <a:fld id="{875CF0EB-321F-0749-B37A-89BBA859503C}" type="datetimeFigureOut">
               <a:rPr lang="en-US" smtClean="0"/>
-              <a:t>25/08/15</a:t>
+              <a:t>30/09/15</a:t>
             </a:fld>
             <a:endParaRPr lang="en-US"/>
           </a:p>
@@ -2765,7 +2767,7 @@
           <a:p>
             <a:fld id="{875CF0EB-321F-0749-B37A-89BBA859503C}" type="datetimeFigureOut">
               <a:rPr lang="en-US" smtClean="0"/>
-              <a:t>25/08/15</a:t>
+              <a:t>30/09/15</a:t>
             </a:fld>
             <a:endParaRPr lang="en-US"/>
           </a:p>
@@ -3042,7 +3044,7 @@
           <a:p>
             <a:fld id="{875CF0EB-321F-0749-B37A-89BBA859503C}" type="datetimeFigureOut">
               <a:rPr lang="en-US" smtClean="0"/>
-              <a:t>25/08/15</a:t>
+              <a:t>30/09/15</a:t>
             </a:fld>
             <a:endParaRPr lang="en-US"/>
           </a:p>
@@ -3422,43 +3424,7 @@
               <a:rPr lang="en-US" sz="1000" dirty="0" smtClean="0">
                 <a:latin typeface="Montserrat"/>
               </a:rPr>
-              <a:t>© Paul Fremantle </a:t>
-            </a:r>
-            <a:r>
-              <a:rPr lang="en-US" sz="1000" dirty="0" smtClean="0">
-                <a:latin typeface="Montserrat"/>
-              </a:rPr>
-              <a:t>2015. </a:t>
-            </a:r>
-            <a:r>
-              <a:rPr lang="en-US" sz="1000" dirty="0" smtClean="0">
-                <a:latin typeface="Montserrat"/>
-              </a:rPr>
-              <a:t> </a:t>
-            </a:r>
-            <a:r>
-              <a:rPr lang="en-US" sz="1000" dirty="0" smtClean="0">
-                <a:latin typeface="Montserrat"/>
-              </a:rPr>
-              <a:t>Licensed </a:t>
-            </a:r>
-            <a:r>
-              <a:rPr lang="en-US" sz="1000" dirty="0" smtClean="0">
-                <a:latin typeface="Montserrat"/>
-              </a:rPr>
-              <a:t>under the Creative Commons </a:t>
-            </a:r>
-            <a:r>
-              <a:rPr lang="en-US" sz="1000" dirty="0" smtClean="0">
-                <a:latin typeface="Montserrat"/>
-              </a:rPr>
-              <a:t>4.0 </a:t>
-            </a:r>
-            <a:r>
-              <a:rPr lang="en-US" sz="1000" dirty="0" smtClean="0">
-                <a:latin typeface="Montserrat"/>
-              </a:rPr>
-              <a:t>BY-SA (Attribution-</a:t>
+              <a:t>© Paul Fremantle 2015.  Licensed under the Creative Commons 4.0 BY-SA (Attribution-</a:t>
             </a:r>
             <a:r>
               <a:rPr lang="en-US" sz="1000" dirty="0" err="1" smtClean="0">
@@ -3488,21 +3454,7 @@
                 <a:latin typeface="Montserrat"/>
                 <a:hlinkClick r:id="rId13"/>
               </a:rPr>
-              <a:t>http://creativecommons.org/licenses/by-sa</a:t>
-            </a:r>
-            <a:r>
-              <a:rPr lang="en-US" sz="1000" dirty="0" smtClean="0">
-                <a:latin typeface="Montserrat"/>
-                <a:hlinkClick r:id="rId13"/>
-              </a:rPr>
-              <a:t>/4.0</a:t>
-            </a:r>
-            <a:r>
-              <a:rPr lang="en-US" sz="1000" dirty="0" smtClean="0">
-                <a:latin typeface="Montserrat"/>
-                <a:hlinkClick r:id="rId13"/>
-              </a:rPr>
-              <a:t>/</a:t>
+              <a:t>http://creativecommons.org/licenses/by-sa/4.0/</a:t>
             </a:r>
             <a:r>
               <a:rPr lang="en-US" sz="1000" dirty="0" smtClean="0">
@@ -4066,6 +4018,344 @@
       </p:grpSpPr>
       <p:sp>
         <p:nvSpPr>
+          <p:cNvPr id="10241" name="Title 1"/>
+          <p:cNvSpPr>
+            <a:spLocks noGrp="1"/>
+          </p:cNvSpPr>
+          <p:nvPr>
+            <p:ph type="title"/>
+          </p:nvPr>
+        </p:nvSpPr>
+        <p:spPr bwMode="auto">
+          <a:noFill/>
+          <a:extLst>
+            <a:ext uri="{909E8E84-426E-40dd-AFC4-6F175D3DCCD1}">
+              <a14:hiddenFill xmlns:a14="http://schemas.microsoft.com/office/drawing/2010/main">
+                <a:solidFill>
+                  <a:srgbClr val="FFFFFF"/>
+                </a:solidFill>
+              </a14:hiddenFill>
+            </a:ext>
+            <a:ext uri="{91240B29-F687-4f45-9708-019B960494DF}">
+              <a14:hiddenLine xmlns:a14="http://schemas.microsoft.com/office/drawing/2010/main" w="9525">
+                <a:solidFill>
+                  <a:srgbClr val="000000"/>
+                </a:solidFill>
+                <a:miter lim="800000"/>
+                <a:headEnd/>
+                <a:tailEnd/>
+              </a14:hiddenLine>
+            </a:ext>
+          </a:extLst>
+        </p:spPr>
+        <p:txBody>
+          <a:bodyPr wrap="square" lIns="64291" tIns="32146" rIns="64291" bIns="32146" numCol="1" anchor="t" anchorCtr="0" compatLnSpc="1">
+            <a:prstTxWarp prst="textNoShape">
+              <a:avLst/>
+            </a:prstTxWarp>
+          </a:bodyPr>
+          <a:lstStyle/>
+          <a:p>
+            <a:pPr eaLnBrk="1" hangingPunct="1"/>
+            <a:r>
+              <a:rPr lang="en-US" dirty="0">
+                <a:ea typeface="ヒラギノ角ゴ ProN W3" charset="0"/>
+                <a:cs typeface="ヒラギノ角ゴ ProN W3" charset="0"/>
+              </a:rPr>
+              <a:t>Resources	</a:t>
+            </a:r>
+          </a:p>
+        </p:txBody>
+      </p:sp>
+      <p:sp>
+        <p:nvSpPr>
+          <p:cNvPr id="10242" name="Content Placeholder 2"/>
+          <p:cNvSpPr>
+            <a:spLocks noGrp="1"/>
+          </p:cNvSpPr>
+          <p:nvPr>
+            <p:ph idx="1"/>
+          </p:nvPr>
+        </p:nvSpPr>
+        <p:spPr bwMode="auto">
+          <a:xfrm>
+            <a:off x="375635" y="1522750"/>
+            <a:ext cx="8229600" cy="4525963"/>
+          </a:xfrm>
+          <a:noFill/>
+          <a:extLst>
+            <a:ext uri="{909E8E84-426E-40dd-AFC4-6F175D3DCCD1}">
+              <a14:hiddenFill xmlns:a14="http://schemas.microsoft.com/office/drawing/2010/main">
+                <a:solidFill>
+                  <a:srgbClr val="FFFFFF"/>
+                </a:solidFill>
+              </a14:hiddenFill>
+            </a:ext>
+            <a:ext uri="{91240B29-F687-4f45-9708-019B960494DF}">
+              <a14:hiddenLine xmlns:a14="http://schemas.microsoft.com/office/drawing/2010/main" w="9525">
+                <a:solidFill>
+                  <a:srgbClr val="000000"/>
+                </a:solidFill>
+                <a:miter lim="800000"/>
+                <a:headEnd/>
+                <a:tailEnd/>
+              </a14:hiddenLine>
+            </a:ext>
+          </a:extLst>
+        </p:spPr>
+        <p:txBody>
+          <a:bodyPr wrap="square" lIns="64291" tIns="32146" rIns="64291" bIns="32146" numCol="1" anchor="t" anchorCtr="0" compatLnSpc="1">
+            <a:prstTxWarp prst="textNoShape">
+              <a:avLst/>
+            </a:prstTxWarp>
+            <a:noAutofit/>
+          </a:bodyPr>
+          <a:lstStyle/>
+          <a:p>
+            <a:pPr eaLnBrk="1" hangingPunct="1"/>
+            <a:endParaRPr lang="en-US" sz="2400" dirty="0">
+              <a:ea typeface="ヒラギノ角ゴ ProN W3" charset="0"/>
+              <a:cs typeface="ヒラギノ角ゴ ProN W3" charset="0"/>
+            </a:endParaRPr>
+          </a:p>
+        </p:txBody>
+      </p:sp>
+    </p:spTree>
+    <p:extLst>
+      <p:ext uri="{BB962C8B-B14F-4D97-AF65-F5344CB8AC3E}">
+        <p14:creationId xmlns:p14="http://schemas.microsoft.com/office/powerpoint/2010/main" val="3213640406"/>
+      </p:ext>
+    </p:extLst>
+  </p:cSld>
+  <p:clrMapOvr>
+    <a:masterClrMapping/>
+  </p:clrMapOvr>
+  <mc:AlternateContent xmlns:mc="http://schemas.openxmlformats.org/markup-compatibility/2006" xmlns:p14="http://schemas.microsoft.com/office/powerpoint/2010/main">
+    <mc:Choice Requires="p14">
+      <p:transition spd="slow" p14:dur="2000"/>
+    </mc:Choice>
+    <mc:Fallback xmlns="">
+      <p:transition xmlns:p14="http://schemas.microsoft.com/office/powerpoint/2010/main" spd="slow"/>
+    </mc:Fallback>
+  </mc:AlternateContent>
+  <p:timing>
+    <p:tnLst>
+      <p:par>
+        <p:cTn xmlns:p14="http://schemas.microsoft.com/office/powerpoint/2010/main" id="1" dur="indefinite" restart="never" nodeType="tmRoot"/>
+      </p:par>
+    </p:tnLst>
+  </p:timing>
+</p:sld>
+</file>
+
+<file path=ppt/slides/slide11.xml><?xml version="1.0" encoding="utf-8"?>
+<p:sld xmlns:a="http://schemas.openxmlformats.org/drawingml/2006/main" xmlns:r="http://schemas.openxmlformats.org/officeDocument/2006/relationships" xmlns:p="http://schemas.openxmlformats.org/presentationml/2006/main">
+  <p:cSld>
+    <p:spTree>
+      <p:nvGrpSpPr>
+        <p:cNvPr id="1" name=""/>
+        <p:cNvGrpSpPr/>
+        <p:nvPr/>
+      </p:nvGrpSpPr>
+      <p:grpSpPr>
+        <a:xfrm>
+          <a:off x="0" y="0"/>
+          <a:ext cx="0" cy="0"/>
+          <a:chOff x="0" y="0"/>
+          <a:chExt cx="0" cy="0"/>
+        </a:xfrm>
+      </p:grpSpPr>
+      <p:sp>
+        <p:nvSpPr>
+          <p:cNvPr id="11265" name="Title 1"/>
+          <p:cNvSpPr>
+            <a:spLocks noGrp="1"/>
+          </p:cNvSpPr>
+          <p:nvPr>
+            <p:ph type="title"/>
+          </p:nvPr>
+        </p:nvSpPr>
+        <p:spPr bwMode="auto">
+          <a:noFill/>
+          <a:extLst>
+            <a:ext uri="{909E8E84-426E-40dd-AFC4-6F175D3DCCD1}">
+              <a14:hiddenFill xmlns:a14="http://schemas.microsoft.com/office/drawing/2010/main">
+                <a:solidFill>
+                  <a:srgbClr val="FFFFFF"/>
+                </a:solidFill>
+              </a14:hiddenFill>
+            </a:ext>
+            <a:ext uri="{91240B29-F687-4f45-9708-019B960494DF}">
+              <a14:hiddenLine xmlns:a14="http://schemas.microsoft.com/office/drawing/2010/main" w="9525">
+                <a:solidFill>
+                  <a:srgbClr val="000000"/>
+                </a:solidFill>
+                <a:miter lim="800000"/>
+                <a:headEnd/>
+                <a:tailEnd/>
+              </a14:hiddenLine>
+            </a:ext>
+          </a:extLst>
+        </p:spPr>
+        <p:txBody>
+          <a:bodyPr wrap="square" lIns="64291" tIns="32146" rIns="64291" bIns="32146" numCol="1" anchor="t" anchorCtr="0" compatLnSpc="1">
+            <a:prstTxWarp prst="textNoShape">
+              <a:avLst/>
+            </a:prstTxWarp>
+          </a:bodyPr>
+          <a:lstStyle/>
+          <a:p>
+            <a:pPr eaLnBrk="1" hangingPunct="1"/>
+            <a:r>
+              <a:rPr lang="en-US" dirty="0">
+                <a:ea typeface="ヒラギノ角ゴ ProN W3" charset="0"/>
+                <a:cs typeface="ヒラギノ角ゴ ProN W3" charset="0"/>
+              </a:rPr>
+              <a:t>Rules of Engagement</a:t>
+            </a:r>
+          </a:p>
+        </p:txBody>
+      </p:sp>
+      <p:sp>
+        <p:nvSpPr>
+          <p:cNvPr id="11266" name="Content Placeholder 2"/>
+          <p:cNvSpPr>
+            <a:spLocks noGrp="1"/>
+          </p:cNvSpPr>
+          <p:nvPr>
+            <p:ph idx="1"/>
+          </p:nvPr>
+        </p:nvSpPr>
+        <p:spPr bwMode="auto">
+          <a:noFill/>
+          <a:extLst>
+            <a:ext uri="{909E8E84-426E-40dd-AFC4-6F175D3DCCD1}">
+              <a14:hiddenFill xmlns:a14="http://schemas.microsoft.com/office/drawing/2010/main">
+                <a:solidFill>
+                  <a:srgbClr val="FFFFFF"/>
+                </a:solidFill>
+              </a14:hiddenFill>
+            </a:ext>
+            <a:ext uri="{91240B29-F687-4f45-9708-019B960494DF}">
+              <a14:hiddenLine xmlns:a14="http://schemas.microsoft.com/office/drawing/2010/main" w="9525">
+                <a:solidFill>
+                  <a:srgbClr val="000000"/>
+                </a:solidFill>
+                <a:miter lim="800000"/>
+                <a:headEnd/>
+                <a:tailEnd/>
+              </a14:hiddenLine>
+            </a:ext>
+          </a:extLst>
+        </p:spPr>
+        <p:txBody>
+          <a:bodyPr wrap="square" lIns="64291" tIns="32146" rIns="64291" bIns="32146" numCol="1" anchor="t" anchorCtr="0" compatLnSpc="1">
+            <a:prstTxWarp prst="textNoShape">
+              <a:avLst/>
+            </a:prstTxWarp>
+            <a:normAutofit/>
+          </a:bodyPr>
+          <a:lstStyle/>
+          <a:p>
+            <a:pPr eaLnBrk="1" hangingPunct="1"/>
+            <a:r>
+              <a:rPr lang="en-US" b="1" i="1" dirty="0">
+                <a:ea typeface="ヒラギノ角ゴ ProN W3" charset="0"/>
+                <a:cs typeface="ヒラギノ角ゴ ProN W3" charset="0"/>
+              </a:rPr>
+              <a:t>Ask questions as we go along</a:t>
+            </a:r>
+          </a:p>
+          <a:p>
+            <a:pPr lvl="1" eaLnBrk="1" hangingPunct="1"/>
+            <a:r>
+              <a:rPr lang="en-US" dirty="0">
+                <a:ea typeface="ヒラギノ角ゴ ProN W3" charset="0"/>
+                <a:cs typeface="ヒラギノ角ゴ ProN W3" charset="0"/>
+              </a:rPr>
+              <a:t>We will “park” any that are better answered later</a:t>
+            </a:r>
+          </a:p>
+          <a:p>
+            <a:pPr lvl="1" eaLnBrk="1" hangingPunct="1"/>
+            <a:r>
+              <a:rPr lang="en-US" dirty="0">
+                <a:ea typeface="ヒラギノ角ゴ ProN W3" charset="0"/>
+                <a:cs typeface="ヒラギノ角ゴ ProN W3" charset="0"/>
+              </a:rPr>
+              <a:t>Don’t wait till the end to ask or raise </a:t>
+            </a:r>
+            <a:r>
+              <a:rPr lang="en-US" dirty="0" smtClean="0">
+                <a:ea typeface="ヒラギノ角ゴ ProN W3" charset="0"/>
+                <a:cs typeface="ヒラギノ角ゴ ProN W3" charset="0"/>
+              </a:rPr>
+              <a:t>concerns</a:t>
+            </a:r>
+          </a:p>
+          <a:p>
+            <a:pPr lvl="1" eaLnBrk="1" hangingPunct="1"/>
+            <a:r>
+              <a:rPr lang="en-US" dirty="0" smtClean="0">
+                <a:ea typeface="ヒラギノ角ゴ ProN W3" charset="0"/>
+                <a:cs typeface="ヒラギノ角ゴ ProN W3" charset="0"/>
+              </a:rPr>
+              <a:t>If you don’t ask we can’t help you</a:t>
+            </a:r>
+            <a:endParaRPr lang="en-US" dirty="0">
+              <a:ea typeface="ヒラギノ角ゴ ProN W3" charset="0"/>
+              <a:cs typeface="ヒラギノ角ゴ ProN W3" charset="0"/>
+            </a:endParaRPr>
+          </a:p>
+        </p:txBody>
+      </p:sp>
+    </p:spTree>
+    <p:extLst>
+      <p:ext uri="{BB962C8B-B14F-4D97-AF65-F5344CB8AC3E}">
+        <p14:creationId xmlns:p14="http://schemas.microsoft.com/office/powerpoint/2010/main" val="688719555"/>
+      </p:ext>
+    </p:extLst>
+  </p:cSld>
+  <p:clrMapOvr>
+    <a:masterClrMapping/>
+  </p:clrMapOvr>
+  <mc:AlternateContent xmlns:mc="http://schemas.openxmlformats.org/markup-compatibility/2006" xmlns:p14="http://schemas.microsoft.com/office/powerpoint/2010/main">
+    <mc:Choice Requires="p14">
+      <p:transition spd="slow" p14:dur="2000"/>
+    </mc:Choice>
+    <mc:Fallback xmlns="">
+      <p:transition xmlns:p14="http://schemas.microsoft.com/office/powerpoint/2010/main" spd="slow"/>
+    </mc:Fallback>
+  </mc:AlternateContent>
+  <p:timing>
+    <p:tnLst>
+      <p:par>
+        <p:cTn xmlns:p14="http://schemas.microsoft.com/office/powerpoint/2010/main" id="1" dur="indefinite" restart="never" nodeType="tmRoot"/>
+      </p:par>
+    </p:tnLst>
+  </p:timing>
+</p:sld>
+</file>
+
+<file path=ppt/slides/slide12.xml><?xml version="1.0" encoding="utf-8"?>
+<p:sld xmlns:a="http://schemas.openxmlformats.org/drawingml/2006/main" xmlns:r="http://schemas.openxmlformats.org/officeDocument/2006/relationships" xmlns:p="http://schemas.openxmlformats.org/presentationml/2006/main">
+  <p:cSld>
+    <p:spTree>
+      <p:nvGrpSpPr>
+        <p:cNvPr id="1" name=""/>
+        <p:cNvGrpSpPr/>
+        <p:nvPr/>
+      </p:nvGrpSpPr>
+      <p:grpSpPr>
+        <a:xfrm>
+          <a:off x="0" y="0"/>
+          <a:ext cx="0" cy="0"/>
+          <a:chOff x="0" y="0"/>
+          <a:chExt cx="0" cy="0"/>
+        </a:xfrm>
+      </p:grpSpPr>
+      <p:sp>
+        <p:nvSpPr>
           <p:cNvPr id="2" name="Title 1"/>
           <p:cNvSpPr>
             <a:spLocks noGrp="1"/>
@@ -4176,7 +4466,7 @@
 </p:sld>
 </file>
 
-<file path=ppt/slides/slide11.xml><?xml version="1.0" encoding="utf-8"?>
+<file path=ppt/slides/slide13.xml><?xml version="1.0" encoding="utf-8"?>
 <p:sld xmlns:a="http://schemas.openxmlformats.org/drawingml/2006/main" xmlns:r="http://schemas.openxmlformats.org/officeDocument/2006/relationships" xmlns:p="http://schemas.openxmlformats.org/presentationml/2006/main">
   <p:cSld>
     <p:spTree>
@@ -4537,7 +4827,7 @@
 </p:sld>
 </file>
 
-<file path=ppt/slides/slide12.xml><?xml version="1.0" encoding="utf-8"?>
+<file path=ppt/slides/slide14.xml><?xml version="1.0" encoding="utf-8"?>
 <p:sld xmlns:a="http://schemas.openxmlformats.org/drawingml/2006/main" xmlns:r="http://schemas.openxmlformats.org/officeDocument/2006/relationships" xmlns:p="http://schemas.openxmlformats.org/presentationml/2006/main">
   <p:cSld>
     <p:spTree>
@@ -4597,7 +4887,7 @@
 </p:sld>
 </file>
 
-<file path=ppt/slides/slide13.xml><?xml version="1.0" encoding="utf-8"?>
+<file path=ppt/slides/slide15.xml><?xml version="1.0" encoding="utf-8"?>
 <p:sld xmlns:a="http://schemas.openxmlformats.org/drawingml/2006/main" xmlns:r="http://schemas.openxmlformats.org/officeDocument/2006/relationships" xmlns:p="http://schemas.openxmlformats.org/presentationml/2006/main">
   <p:cSld>
     <p:spTree>
@@ -4675,14 +4965,14 @@
             <p:ph idx="1"/>
             <p:extLst>
               <p:ext uri="{D42A27DB-BD31-4B8C-83A1-F6EECF244321}">
-                <p14:modId xmlns:p14="http://schemas.microsoft.com/office/powerpoint/2010/main" val="396897178"/>
+                <p14:modId xmlns:p14="http://schemas.microsoft.com/office/powerpoint/2010/main" val="525658399"/>
               </p:ext>
             </p:extLst>
           </p:nvPr>
         </p:nvGraphicFramePr>
         <p:xfrm>
           <a:off x="457646" y="1172857"/>
-          <a:ext cx="8063510" cy="3720545"/>
+          <a:ext cx="8063510" cy="5406865"/>
         </p:xfrm>
         <a:graphic>
           <a:graphicData uri="http://schemas.openxmlformats.org/drawingml/2006/table">
@@ -4774,7 +5064,17 @@
                   <a:tcPr marL="64294" marR="64294" marT="32147" marB="32147"/>
                 </a:tc>
               </a:tr>
-              <a:tr h="365451">
+              <a:tr h="668747">
+                <a:tc>
+                  <a:txBody>
+                    <a:bodyPr/>
+                    <a:lstStyle/>
+                    <a:p>
+                      <a:endParaRPr lang="en-US" sz="1700" i="1" dirty="0"/>
+                    </a:p>
+                  </a:txBody>
+                  <a:tcPr marL="64294" marR="64294" marT="32147" marB="32147"/>
+                </a:tc>
                 <a:tc>
                   <a:txBody>
                     <a:bodyPr/>
@@ -4782,7 +5082,7 @@
                     <a:p>
                       <a:r>
                         <a:rPr lang="en-US" sz="1700" dirty="0" smtClean="0"/>
-                        <a:t>Introduction</a:t>
+                        <a:t>Recap and Review</a:t>
                       </a:r>
                       <a:endParaRPr lang="en-US" sz="1700" dirty="0"/>
                     </a:p>
@@ -4794,7 +5094,27 @@
                     <a:bodyPr/>
                     <a:lstStyle/>
                     <a:p>
-                      <a:endParaRPr lang="en-US" sz="1700" dirty="0"/>
+                      <a:pPr marL="0" marR="0" indent="0" algn="l" defTabSz="457200" rtl="0" eaLnBrk="1" fontAlgn="auto" latinLnBrk="0" hangingPunct="1">
+                        <a:lnSpc>
+                          <a:spcPct val="100000"/>
+                        </a:lnSpc>
+                        <a:spcBef>
+                          <a:spcPts val="0"/>
+                        </a:spcBef>
+                        <a:spcAft>
+                          <a:spcPts val="0"/>
+                        </a:spcAft>
+                        <a:buClrTx/>
+                        <a:buSzTx/>
+                        <a:buFontTx/>
+                        <a:buNone/>
+                        <a:tabLst/>
+                        <a:defRPr/>
+                      </a:pPr>
+                      <a:r>
+                        <a:rPr lang="en-US" sz="1700" dirty="0" smtClean="0"/>
+                        <a:t>Recap and Review</a:t>
+                      </a:r>
                     </a:p>
                   </a:txBody>
                   <a:tcPr marL="64294" marR="64294" marT="32147" marB="32147"/>
@@ -4804,7 +5124,27 @@
                     <a:bodyPr/>
                     <a:lstStyle/>
                     <a:p>
-                      <a:endParaRPr lang="en-US" sz="1700" dirty="0"/>
+                      <a:pPr marL="0" marR="0" indent="0" algn="l" defTabSz="457200" rtl="0" eaLnBrk="1" fontAlgn="auto" latinLnBrk="0" hangingPunct="1">
+                        <a:lnSpc>
+                          <a:spcPct val="100000"/>
+                        </a:lnSpc>
+                        <a:spcBef>
+                          <a:spcPts val="0"/>
+                        </a:spcBef>
+                        <a:spcAft>
+                          <a:spcPts val="0"/>
+                        </a:spcAft>
+                        <a:buClrTx/>
+                        <a:buSzTx/>
+                        <a:buFontTx/>
+                        <a:buNone/>
+                        <a:tabLst/>
+                        <a:defRPr/>
+                      </a:pPr>
+                      <a:r>
+                        <a:rPr lang="en-US" sz="1800" dirty="0" smtClean="0"/>
+                        <a:t>Recap and Review</a:t>
+                      </a:r>
                     </a:p>
                   </a:txBody>
                   <a:tcPr marL="64294" marR="64294" marT="32147" marB="32147"/>
@@ -4814,17 +5154,27 @@
                     <a:bodyPr/>
                     <a:lstStyle/>
                     <a:p>
-                      <a:endParaRPr lang="en-US" dirty="0"/>
-                    </a:p>
-                  </a:txBody>
-                  <a:tcPr marL="64294" marR="64294" marT="32147" marB="32147"/>
-                </a:tc>
-                <a:tc>
-                  <a:txBody>
-                    <a:bodyPr/>
-                    <a:lstStyle/>
-                    <a:p>
-                      <a:endParaRPr lang="en-US" dirty="0"/>
+                      <a:pPr marL="0" marR="0" indent="0" algn="l" defTabSz="457200" rtl="0" eaLnBrk="1" fontAlgn="auto" latinLnBrk="0" hangingPunct="1">
+                        <a:lnSpc>
+                          <a:spcPct val="100000"/>
+                        </a:lnSpc>
+                        <a:spcBef>
+                          <a:spcPts val="0"/>
+                        </a:spcBef>
+                        <a:spcAft>
+                          <a:spcPts val="0"/>
+                        </a:spcAft>
+                        <a:buClrTx/>
+                        <a:buSzTx/>
+                        <a:buFontTx/>
+                        <a:buNone/>
+                        <a:tabLst/>
+                        <a:defRPr/>
+                      </a:pPr>
+                      <a:r>
+                        <a:rPr lang="en-US" sz="1800" dirty="0" smtClean="0"/>
+                        <a:t>Recap and Review</a:t>
+                      </a:r>
                     </a:p>
                   </a:txBody>
                   <a:tcPr marL="64294" marR="64294" marT="32147" marB="32147"/>
@@ -4836,6 +5186,59 @@
                     <a:bodyPr/>
                     <a:lstStyle/>
                     <a:p>
+                      <a:r>
+                        <a:rPr lang="en-US" sz="1700" i="0" dirty="0" smtClean="0"/>
+                        <a:t>Overall</a:t>
+                      </a:r>
+                      <a:r>
+                        <a:rPr lang="en-US" sz="1700" i="0" baseline="0" dirty="0" smtClean="0"/>
+                        <a:t> </a:t>
+                      </a:r>
+                      <a:r>
+                        <a:rPr lang="en-US" sz="1700" i="0" dirty="0" smtClean="0"/>
+                        <a:t>Introductions</a:t>
+                      </a:r>
+                    </a:p>
+                    <a:p>
+                      <a:r>
+                        <a:rPr lang="en-US" sz="1700" i="0" dirty="0" smtClean="0"/>
+                        <a:t>First</a:t>
+                      </a:r>
+                      <a:r>
+                        <a:rPr lang="en-US" sz="1700" i="0" baseline="0" dirty="0" smtClean="0"/>
+                        <a:t> Cloud lab exercise</a:t>
+                      </a:r>
+                      <a:endParaRPr lang="en-US" sz="1700" i="0" dirty="0"/>
+                    </a:p>
+                  </a:txBody>
+                  <a:tcPr marL="64294" marR="64294" marT="32147" marB="32147"/>
+                </a:tc>
+                <a:tc>
+                  <a:txBody>
+                    <a:bodyPr/>
+                    <a:lstStyle/>
+                    <a:p>
+                      <a:r>
+                        <a:rPr lang="en-US" sz="1700" dirty="0" smtClean="0"/>
+                        <a:t>Introduction</a:t>
+                      </a:r>
+                      <a:r>
+                        <a:rPr lang="en-US" sz="1700" baseline="0" dirty="0" smtClean="0"/>
+                        <a:t> to Big Data and case studies</a:t>
+                      </a:r>
+                    </a:p>
+                    <a:p>
+                      <a:endParaRPr lang="en-US" sz="1700" baseline="0" dirty="0" smtClean="0"/>
+                    </a:p>
+                    <a:p>
+                      <a:r>
+                        <a:rPr lang="en-US" sz="1700" baseline="0" dirty="0" err="1" smtClean="0"/>
+                        <a:t>Hadoop</a:t>
+                      </a:r>
+                      <a:r>
+                        <a:rPr lang="en-US" sz="1700" baseline="0" dirty="0" smtClean="0"/>
+                        <a:t> Lab 1</a:t>
+                      </a:r>
                       <a:endParaRPr lang="en-US" sz="1700" dirty="0"/>
                     </a:p>
                   </a:txBody>
@@ -4846,6 +5249,23 @@
                     <a:bodyPr/>
                     <a:lstStyle/>
                     <a:p>
+                      <a:r>
+                        <a:rPr lang="en-US" sz="1700" dirty="0" smtClean="0"/>
+                        <a:t>Spark</a:t>
+                      </a:r>
+                      <a:r>
+                        <a:rPr lang="en-US" sz="1700" baseline="0" dirty="0" smtClean="0"/>
+                        <a:t> and R</a:t>
+                      </a:r>
+                    </a:p>
+                    <a:p>
+                      <a:endParaRPr lang="en-US" sz="1700" baseline="0" dirty="0" smtClean="0"/>
+                    </a:p>
+                    <a:p>
+                      <a:r>
+                        <a:rPr lang="en-US" sz="1700" baseline="0" smtClean="0"/>
+                        <a:t>R lab</a:t>
+                      </a:r>
                       <a:endParaRPr lang="en-US" sz="1700" dirty="0"/>
                     </a:p>
                   </a:txBody>
@@ -4856,16 +5276,28 @@
                     <a:bodyPr/>
                     <a:lstStyle/>
                     <a:p>
-                      <a:endParaRPr lang="en-US" sz="1700" dirty="0"/>
+                      <a:r>
+                        <a:rPr lang="en-US" dirty="0" smtClean="0"/>
+                        <a:t>Containers and </a:t>
+                      </a:r>
+                      <a:r>
+                        <a:rPr lang="en-US" dirty="0" err="1" smtClean="0"/>
+                        <a:t>Docker</a:t>
+                      </a:r>
+                      <a:endParaRPr lang="en-US" dirty="0" smtClean="0"/>
                     </a:p>
-                  </a:txBody>
-                  <a:tcPr marL="64294" marR="64294" marT="32147" marB="32147"/>
-                </a:tc>
-                <a:tc>
-                  <a:txBody>
-                    <a:bodyPr/>
-                    <a:lstStyle/>
                     <a:p>
+                      <a:endParaRPr lang="en-US" dirty="0" smtClean="0"/>
+                    </a:p>
+                    <a:p>
+                      <a:r>
+                        <a:rPr lang="en-US" dirty="0" err="1" smtClean="0"/>
+                        <a:t>Docker</a:t>
+                      </a:r>
+                      <a:r>
+                        <a:rPr lang="en-US" dirty="0" smtClean="0"/>
+                        <a:t> Lab</a:t>
+                      </a:r>
                       <a:endParaRPr lang="en-US" dirty="0"/>
                     </a:p>
                   </a:txBody>
@@ -4876,6 +5308,23 @@
                     <a:bodyPr/>
                     <a:lstStyle/>
                     <a:p>
+                      <a:r>
+                        <a:rPr lang="en-US" dirty="0" smtClean="0"/>
+                        <a:t>Overview</a:t>
+                      </a:r>
+                      <a:r>
+                        <a:rPr lang="en-US" baseline="0" dirty="0" smtClean="0"/>
+                        <a:t> and Recap Presentation</a:t>
+                      </a:r>
+                    </a:p>
+                    <a:p>
+                      <a:endParaRPr lang="en-US" baseline="0" dirty="0" smtClean="0"/>
+                    </a:p>
+                    <a:p>
+                      <a:r>
+                        <a:rPr lang="en-US" baseline="0" dirty="0" smtClean="0"/>
+                        <a:t>Group Exercise</a:t>
+                      </a:r>
                       <a:endParaRPr lang="en-US" dirty="0"/>
                     </a:p>
                   </a:txBody>
@@ -4888,6 +5337,26 @@
                     <a:bodyPr/>
                     <a:lstStyle/>
                     <a:p>
+                      <a:r>
+                        <a:rPr lang="en-US" sz="1700" dirty="0" smtClean="0"/>
+                        <a:t>Cloud Overview</a:t>
+                      </a:r>
+                    </a:p>
+                    <a:p>
+                      <a:r>
+                        <a:rPr lang="en-US" sz="1700" dirty="0" smtClean="0"/>
+                        <a:t>and</a:t>
+                      </a:r>
+                      <a:r>
+                        <a:rPr lang="en-US" sz="1700" baseline="0" dirty="0" smtClean="0"/>
+                        <a:t> case studies</a:t>
+                      </a:r>
+                    </a:p>
+                    <a:p>
+                      <a:r>
+                        <a:rPr lang="en-US" sz="1700" baseline="0" dirty="0" smtClean="0"/>
+                        <a:t>Elastic Cloud Lab</a:t>
+                      </a:r>
                       <a:endParaRPr lang="en-US" sz="1700" dirty="0"/>
                     </a:p>
                   </a:txBody>
@@ -4898,6 +5367,27 @@
                     <a:bodyPr/>
                     <a:lstStyle/>
                     <a:p>
+                      <a:r>
+                        <a:rPr lang="en-US" sz="1700" dirty="0" err="1" smtClean="0"/>
+                        <a:t>Hadoop</a:t>
+                      </a:r>
+                      <a:r>
+                        <a:rPr lang="en-US" sz="1700" dirty="0" smtClean="0"/>
+                        <a:t> details,</a:t>
+                      </a:r>
+                      <a:r>
+                        <a:rPr lang="en-US" sz="1700" baseline="0" dirty="0" smtClean="0"/>
+                        <a:t> Map-Reduce</a:t>
+                      </a:r>
+                    </a:p>
+                    <a:p>
+                      <a:endParaRPr lang="en-US" sz="1700" baseline="0" dirty="0" smtClean="0"/>
+                    </a:p>
+                    <a:p>
+                      <a:r>
+                        <a:rPr lang="en-US" sz="1700" baseline="0" dirty="0" smtClean="0"/>
+                        <a:t>Spark Lab</a:t>
+                      </a:r>
                       <a:endParaRPr lang="en-US" sz="1700" dirty="0"/>
                     </a:p>
                   </a:txBody>
@@ -4908,6 +5398,32 @@
                     <a:bodyPr/>
                     <a:lstStyle/>
                     <a:p>
+                      <a:r>
+                        <a:rPr lang="en-US" dirty="0" smtClean="0"/>
+                        <a:t>Storage</a:t>
+                      </a:r>
+                      <a:r>
+                        <a:rPr lang="en-US" baseline="0" dirty="0" smtClean="0"/>
+                        <a:t> and </a:t>
+                      </a:r>
+                      <a:r>
+                        <a:rPr lang="en-US" baseline="0" dirty="0" err="1" smtClean="0"/>
+                        <a:t>NoSQL</a:t>
+                      </a:r>
+                      <a:endParaRPr lang="en-US" baseline="0" dirty="0" smtClean="0"/>
+                    </a:p>
+                    <a:p>
+                      <a:endParaRPr lang="en-US" baseline="0" dirty="0" smtClean="0"/>
+                    </a:p>
+                    <a:p>
+                      <a:r>
+                        <a:rPr lang="en-US" baseline="0" dirty="0" err="1" smtClean="0"/>
+                        <a:t>NoSQL</a:t>
+                      </a:r>
+                      <a:r>
+                        <a:rPr lang="en-US" baseline="0" dirty="0" smtClean="0"/>
+                        <a:t> Lab</a:t>
+                      </a:r>
                       <a:endParaRPr lang="en-US" dirty="0"/>
                     </a:p>
                   </a:txBody>
@@ -4918,6 +5434,20 @@
                     <a:bodyPr/>
                     <a:lstStyle/>
                     <a:p>
+                      <a:r>
+                        <a:rPr lang="en-US" dirty="0" smtClean="0"/>
+                        <a:t>Security and Runtime</a:t>
+                      </a:r>
+                      <a:endParaRPr lang="en-US" baseline="0" dirty="0" smtClean="0"/>
+                    </a:p>
+                    <a:p>
+                      <a:endParaRPr lang="en-US" baseline="0" dirty="0" smtClean="0"/>
+                    </a:p>
+                    <a:p>
+                      <a:r>
+                        <a:rPr lang="en-US" baseline="0" dirty="0" smtClean="0"/>
+                        <a:t>Monitoring Lab</a:t>
+                      </a:r>
                       <a:endParaRPr lang="en-US" dirty="0"/>
                     </a:p>
                   </a:txBody>
@@ -4928,6 +5458,14 @@
                     <a:bodyPr/>
                     <a:lstStyle/>
                     <a:p>
+                      <a:r>
+                        <a:rPr lang="en-US" sz="1700" dirty="0" smtClean="0"/>
+                        <a:t>Final Thoughts </a:t>
+                      </a:r>
+                      <a:r>
+                        <a:rPr lang="en-US" sz="1700" smtClean="0"/>
+                        <a:t>and Assignment</a:t>
+                      </a:r>
                       <a:endParaRPr lang="en-US" sz="1700" dirty="0"/>
                     </a:p>
                   </a:txBody>
@@ -4940,6 +5478,27 @@
                     <a:bodyPr/>
                     <a:lstStyle/>
                     <a:p>
+                      <a:r>
+                        <a:rPr lang="en-US" sz="1700" dirty="0" smtClean="0"/>
+                        <a:t>Cloud Theory</a:t>
+                      </a:r>
+                      <a:br>
+                        <a:rPr lang="en-US" sz="1700" dirty="0" smtClean="0"/>
+                      </a:br>
+                      <a:r>
+                        <a:rPr lang="en-US" sz="1700" dirty="0" smtClean="0"/>
+                        <a:t>Platform-as-a-Service,</a:t>
+                      </a:r>
+                      <a:r>
+                        <a:rPr lang="en-US" sz="1700" baseline="0" dirty="0" smtClean="0"/>
+                        <a:t> scaling</a:t>
+                      </a:r>
+                    </a:p>
+                    <a:p>
+                      <a:r>
+                        <a:rPr lang="en-US" sz="1700" baseline="0" dirty="0" smtClean="0"/>
+                        <a:t>Cloud deployment exercise</a:t>
+                      </a:r>
                       <a:endParaRPr lang="en-US" sz="1700" dirty="0"/>
                     </a:p>
                   </a:txBody>
@@ -4950,6 +5509,20 @@
                     <a:bodyPr/>
                     <a:lstStyle/>
                     <a:p>
+                      <a:r>
+                        <a:rPr lang="en-US" sz="1700" dirty="0" smtClean="0"/>
+                        <a:t>Intro to Spark</a:t>
+                      </a:r>
+                      <a:endParaRPr lang="en-US" sz="1700" baseline="0" dirty="0" smtClean="0"/>
+                    </a:p>
+                    <a:p>
+                      <a:endParaRPr lang="en-US" sz="1700" baseline="0" dirty="0" smtClean="0"/>
+                    </a:p>
+                    <a:p>
+                      <a:r>
+                        <a:rPr lang="en-US" sz="1700" baseline="0" dirty="0" smtClean="0"/>
+                        <a:t>Spark cluster lab</a:t>
+                      </a:r>
                       <a:endParaRPr lang="en-US" sz="1700" dirty="0"/>
                     </a:p>
                   </a:txBody>
@@ -4960,6 +5533,24 @@
                     <a:bodyPr/>
                     <a:lstStyle/>
                     <a:p>
+                      <a:r>
+                        <a:rPr lang="en-US" dirty="0" err="1" smtClean="0"/>
+                        <a:t>Visualisation</a:t>
+                      </a:r>
+                      <a:endParaRPr lang="en-US" dirty="0" smtClean="0"/>
+                    </a:p>
+                    <a:p>
+                      <a:endParaRPr lang="en-US" dirty="0" smtClean="0"/>
+                    </a:p>
+                    <a:p>
+                      <a:r>
+                        <a:rPr lang="en-US" dirty="0" err="1" smtClean="0"/>
+                        <a:t>Visualisation</a:t>
+                      </a:r>
+                      <a:r>
+                        <a:rPr lang="en-US" dirty="0" smtClean="0"/>
+                        <a:t> Lab</a:t>
+                      </a:r>
                       <a:endParaRPr lang="en-US" dirty="0"/>
                     </a:p>
                   </a:txBody>
@@ -4970,6 +5561,27 @@
                     <a:bodyPr/>
                     <a:lstStyle/>
                     <a:p>
+                      <a:r>
+                        <a:rPr lang="en-US" dirty="0" err="1" smtClean="0"/>
+                        <a:t>Realtime</a:t>
+                      </a:r>
+                      <a:r>
+                        <a:rPr lang="en-US" dirty="0" smtClean="0"/>
+                        <a:t> Big Data</a:t>
+                      </a:r>
+                    </a:p>
+                    <a:p>
+                      <a:endParaRPr lang="en-US" dirty="0" smtClean="0"/>
+                    </a:p>
+                    <a:p>
+                      <a:r>
+                        <a:rPr lang="en-US" dirty="0" err="1" smtClean="0"/>
+                        <a:t>Realtime</a:t>
+                      </a:r>
+                      <a:r>
+                        <a:rPr lang="en-US" baseline="0" dirty="0" smtClean="0"/>
+                        <a:t> Lab</a:t>
+                      </a:r>
                       <a:endParaRPr lang="en-US" dirty="0"/>
                     </a:p>
                   </a:txBody>
@@ -5018,7 +5630,7 @@
 </p:sld>
 </file>
 
-<file path=ppt/slides/slide14.xml><?xml version="1.0" encoding="utf-8"?>
+<file path=ppt/slides/slide16.xml><?xml version="1.0" encoding="utf-8"?>
 <p:sld xmlns:a="http://schemas.openxmlformats.org/drawingml/2006/main" xmlns:r="http://schemas.openxmlformats.org/officeDocument/2006/relationships" xmlns:p="http://schemas.openxmlformats.org/presentationml/2006/main">
   <p:cSld>
     <p:spTree>
@@ -5307,12 +5919,16 @@
           <a:p>
             <a:pPr eaLnBrk="1" hangingPunct="1"/>
             <a:r>
-              <a:rPr lang="en-US" dirty="0">
-                <a:ea typeface="ヒラギノ角ゴ ProN W3" charset="0"/>
-                <a:cs typeface="ヒラギノ角ゴ ProN W3" charset="0"/>
-              </a:rPr>
-              <a:t>Connections</a:t>
-            </a:r>
+              <a:rPr lang="en-US" dirty="0" smtClean="0">
+                <a:ea typeface="ヒラギノ角ゴ ProN W3" charset="0"/>
+                <a:cs typeface="ヒラギノ角ゴ ProN W3" charset="0"/>
+              </a:rPr>
+              <a:t>Objectives</a:t>
+            </a:r>
+            <a:endParaRPr lang="en-US" dirty="0">
+              <a:ea typeface="ヒラギノ角ゴ ProN W3" charset="0"/>
+              <a:cs typeface="ヒラギノ角ゴ ProN W3" charset="0"/>
+            </a:endParaRPr>
           </a:p>
           <a:p>
             <a:pPr eaLnBrk="1" hangingPunct="1"/>
@@ -5670,7 +6286,7 @@
             </a:pPr>
             <a:r>
               <a:rPr lang="en-US" sz="2400" b="1" dirty="0" smtClean="0"/>
-              <a:t>Covered by the Pre-Study Guide!</a:t>
+              <a:t>Covered by the Pre-Study Guide</a:t>
             </a:r>
           </a:p>
           <a:p>
@@ -5691,7 +6307,28 @@
               <a:rPr lang="en-US" sz="2400" dirty="0" smtClean="0"/>
               <a:t>tooling and Unix commands</a:t>
             </a:r>
-            <a:endParaRPr lang="en-US" sz="2400" b="1" dirty="0" smtClean="0"/>
+          </a:p>
+          <a:p>
+            <a:pPr eaLnBrk="1" hangingPunct="1">
+              <a:defRPr/>
+            </a:pPr>
+            <a:r>
+              <a:rPr lang="en-US" sz="2400" dirty="0" smtClean="0"/>
+              <a:t>Some </a:t>
+            </a:r>
+            <a:r>
+              <a:rPr lang="en-US" sz="2400" b="1" dirty="0" smtClean="0"/>
+              <a:t>Python programming </a:t>
+            </a:r>
+            <a:r>
+              <a:rPr lang="en-US" sz="2400" dirty="0" smtClean="0"/>
+              <a:t>and </a:t>
+            </a:r>
+            <a:r>
+              <a:rPr lang="en-US" sz="2400" b="1" dirty="0" smtClean="0"/>
+              <a:t>text editors</a:t>
+            </a:r>
+            <a:endParaRPr lang="en-US" sz="2400" dirty="0" smtClean="0"/>
           </a:p>
           <a:p>
             <a:pPr eaLnBrk="1" hangingPunct="1">
@@ -5869,111 +6506,11 @@
             <a:prstTxWarp prst="textNoShape">
               <a:avLst/>
             </a:prstTxWarp>
-            <a:normAutofit lnSpcReduction="10000"/>
+            <a:normAutofit/>
           </a:bodyPr>
           <a:lstStyle/>
           <a:p>
             <a:pPr eaLnBrk="1" hangingPunct="1"/>
-            <a:r>
-              <a:rPr lang="en-US" sz="2800" dirty="0" smtClean="0">
-                <a:ea typeface="ヒラギノ角ゴ ProN W3" charset="0"/>
-                <a:cs typeface="ヒラギノ角ゴ ProN W3" charset="0"/>
-              </a:rPr>
-              <a:t>Origins and Background</a:t>
-            </a:r>
-          </a:p>
-          <a:p>
-            <a:pPr eaLnBrk="1" hangingPunct="1"/>
-            <a:r>
-              <a:rPr lang="en-US" sz="2800" dirty="0" smtClean="0">
-                <a:ea typeface="ヒラギノ角ゴ ProN W3" charset="0"/>
-                <a:cs typeface="ヒラギノ角ゴ ProN W3" charset="0"/>
-              </a:rPr>
-              <a:t>Using Cloud Services</a:t>
-            </a:r>
-          </a:p>
-          <a:p>
-            <a:pPr eaLnBrk="1" hangingPunct="1"/>
-            <a:r>
-              <a:rPr lang="en-US" sz="2800" dirty="0" smtClean="0">
-                <a:ea typeface="ヒラギノ角ゴ ProN W3" charset="0"/>
-                <a:cs typeface="ヒラギノ角ゴ ProN W3" charset="0"/>
-              </a:rPr>
-              <a:t>Map Reduce and other big data algorithms</a:t>
-            </a:r>
-          </a:p>
-          <a:p>
-            <a:pPr eaLnBrk="1" hangingPunct="1"/>
-            <a:r>
-              <a:rPr lang="en-US" sz="2800" dirty="0" smtClean="0">
-                <a:ea typeface="ヒラギノ角ゴ ProN W3" charset="0"/>
-                <a:cs typeface="ヒラギノ角ゴ ProN W3" charset="0"/>
-              </a:rPr>
-              <a:t>Cloud Computing Theory</a:t>
-            </a:r>
-          </a:p>
-          <a:p>
-            <a:pPr eaLnBrk="1" hangingPunct="1"/>
-            <a:r>
-              <a:rPr lang="en-US" sz="2800" dirty="0" err="1" smtClean="0">
-                <a:ea typeface="ヒラギノ角ゴ ProN W3" charset="0"/>
-                <a:cs typeface="ヒラギノ角ゴ ProN W3" charset="0"/>
-              </a:rPr>
-              <a:t>NoSQL</a:t>
-            </a:r>
-            <a:r>
-              <a:rPr lang="en-US" sz="2800" dirty="0" smtClean="0">
-                <a:ea typeface="ヒラギノ角ゴ ProN W3" charset="0"/>
-                <a:cs typeface="ヒラギノ角ゴ ProN W3" charset="0"/>
-              </a:rPr>
-              <a:t> and scalable storage</a:t>
-            </a:r>
-          </a:p>
-          <a:p>
-            <a:pPr eaLnBrk="1" hangingPunct="1"/>
-            <a:r>
-              <a:rPr lang="en-US" sz="2800" dirty="0" smtClean="0">
-                <a:ea typeface="ヒラギノ角ゴ ProN W3" charset="0"/>
-                <a:cs typeface="ヒラギノ角ゴ ProN W3" charset="0"/>
-              </a:rPr>
-              <a:t>Case studies</a:t>
-            </a:r>
-          </a:p>
-          <a:p>
-            <a:r>
-              <a:rPr lang="en-US" sz="2800" dirty="0">
-                <a:ea typeface="ヒラギノ角ゴ ProN W3" charset="0"/>
-                <a:cs typeface="ヒラギノ角ゴ ProN W3" charset="0"/>
-              </a:rPr>
-              <a:t>Open Source big data and cloud </a:t>
-            </a:r>
-            <a:r>
-              <a:rPr lang="en-US" sz="2800" dirty="0" smtClean="0">
-                <a:ea typeface="ヒラギノ角ゴ ProN W3" charset="0"/>
-                <a:cs typeface="ヒラギノ角ゴ ProN W3" charset="0"/>
-              </a:rPr>
-              <a:t>systems</a:t>
-            </a:r>
-          </a:p>
-          <a:p>
-            <a:pPr eaLnBrk="1" hangingPunct="1"/>
-            <a:r>
-              <a:rPr lang="en-US" sz="2800" dirty="0" smtClean="0">
-                <a:ea typeface="ヒラギノ角ゴ ProN W3" charset="0"/>
-                <a:cs typeface="ヒラギノ角ゴ ProN W3" charset="0"/>
-              </a:rPr>
-              <a:t>Emerging cloud technologies</a:t>
-            </a:r>
-          </a:p>
-          <a:p>
-            <a:pPr eaLnBrk="1" hangingPunct="1"/>
-            <a:r>
-              <a:rPr lang="en-US" sz="2800" dirty="0" smtClean="0">
-                <a:ea typeface="ヒラギノ角ゴ ProN W3" charset="0"/>
-                <a:cs typeface="ヒラギノ角ゴ ProN W3" charset="0"/>
-              </a:rPr>
-              <a:t>Cloud Computing Security</a:t>
-            </a:r>
             <a:endParaRPr lang="en-US" sz="2800" dirty="0" smtClean="0">
               <a:ea typeface="ヒラギノ角ゴ ProN W3" charset="0"/>
               <a:cs typeface="ヒラギノ角ゴ ProN W3" charset="0"/>
@@ -6224,12 +6761,16 @@
           <a:p>
             <a:pPr eaLnBrk="1" hangingPunct="1"/>
             <a:r>
-              <a:rPr lang="en-US" dirty="0">
-                <a:ea typeface="ヒラギノ角ゴ ProN W3" charset="0"/>
-                <a:cs typeface="ヒラギノ角ゴ ProN W3" charset="0"/>
-              </a:rPr>
-              <a:t>Connections</a:t>
-            </a:r>
+              <a:rPr lang="en-US" dirty="0" smtClean="0">
+                <a:ea typeface="ヒラギノ角ゴ ProN W3" charset="0"/>
+                <a:cs typeface="ヒラギノ角ゴ ProN W3" charset="0"/>
+              </a:rPr>
+              <a:t>Specific Objectives</a:t>
+            </a:r>
+            <a:endParaRPr lang="en-US" dirty="0">
+              <a:ea typeface="ヒラギノ角ゴ ProN W3" charset="0"/>
+              <a:cs typeface="ヒラギノ角ゴ ProN W3" charset="0"/>
+            </a:endParaRPr>
           </a:p>
         </p:txBody>
       </p:sp>
@@ -6270,47 +6811,162 @@
             <a:prstTxWarp prst="textNoShape">
               <a:avLst/>
             </a:prstTxWarp>
+            <a:noAutofit/>
           </a:bodyPr>
           <a:lstStyle/>
           <a:p>
             <a:pPr eaLnBrk="1" hangingPunct="1"/>
             <a:r>
-              <a:rPr lang="en-US" dirty="0">
-                <a:ea typeface="ヒラギノ角ゴ ProN W3" charset="0"/>
-                <a:cs typeface="ヒラギノ角ゴ ProN W3" charset="0"/>
-              </a:rPr>
-              <a:t>Objects (OOR, OOD, OOP, DPA, SPL)</a:t>
+              <a:rPr lang="en-US" sz="2000" dirty="0" smtClean="0">
+                <a:ea typeface="ヒラギノ角ゴ ProN W3" charset="0"/>
+                <a:cs typeface="ヒラギノ角ゴ ProN W3" charset="0"/>
+              </a:rPr>
+              <a:t>Understand the principles of cloud computing</a:t>
+            </a:r>
+          </a:p>
+          <a:p>
+            <a:pPr lvl="1"/>
+            <a:r>
+              <a:rPr lang="en-US" sz="1800" dirty="0" smtClean="0">
+                <a:ea typeface="ヒラギノ角ゴ ProN W3" charset="0"/>
+                <a:cs typeface="ヒラギノ角ゴ ProN W3" charset="0"/>
+              </a:rPr>
+              <a:t>Theory of scalability </a:t>
+            </a:r>
+          </a:p>
+          <a:p>
+            <a:pPr lvl="1"/>
+            <a:r>
+              <a:rPr lang="en-US" sz="1800" dirty="0" smtClean="0">
+                <a:ea typeface="ヒラギノ角ゴ ProN W3" charset="0"/>
+                <a:cs typeface="ヒラギノ角ゴ ProN W3" charset="0"/>
+              </a:rPr>
+              <a:t>Including scalability and deployment</a:t>
+            </a:r>
+          </a:p>
+          <a:p>
+            <a:pPr lvl="1"/>
+            <a:r>
+              <a:rPr lang="en-US" sz="1800" dirty="0" err="1" smtClean="0">
+                <a:ea typeface="ヒラギノ角ゴ ProN W3" charset="0"/>
+                <a:cs typeface="ヒラギノ角ゴ ProN W3" charset="0"/>
+              </a:rPr>
+              <a:t>IaaS</a:t>
+            </a:r>
+            <a:r>
+              <a:rPr lang="en-US" sz="1800" dirty="0" smtClean="0">
+                <a:ea typeface="ヒラギノ角ゴ ProN W3" charset="0"/>
+                <a:cs typeface="ヒラギノ角ゴ ProN W3" charset="0"/>
+              </a:rPr>
+              <a:t> frameworks, </a:t>
+            </a:r>
+            <a:r>
+              <a:rPr lang="en-US" sz="1800" dirty="0" err="1" smtClean="0">
+                <a:ea typeface="ヒラギノ角ゴ ProN W3" charset="0"/>
+                <a:cs typeface="ヒラギノ角ゴ ProN W3" charset="0"/>
+              </a:rPr>
+              <a:t>PaaS</a:t>
+            </a:r>
+            <a:r>
+              <a:rPr lang="en-US" sz="1800" dirty="0" smtClean="0">
+                <a:ea typeface="ヒラギノ角ゴ ProN W3" charset="0"/>
+                <a:cs typeface="ヒラギノ角ゴ ProN W3" charset="0"/>
+              </a:rPr>
+              <a:t>, containers</a:t>
             </a:r>
           </a:p>
           <a:p>
             <a:pPr eaLnBrk="1" hangingPunct="1"/>
             <a:r>
-              <a:rPr lang="en-US" dirty="0">
-                <a:ea typeface="ヒラギノ角ゴ ProN W3" charset="0"/>
-                <a:cs typeface="ヒラギノ角ゴ ProN W3" charset="0"/>
-              </a:rPr>
-              <a:t>Formal techniques (SEM, SDE)</a:t>
-            </a:r>
-          </a:p>
-          <a:p>
-            <a:pPr eaLnBrk="1" hangingPunct="1"/>
-            <a:r>
-              <a:rPr lang="en-US" dirty="0">
-                <a:ea typeface="ヒラギノ角ゴ ProN W3" charset="0"/>
-                <a:cs typeface="ヒラギノ角ゴ ProN W3" charset="0"/>
-              </a:rPr>
-              <a:t>Concurrency (CDS, ACT, MOB)</a:t>
-            </a:r>
-          </a:p>
-          <a:p>
-            <a:pPr eaLnBrk="1" hangingPunct="1"/>
-            <a:r>
-              <a:rPr lang="en-US" dirty="0">
-                <a:ea typeface="ヒラギノ角ゴ ProN W3" charset="0"/>
-                <a:cs typeface="ヒラギノ角ゴ ProN W3" charset="0"/>
-              </a:rPr>
-              <a:t>Security (SPR, SRO, DES, NES)</a:t>
-            </a:r>
+              <a:rPr lang="en-US" sz="2000" dirty="0" smtClean="0">
+                <a:ea typeface="ヒラギノ角ゴ ProN W3" charset="0"/>
+                <a:cs typeface="ヒラギノ角ゴ ProN W3" charset="0"/>
+              </a:rPr>
+              <a:t>Understand Big Data approaches, technologies and techniques</a:t>
+            </a:r>
+          </a:p>
+          <a:p>
+            <a:pPr lvl="1"/>
+            <a:r>
+              <a:rPr lang="en-US" sz="1800" dirty="0" smtClean="0">
+                <a:ea typeface="ヒラギノ角ゴ ProN W3" charset="0"/>
+                <a:cs typeface="ヒラギノ角ゴ ProN W3" charset="0"/>
+              </a:rPr>
+              <a:t>Theoretical background and approaches</a:t>
+            </a:r>
+          </a:p>
+          <a:p>
+            <a:pPr lvl="1"/>
+            <a:r>
+              <a:rPr lang="en-US" sz="1800" dirty="0" smtClean="0">
+                <a:ea typeface="ヒラギノ角ゴ ProN W3" charset="0"/>
+                <a:cs typeface="ヒラギノ角ゴ ProN W3" charset="0"/>
+              </a:rPr>
+              <a:t>Including Map Reduce, </a:t>
+            </a:r>
+            <a:r>
+              <a:rPr lang="en-US" sz="1800" dirty="0" err="1" smtClean="0">
+                <a:ea typeface="ヒラギノ角ゴ ProN W3" charset="0"/>
+                <a:cs typeface="ヒラギノ角ゴ ProN W3" charset="0"/>
+              </a:rPr>
+              <a:t>NoSQL</a:t>
+            </a:r>
+            <a:r>
+              <a:rPr lang="en-US" sz="1800" dirty="0" smtClean="0">
+                <a:ea typeface="ヒラギノ角ゴ ProN W3" charset="0"/>
+                <a:cs typeface="ヒラギノ角ゴ ProN W3" charset="0"/>
+              </a:rPr>
+              <a:t>, </a:t>
+            </a:r>
+            <a:r>
+              <a:rPr lang="en-US" sz="1800" dirty="0" err="1" smtClean="0">
+                <a:ea typeface="ヒラギノ角ゴ ProN W3" charset="0"/>
+                <a:cs typeface="ヒラギノ角ゴ ProN W3" charset="0"/>
+              </a:rPr>
+              <a:t>Realtime</a:t>
+            </a:r>
+            <a:endParaRPr lang="en-US" sz="1800" dirty="0" smtClean="0">
+              <a:ea typeface="ヒラギノ角ゴ ProN W3" charset="0"/>
+              <a:cs typeface="ヒラギノ角ゴ ProN W3" charset="0"/>
+            </a:endParaRPr>
+          </a:p>
+          <a:p>
+            <a:r>
+              <a:rPr lang="en-US" sz="2000" dirty="0" smtClean="0">
+                <a:ea typeface="ヒラギノ角ゴ ProN W3" charset="0"/>
+                <a:cs typeface="ヒラギノ角ゴ ProN W3" charset="0"/>
+              </a:rPr>
+              <a:t>Be able to design and implement scalable cloud and big </a:t>
+            </a:r>
+            <a:r>
+              <a:rPr lang="en-US" sz="2000" dirty="0">
+                <a:ea typeface="ヒラギノ角ゴ ProN W3" charset="0"/>
+                <a:cs typeface="ヒラギノ角ゴ ProN W3" charset="0"/>
+              </a:rPr>
+              <a:t>d</a:t>
+            </a:r>
+            <a:r>
+              <a:rPr lang="en-US" sz="2000" dirty="0" smtClean="0">
+                <a:ea typeface="ヒラギノ角ゴ ProN W3" charset="0"/>
+                <a:cs typeface="ヒラギノ角ゴ ProN W3" charset="0"/>
+              </a:rPr>
+              <a:t>ata systems</a:t>
+            </a:r>
+          </a:p>
+          <a:p>
+            <a:r>
+              <a:rPr lang="en-US" sz="2000" dirty="0" smtClean="0">
+                <a:ea typeface="ヒラギノ角ゴ ProN W3" charset="0"/>
+                <a:cs typeface="ヒラギノ角ゴ ProN W3" charset="0"/>
+              </a:rPr>
+              <a:t>Understand and implement effective Open Source systems on Amazon EC2</a:t>
+            </a:r>
+          </a:p>
+          <a:p>
+            <a:endParaRPr lang="en-US" sz="2000" dirty="0">
+              <a:ea typeface="ヒラギノ角ゴ ProN W3" charset="0"/>
+              <a:cs typeface="ヒラギノ角ゴ ProN W3" charset="0"/>
+            </a:endParaRPr>
           </a:p>
         </p:txBody>
       </p:sp>
@@ -6361,7 +7017,7 @@
       </p:grpSpPr>
       <p:sp>
         <p:nvSpPr>
-          <p:cNvPr id="10241" name="Title 1"/>
+          <p:cNvPr id="2" name="Title 1"/>
           <p:cNvSpPr>
             <a:spLocks noGrp="1"/>
           </p:cNvSpPr>
@@ -6369,125 +7025,52 @@
             <p:ph type="title"/>
           </p:nvPr>
         </p:nvSpPr>
-        <p:spPr bwMode="auto">
-          <a:noFill/>
-          <a:extLst>
-            <a:ext uri="{909E8E84-426E-40dd-AFC4-6F175D3DCCD1}">
-              <a14:hiddenFill xmlns:a14="http://schemas.microsoft.com/office/drawing/2010/main">
-                <a:solidFill>
-                  <a:srgbClr val="FFFFFF"/>
-                </a:solidFill>
-              </a14:hiddenFill>
-            </a:ext>
-            <a:ext uri="{91240B29-F687-4f45-9708-019B960494DF}">
-              <a14:hiddenLine xmlns:a14="http://schemas.microsoft.com/office/drawing/2010/main" w="9525">
-                <a:solidFill>
-                  <a:srgbClr val="000000"/>
-                </a:solidFill>
-                <a:miter lim="800000"/>
-                <a:headEnd/>
-                <a:tailEnd/>
-              </a14:hiddenLine>
-            </a:ext>
-          </a:extLst>
-        </p:spPr>
-        <p:txBody>
-          <a:bodyPr wrap="square" lIns="64291" tIns="32146" rIns="64291" bIns="32146" numCol="1" anchor="t" anchorCtr="0" compatLnSpc="1">
-            <a:prstTxWarp prst="textNoShape">
-              <a:avLst/>
-            </a:prstTxWarp>
-          </a:bodyPr>
+        <p:spPr/>
+        <p:txBody>
+          <a:bodyPr/>
           <a:lstStyle/>
           <a:p>
-            <a:pPr eaLnBrk="1" hangingPunct="1"/>
-            <a:r>
-              <a:rPr lang="en-US" dirty="0">
-                <a:ea typeface="ヒラギノ角ゴ ProN W3" charset="0"/>
-                <a:cs typeface="ヒラギノ角ゴ ProN W3" charset="0"/>
-              </a:rPr>
-              <a:t>Resources	</a:t>
-            </a:r>
-          </a:p>
-        </p:txBody>
-      </p:sp>
-      <p:sp>
-        <p:nvSpPr>
-          <p:cNvPr id="10242" name="Content Placeholder 2"/>
-          <p:cNvSpPr>
-            <a:spLocks noGrp="1"/>
-          </p:cNvSpPr>
-          <p:nvPr>
-            <p:ph idx="1"/>
-          </p:nvPr>
-        </p:nvSpPr>
-        <p:spPr bwMode="auto">
+            <a:r>
+              <a:rPr lang="en-US" dirty="0" smtClean="0"/>
+              <a:t>Improve your CV?</a:t>
+            </a:r>
+            <a:endParaRPr lang="en-US" dirty="0"/>
+          </a:p>
+        </p:txBody>
+      </p:sp>
+      <p:pic>
+        <p:nvPicPr>
+          <p:cNvPr id="4" name="Picture 3"/>
+          <p:cNvPicPr>
+            <a:picLocks noChangeAspect="1"/>
+          </p:cNvPicPr>
+          <p:nvPr/>
+        </p:nvPicPr>
+        <p:blipFill rotWithShape="1">
+          <a:blip r:embed="rId2"/>
+          <a:srcRect t="12185"/>
+          <a:stretch/>
+        </p:blipFill>
+        <p:spPr>
           <a:xfrm>
-            <a:off x="375635" y="1522750"/>
-            <a:ext cx="8229600" cy="4525963"/>
+            <a:off x="1955800" y="1143000"/>
+            <a:ext cx="5232400" cy="5308600"/>
           </a:xfrm>
-          <a:noFill/>
-          <a:extLst>
-            <a:ext uri="{909E8E84-426E-40dd-AFC4-6F175D3DCCD1}">
-              <a14:hiddenFill xmlns:a14="http://schemas.microsoft.com/office/drawing/2010/main">
-                <a:solidFill>
-                  <a:srgbClr val="FFFFFF"/>
-                </a:solidFill>
-              </a14:hiddenFill>
-            </a:ext>
-            <a:ext uri="{91240B29-F687-4f45-9708-019B960494DF}">
-              <a14:hiddenLine xmlns:a14="http://schemas.microsoft.com/office/drawing/2010/main" w="9525">
-                <a:solidFill>
-                  <a:srgbClr val="000000"/>
-                </a:solidFill>
-                <a:miter lim="800000"/>
-                <a:headEnd/>
-                <a:tailEnd/>
-              </a14:hiddenLine>
-            </a:ext>
-          </a:extLst>
-        </p:spPr>
-        <p:txBody>
-          <a:bodyPr wrap="square" lIns="64291" tIns="32146" rIns="64291" bIns="32146" numCol="1" anchor="t" anchorCtr="0" compatLnSpc="1">
-            <a:prstTxWarp prst="textNoShape">
-              <a:avLst/>
-            </a:prstTxWarp>
-            <a:noAutofit/>
-          </a:bodyPr>
-          <a:lstStyle/>
-          <a:p>
-            <a:pPr eaLnBrk="1" hangingPunct="1"/>
-            <a:endParaRPr lang="en-US" sz="2400" dirty="0">
-              <a:ea typeface="ヒラギノ角ゴ ProN W3" charset="0"/>
-              <a:cs typeface="ヒラギノ角ゴ ProN W3" charset="0"/>
-            </a:endParaRPr>
-          </a:p>
-        </p:txBody>
-      </p:sp>
+          <a:prstGeom prst="rect">
+            <a:avLst/>
+          </a:prstGeom>
+        </p:spPr>
+      </p:pic>
     </p:spTree>
     <p:extLst>
       <p:ext uri="{BB962C8B-B14F-4D97-AF65-F5344CB8AC3E}">
-        <p14:creationId xmlns:p14="http://schemas.microsoft.com/office/powerpoint/2010/main" val="3213640406"/>
+        <p14:creationId xmlns:p14="http://schemas.microsoft.com/office/powerpoint/2010/main" val="2802100120"/>
       </p:ext>
     </p:extLst>
   </p:cSld>
   <p:clrMapOvr>
     <a:masterClrMapping/>
   </p:clrMapOvr>
-  <mc:AlternateContent xmlns:mc="http://schemas.openxmlformats.org/markup-compatibility/2006" xmlns:p14="http://schemas.microsoft.com/office/powerpoint/2010/main">
-    <mc:Choice Requires="p14">
-      <p:transition spd="slow" p14:dur="2000"/>
-    </mc:Choice>
-    <mc:Fallback xmlns="">
-      <p:transition xmlns:p14="http://schemas.microsoft.com/office/powerpoint/2010/main" spd="slow"/>
-    </mc:Fallback>
-  </mc:AlternateContent>
-  <p:timing>
-    <p:tnLst>
-      <p:par>
-        <p:cTn xmlns:p14="http://schemas.microsoft.com/office/powerpoint/2010/main" id="1" dur="indefinite" restart="never" nodeType="tmRoot"/>
-      </p:par>
-    </p:tnLst>
-  </p:timing>
 </p:sld>
 </file>
 
@@ -6510,7 +7093,7 @@
       </p:grpSpPr>
       <p:sp>
         <p:nvSpPr>
-          <p:cNvPr id="11265" name="Title 1"/>
+          <p:cNvPr id="2" name="Title 1"/>
           <p:cNvSpPr>
             <a:spLocks noGrp="1"/>
           </p:cNvSpPr>
@@ -6518,50 +7101,24 @@
             <p:ph type="title"/>
           </p:nvPr>
         </p:nvSpPr>
-        <p:spPr bwMode="auto">
-          <a:noFill/>
-          <a:extLst>
-            <a:ext uri="{909E8E84-426E-40dd-AFC4-6F175D3DCCD1}">
-              <a14:hiddenFill xmlns:a14="http://schemas.microsoft.com/office/drawing/2010/main">
-                <a:solidFill>
-                  <a:srgbClr val="FFFFFF"/>
-                </a:solidFill>
-              </a14:hiddenFill>
-            </a:ext>
-            <a:ext uri="{91240B29-F687-4f45-9708-019B960494DF}">
-              <a14:hiddenLine xmlns:a14="http://schemas.microsoft.com/office/drawing/2010/main" w="9525">
-                <a:solidFill>
-                  <a:srgbClr val="000000"/>
-                </a:solidFill>
-                <a:miter lim="800000"/>
-                <a:headEnd/>
-                <a:tailEnd/>
-              </a14:hiddenLine>
-            </a:ext>
-          </a:extLst>
-        </p:spPr>
-        <p:txBody>
-          <a:bodyPr wrap="square" lIns="64291" tIns="32146" rIns="64291" bIns="32146" numCol="1" anchor="t" anchorCtr="0" compatLnSpc="1">
-            <a:prstTxWarp prst="textNoShape">
-              <a:avLst/>
-            </a:prstTxWarp>
+        <p:spPr/>
+        <p:txBody>
+          <a:bodyPr>
+            <a:normAutofit fontScale="90000"/>
           </a:bodyPr>
           <a:lstStyle/>
           <a:p>
-            <a:pPr eaLnBrk="1" hangingPunct="1"/>
-            <a:r>
-              <a:rPr lang="en-US" dirty="0">
-                <a:ea typeface="ヒラギノ角ゴ ProN W3" charset="0"/>
-                <a:cs typeface="ヒラギノ角ゴ ProN W3" charset="0"/>
-              </a:rPr>
-              <a:t>Rules of Engagement</a:t>
-            </a:r>
-          </a:p>
-        </p:txBody>
-      </p:sp>
-      <p:sp>
-        <p:nvSpPr>
-          <p:cNvPr id="11266" name="Content Placeholder 2"/>
+            <a:r>
+              <a:rPr lang="en-US" dirty="0" smtClean="0"/>
+              <a:t>Beyond the scope of this course</a:t>
+            </a:r>
+            <a:endParaRPr lang="en-US" dirty="0"/>
+          </a:p>
+        </p:txBody>
+      </p:sp>
+      <p:sp>
+        <p:nvSpPr>
+          <p:cNvPr id="3" name="Content Placeholder 2"/>
           <p:cNvSpPr>
             <a:spLocks noGrp="1"/>
           </p:cNvSpPr>
@@ -6569,112 +7126,85 @@
             <p:ph idx="1"/>
           </p:nvPr>
         </p:nvSpPr>
-        <p:spPr bwMode="auto">
-          <a:noFill/>
-          <a:extLst>
-            <a:ext uri="{909E8E84-426E-40dd-AFC4-6F175D3DCCD1}">
-              <a14:hiddenFill xmlns:a14="http://schemas.microsoft.com/office/drawing/2010/main">
-                <a:solidFill>
-                  <a:srgbClr val="FFFFFF"/>
-                </a:solidFill>
-              </a14:hiddenFill>
-            </a:ext>
-            <a:ext uri="{91240B29-F687-4f45-9708-019B960494DF}">
-              <a14:hiddenLine xmlns:a14="http://schemas.microsoft.com/office/drawing/2010/main" w="9525">
-                <a:solidFill>
-                  <a:srgbClr val="000000"/>
-                </a:solidFill>
-                <a:miter lim="800000"/>
-                <a:headEnd/>
-                <a:tailEnd/>
-              </a14:hiddenLine>
-            </a:ext>
-          </a:extLst>
-        </p:spPr>
-        <p:txBody>
-          <a:bodyPr wrap="square" lIns="64291" tIns="32146" rIns="64291" bIns="32146" numCol="1" anchor="t" anchorCtr="0" compatLnSpc="1">
-            <a:prstTxWarp prst="textNoShape">
-              <a:avLst/>
-            </a:prstTxWarp>
-          </a:bodyPr>
+        <p:spPr/>
+        <p:txBody>
+          <a:bodyPr/>
           <a:lstStyle/>
           <a:p>
-            <a:pPr eaLnBrk="1" hangingPunct="1"/>
-            <a:r>
-              <a:rPr lang="en-US" dirty="0">
-                <a:ea typeface="ヒラギノ角ゴ ProN W3" charset="0"/>
-                <a:cs typeface="ヒラギノ角ゴ ProN W3" charset="0"/>
-              </a:rPr>
-              <a:t>Ask questions as we go along</a:t>
-            </a:r>
-          </a:p>
-          <a:p>
-            <a:pPr lvl="1" eaLnBrk="1" hangingPunct="1"/>
-            <a:r>
-              <a:rPr lang="en-US" dirty="0">
-                <a:ea typeface="ヒラギノ角ゴ ProN W3" charset="0"/>
-                <a:cs typeface="ヒラギノ角ゴ ProN W3" charset="0"/>
-              </a:rPr>
-              <a:t>We will “park” any that are better answered later</a:t>
-            </a:r>
-          </a:p>
-          <a:p>
-            <a:pPr lvl="1" eaLnBrk="1" hangingPunct="1"/>
-            <a:r>
-              <a:rPr lang="en-US" dirty="0">
-                <a:ea typeface="ヒラギノ角ゴ ProN W3" charset="0"/>
-                <a:cs typeface="ヒラギノ角ゴ ProN W3" charset="0"/>
-              </a:rPr>
-              <a:t>Don’t wait till the end to ask or raise concerns</a:t>
-            </a:r>
-          </a:p>
-          <a:p>
-            <a:pPr eaLnBrk="1" hangingPunct="1"/>
-            <a:r>
-              <a:rPr lang="en-US" dirty="0">
-                <a:ea typeface="ヒラギノ角ゴ ProN W3" charset="0"/>
-                <a:cs typeface="ヒラギノ角ゴ ProN W3" charset="0"/>
-              </a:rPr>
-              <a:t>Timings are flexible</a:t>
-            </a:r>
-          </a:p>
-          <a:p>
-            <a:pPr eaLnBrk="1" hangingPunct="1"/>
-            <a:r>
-              <a:rPr lang="en-US" dirty="0">
-                <a:ea typeface="ヒラギノ角ゴ ProN W3" charset="0"/>
-                <a:cs typeface="ヒラギノ角ゴ ProN W3" charset="0"/>
-              </a:rPr>
-              <a:t>Please keep mobile phones silent or better still turned off</a:t>
-            </a:r>
+            <a:r>
+              <a:rPr lang="en-US" dirty="0" smtClean="0"/>
+              <a:t>Detailed Data Science techniques</a:t>
+            </a:r>
+          </a:p>
+          <a:p>
+            <a:r>
+              <a:rPr lang="en-US" dirty="0" smtClean="0"/>
+              <a:t>Implementing a private cloud </a:t>
+            </a:r>
+          </a:p>
+          <a:p>
+            <a:pPr lvl="1"/>
+            <a:r>
+              <a:rPr lang="en-US" dirty="0" smtClean="0"/>
+              <a:t>Although we will look at technologies for private cloud</a:t>
+            </a:r>
+          </a:p>
+          <a:p>
+            <a:r>
+              <a:rPr lang="en-US" dirty="0" smtClean="0"/>
+              <a:t>Understanding all of </a:t>
+            </a:r>
+            <a:r>
+              <a:rPr lang="en-US" dirty="0" err="1" smtClean="0"/>
+              <a:t>Hadoop</a:t>
+            </a:r>
+            <a:r>
+              <a:rPr lang="en-US" dirty="0" smtClean="0"/>
+              <a:t>, Spark, </a:t>
+            </a:r>
+            <a:r>
+              <a:rPr lang="en-US" dirty="0" err="1" smtClean="0"/>
+              <a:t>Mesos</a:t>
+            </a:r>
+            <a:r>
+              <a:rPr lang="en-US" dirty="0" smtClean="0"/>
+              <a:t>, </a:t>
+            </a:r>
+            <a:r>
+              <a:rPr lang="en-US" dirty="0" err="1" smtClean="0"/>
+              <a:t>CoreOS</a:t>
+            </a:r>
+            <a:r>
+              <a:rPr lang="en-US" dirty="0" smtClean="0"/>
+              <a:t>, </a:t>
+            </a:r>
+            <a:r>
+              <a:rPr lang="en-US" dirty="0" err="1" smtClean="0"/>
+              <a:t>etc</a:t>
+            </a:r>
+            <a:endParaRPr lang="en-US" dirty="0" smtClean="0"/>
+          </a:p>
+          <a:p>
+            <a:pPr marL="0" indent="0">
+              <a:buNone/>
+            </a:pPr>
+            <a:endParaRPr lang="en-US" dirty="0" smtClean="0"/>
+          </a:p>
+          <a:p>
+            <a:endParaRPr lang="en-US" dirty="0"/>
           </a:p>
         </p:txBody>
       </p:sp>
     </p:spTree>
     <p:extLst>
       <p:ext uri="{BB962C8B-B14F-4D97-AF65-F5344CB8AC3E}">
-        <p14:creationId xmlns:p14="http://schemas.microsoft.com/office/powerpoint/2010/main" val="688719555"/>
+        <p14:creationId xmlns:p14="http://schemas.microsoft.com/office/powerpoint/2010/main" val="843566124"/>
       </p:ext>
     </p:extLst>
   </p:cSld>
   <p:clrMapOvr>
     <a:masterClrMapping/>
   </p:clrMapOvr>
-  <mc:AlternateContent xmlns:mc="http://schemas.openxmlformats.org/markup-compatibility/2006" xmlns:p14="http://schemas.microsoft.com/office/powerpoint/2010/main">
-    <mc:Choice Requires="p14">
-      <p:transition spd="slow" p14:dur="2000"/>
-    </mc:Choice>
-    <mc:Fallback xmlns="">
-      <p:transition xmlns:p14="http://schemas.microsoft.com/office/powerpoint/2010/main" spd="slow"/>
-    </mc:Fallback>
-  </mc:AlternateContent>
-  <p:timing>
-    <p:tnLst>
-      <p:par>
-        <p:cTn xmlns:p14="http://schemas.microsoft.com/office/powerpoint/2010/main" id="1" dur="indefinite" restart="never" nodeType="tmRoot"/>
-      </p:par>
-    </p:tnLst>
-  </p:timing>
 </p:sld>
 </file>
 

--- a/pres-source/00-intro.pptx
+++ b/pres-source/00-intro.pptx
@@ -7053,7 +7053,7 @@
         </p:blipFill>
         <p:spPr>
           <a:xfrm>
-            <a:off x="1955800" y="1143000"/>
+            <a:off x="1955800" y="1301750"/>
             <a:ext cx="5232400" cy="5308600"/>
           </a:xfrm>
           <a:prstGeom prst="rect">

--- a/pres-source/00-intro.pptx
+++ b/pres-source/00-intro.pptx
@@ -5,25 +5,27 @@
     <p:sldMasterId id="2147483648" r:id="rId1"/>
   </p:sldMasterIdLst>
   <p:notesMasterIdLst>
-    <p:notesMasterId r:id="rId18"/>
+    <p:notesMasterId r:id="rId20"/>
   </p:notesMasterIdLst>
   <p:sldIdLst>
     <p:sldId id="256" r:id="rId2"/>
     <p:sldId id="257" r:id="rId3"/>
     <p:sldId id="258" r:id="rId4"/>
     <p:sldId id="259" r:id="rId5"/>
-    <p:sldId id="260" r:id="rId6"/>
-    <p:sldId id="261" r:id="rId7"/>
-    <p:sldId id="262" r:id="rId8"/>
-    <p:sldId id="272" r:id="rId9"/>
-    <p:sldId id="271" r:id="rId10"/>
-    <p:sldId id="263" r:id="rId11"/>
-    <p:sldId id="264" r:id="rId12"/>
-    <p:sldId id="270" r:id="rId13"/>
-    <p:sldId id="265" r:id="rId14"/>
-    <p:sldId id="269" r:id="rId15"/>
-    <p:sldId id="266" r:id="rId16"/>
-    <p:sldId id="267" r:id="rId17"/>
+    <p:sldId id="273" r:id="rId6"/>
+    <p:sldId id="274" r:id="rId7"/>
+    <p:sldId id="260" r:id="rId8"/>
+    <p:sldId id="261" r:id="rId9"/>
+    <p:sldId id="262" r:id="rId10"/>
+    <p:sldId id="272" r:id="rId11"/>
+    <p:sldId id="271" r:id="rId12"/>
+    <p:sldId id="263" r:id="rId13"/>
+    <p:sldId id="264" r:id="rId14"/>
+    <p:sldId id="270" r:id="rId15"/>
+    <p:sldId id="265" r:id="rId16"/>
+    <p:sldId id="269" r:id="rId17"/>
+    <p:sldId id="266" r:id="rId18"/>
+    <p:sldId id="267" r:id="rId19"/>
   </p:sldIdLst>
   <p:sldSz cx="9144000" cy="6858000" type="screen4x3"/>
   <p:notesSz cx="6858000" cy="9144000"/>
@@ -212,7 +214,7 @@
             <a:fld id="{7307762F-A706-E543-A832-3C298AA3103F}" type="datetimeFigureOut">
               <a:rPr lang="en-US" smtClean="0"/>
               <a:pPr/>
-              <a:t>30/09/15</a:t>
+              <a:t>09/11/15</a:t>
             </a:fld>
             <a:endParaRPr lang="en-US" dirty="0"/>
           </a:p>
@@ -779,7 +781,7 @@
           <a:p>
             <a:fld id="{875CF0EB-321F-0749-B37A-89BBA859503C}" type="datetimeFigureOut">
               <a:rPr lang="en-US" smtClean="0"/>
-              <a:t>30/09/15</a:t>
+              <a:t>09/11/15</a:t>
             </a:fld>
             <a:endParaRPr lang="en-US"/>
           </a:p>
@@ -983,7 +985,7 @@
           <a:p>
             <a:fld id="{875CF0EB-321F-0749-B37A-89BBA859503C}" type="datetimeFigureOut">
               <a:rPr lang="en-US" smtClean="0"/>
-              <a:t>30/09/15</a:t>
+              <a:t>09/11/15</a:t>
             </a:fld>
             <a:endParaRPr lang="en-US"/>
           </a:p>
@@ -1177,7 +1179,7 @@
           <a:p>
             <a:fld id="{875CF0EB-321F-0749-B37A-89BBA859503C}" type="datetimeFigureOut">
               <a:rPr lang="en-US" smtClean="0"/>
-              <a:t>30/09/15</a:t>
+              <a:t>09/11/15</a:t>
             </a:fld>
             <a:endParaRPr lang="en-US"/>
           </a:p>
@@ -1447,7 +1449,7 @@
           <a:p>
             <a:fld id="{875CF0EB-321F-0749-B37A-89BBA859503C}" type="datetimeFigureOut">
               <a:rPr lang="en-US" smtClean="0"/>
-              <a:t>30/09/15</a:t>
+              <a:t>09/11/15</a:t>
             </a:fld>
             <a:endParaRPr lang="en-US"/>
           </a:p>
@@ -1759,7 +1761,7 @@
           <a:p>
             <a:fld id="{875CF0EB-321F-0749-B37A-89BBA859503C}" type="datetimeFigureOut">
               <a:rPr lang="en-US" smtClean="0"/>
-              <a:t>30/09/15</a:t>
+              <a:t>09/11/15</a:t>
             </a:fld>
             <a:endParaRPr lang="en-US"/>
           </a:p>
@@ -2205,7 +2207,7 @@
           <a:p>
             <a:fld id="{875CF0EB-321F-0749-B37A-89BBA859503C}" type="datetimeFigureOut">
               <a:rPr lang="en-US" smtClean="0"/>
-              <a:t>30/09/15</a:t>
+              <a:t>09/11/15</a:t>
             </a:fld>
             <a:endParaRPr lang="en-US"/>
           </a:p>
@@ -2347,7 +2349,7 @@
           <a:p>
             <a:fld id="{875CF0EB-321F-0749-B37A-89BBA859503C}" type="datetimeFigureOut">
               <a:rPr lang="en-US" smtClean="0"/>
-              <a:t>30/09/15</a:t>
+              <a:t>09/11/15</a:t>
             </a:fld>
             <a:endParaRPr lang="en-US"/>
           </a:p>
@@ -2466,7 +2468,7 @@
           <a:p>
             <a:fld id="{875CF0EB-321F-0749-B37A-89BBA859503C}" type="datetimeFigureOut">
               <a:rPr lang="en-US" smtClean="0"/>
-              <a:t>30/09/15</a:t>
+              <a:t>09/11/15</a:t>
             </a:fld>
             <a:endParaRPr lang="en-US"/>
           </a:p>
@@ -2767,7 +2769,7 @@
           <a:p>
             <a:fld id="{875CF0EB-321F-0749-B37A-89BBA859503C}" type="datetimeFigureOut">
               <a:rPr lang="en-US" smtClean="0"/>
-              <a:t>30/09/15</a:t>
+              <a:t>09/11/15</a:t>
             </a:fld>
             <a:endParaRPr lang="en-US"/>
           </a:p>
@@ -3044,7 +3046,7 @@
           <a:p>
             <a:fld id="{875CF0EB-321F-0749-B37A-89BBA859503C}" type="datetimeFigureOut">
               <a:rPr lang="en-US" smtClean="0"/>
-              <a:t>30/09/15</a:t>
+              <a:t>09/11/15</a:t>
             </a:fld>
             <a:endParaRPr lang="en-US"/>
           </a:p>
@@ -3829,6 +3831,10 @@
           </p:nvPr>
         </p:nvSpPr>
         <p:spPr bwMode="auto">
+          <a:xfrm>
+            <a:off x="685800" y="1091444"/>
+            <a:ext cx="7772400" cy="1470025"/>
+          </a:xfrm>
           <a:noFill/>
           <a:extLst>
             <a:ext uri="{909E8E84-426E-40dd-AFC4-6F175D3DCCD1}">
@@ -3861,11 +3867,24 @@
           <a:p>
             <a:pPr eaLnBrk="1" hangingPunct="1"/>
             <a:r>
+              <a:rPr lang="en-US" dirty="0" smtClean="0">
+                <a:ea typeface="ヒラギノ角ゴ ProN W3" charset="0"/>
+                <a:cs typeface="ヒラギノ角ゴ ProN W3" charset="0"/>
+              </a:rPr>
+              <a:t>Course Introduction</a:t>
+            </a:r>
+            <a:br>
+              <a:rPr lang="en-US" dirty="0" smtClean="0">
+                <a:ea typeface="ヒラギノ角ゴ ProN W3" charset="0"/>
+                <a:cs typeface="ヒラギノ角ゴ ProN W3" charset="0"/>
+              </a:rPr>
+            </a:br>
+            <a:r>
               <a:rPr lang="en-US" dirty="0">
                 <a:ea typeface="ヒラギノ角ゴ ProN W3" charset="0"/>
                 <a:cs typeface="ヒラギノ角ゴ ProN W3" charset="0"/>
               </a:rPr>
-              <a:t>Introduction</a:t>
+              <a:t/>
             </a:r>
             <a:br>
               <a:rPr lang="en-US" dirty="0">
@@ -4018,6 +4037,216 @@
       </p:grpSpPr>
       <p:sp>
         <p:nvSpPr>
+          <p:cNvPr id="2" name="Title 1"/>
+          <p:cNvSpPr>
+            <a:spLocks noGrp="1"/>
+          </p:cNvSpPr>
+          <p:nvPr>
+            <p:ph type="title"/>
+          </p:nvPr>
+        </p:nvSpPr>
+        <p:spPr/>
+        <p:txBody>
+          <a:bodyPr/>
+          <a:lstStyle/>
+          <a:p>
+            <a:r>
+              <a:rPr lang="en-US" dirty="0" smtClean="0"/>
+              <a:t>Improve your CV?</a:t>
+            </a:r>
+            <a:endParaRPr lang="en-US" dirty="0"/>
+          </a:p>
+        </p:txBody>
+      </p:sp>
+      <p:pic>
+        <p:nvPicPr>
+          <p:cNvPr id="4" name="Picture 3"/>
+          <p:cNvPicPr>
+            <a:picLocks noChangeAspect="1"/>
+          </p:cNvPicPr>
+          <p:nvPr/>
+        </p:nvPicPr>
+        <p:blipFill rotWithShape="1">
+          <a:blip r:embed="rId2"/>
+          <a:srcRect t="12185"/>
+          <a:stretch/>
+        </p:blipFill>
+        <p:spPr>
+          <a:xfrm>
+            <a:off x="1955800" y="1301750"/>
+            <a:ext cx="5232400" cy="5308600"/>
+          </a:xfrm>
+          <a:prstGeom prst="rect">
+            <a:avLst/>
+          </a:prstGeom>
+        </p:spPr>
+      </p:pic>
+    </p:spTree>
+    <p:extLst>
+      <p:ext uri="{BB962C8B-B14F-4D97-AF65-F5344CB8AC3E}">
+        <p14:creationId xmlns:p14="http://schemas.microsoft.com/office/powerpoint/2010/main" val="2802100120"/>
+      </p:ext>
+    </p:extLst>
+  </p:cSld>
+  <p:clrMapOvr>
+    <a:masterClrMapping/>
+  </p:clrMapOvr>
+</p:sld>
+</file>
+
+<file path=ppt/slides/slide11.xml><?xml version="1.0" encoding="utf-8"?>
+<p:sld xmlns:a="http://schemas.openxmlformats.org/drawingml/2006/main" xmlns:r="http://schemas.openxmlformats.org/officeDocument/2006/relationships" xmlns:p="http://schemas.openxmlformats.org/presentationml/2006/main">
+  <p:cSld>
+    <p:spTree>
+      <p:nvGrpSpPr>
+        <p:cNvPr id="1" name=""/>
+        <p:cNvGrpSpPr/>
+        <p:nvPr/>
+      </p:nvGrpSpPr>
+      <p:grpSpPr>
+        <a:xfrm>
+          <a:off x="0" y="0"/>
+          <a:ext cx="0" cy="0"/>
+          <a:chOff x="0" y="0"/>
+          <a:chExt cx="0" cy="0"/>
+        </a:xfrm>
+      </p:grpSpPr>
+      <p:sp>
+        <p:nvSpPr>
+          <p:cNvPr id="2" name="Title 1"/>
+          <p:cNvSpPr>
+            <a:spLocks noGrp="1"/>
+          </p:cNvSpPr>
+          <p:nvPr>
+            <p:ph type="title"/>
+          </p:nvPr>
+        </p:nvSpPr>
+        <p:spPr/>
+        <p:txBody>
+          <a:bodyPr>
+            <a:normAutofit fontScale="90000"/>
+          </a:bodyPr>
+          <a:lstStyle/>
+          <a:p>
+            <a:r>
+              <a:rPr lang="en-US" dirty="0" smtClean="0"/>
+              <a:t>Beyond the scope of this course</a:t>
+            </a:r>
+            <a:endParaRPr lang="en-US" dirty="0"/>
+          </a:p>
+        </p:txBody>
+      </p:sp>
+      <p:sp>
+        <p:nvSpPr>
+          <p:cNvPr id="3" name="Content Placeholder 2"/>
+          <p:cNvSpPr>
+            <a:spLocks noGrp="1"/>
+          </p:cNvSpPr>
+          <p:nvPr>
+            <p:ph idx="1"/>
+          </p:nvPr>
+        </p:nvSpPr>
+        <p:spPr/>
+        <p:txBody>
+          <a:bodyPr/>
+          <a:lstStyle/>
+          <a:p>
+            <a:r>
+              <a:rPr lang="en-US" dirty="0" smtClean="0"/>
+              <a:t>Detailed Data Science techniques</a:t>
+            </a:r>
+          </a:p>
+          <a:p>
+            <a:r>
+              <a:rPr lang="en-US" dirty="0" smtClean="0"/>
+              <a:t>Implementing a private cloud </a:t>
+            </a:r>
+          </a:p>
+          <a:p>
+            <a:pPr lvl="1"/>
+            <a:r>
+              <a:rPr lang="en-US" dirty="0" smtClean="0"/>
+              <a:t>Although we will look at technologies for private cloud</a:t>
+            </a:r>
+          </a:p>
+          <a:p>
+            <a:r>
+              <a:rPr lang="en-US" dirty="0" smtClean="0"/>
+              <a:t>Understanding all of </a:t>
+            </a:r>
+            <a:r>
+              <a:rPr lang="en-US" dirty="0" err="1" smtClean="0"/>
+              <a:t>Hadoop</a:t>
+            </a:r>
+            <a:r>
+              <a:rPr lang="en-US" dirty="0" smtClean="0"/>
+              <a:t>, Spark, </a:t>
+            </a:r>
+            <a:r>
+              <a:rPr lang="en-US" dirty="0" err="1" smtClean="0"/>
+              <a:t>Mesos</a:t>
+            </a:r>
+            <a:r>
+              <a:rPr lang="en-US" dirty="0" smtClean="0"/>
+              <a:t>, </a:t>
+            </a:r>
+            <a:r>
+              <a:rPr lang="en-US" dirty="0" err="1" smtClean="0"/>
+              <a:t>CoreOS</a:t>
+            </a:r>
+            <a:r>
+              <a:rPr lang="en-US" dirty="0" smtClean="0"/>
+              <a:t>, </a:t>
+            </a:r>
+            <a:r>
+              <a:rPr lang="en-US" dirty="0" err="1" smtClean="0"/>
+              <a:t>etc</a:t>
+            </a:r>
+            <a:endParaRPr lang="en-US" dirty="0" smtClean="0"/>
+          </a:p>
+          <a:p>
+            <a:pPr marL="0" indent="0">
+              <a:buNone/>
+            </a:pPr>
+            <a:endParaRPr lang="en-US" dirty="0" smtClean="0"/>
+          </a:p>
+          <a:p>
+            <a:endParaRPr lang="en-US" dirty="0"/>
+          </a:p>
+        </p:txBody>
+      </p:sp>
+    </p:spTree>
+    <p:extLst>
+      <p:ext uri="{BB962C8B-B14F-4D97-AF65-F5344CB8AC3E}">
+        <p14:creationId xmlns:p14="http://schemas.microsoft.com/office/powerpoint/2010/main" val="843566124"/>
+      </p:ext>
+    </p:extLst>
+  </p:cSld>
+  <p:clrMapOvr>
+    <a:masterClrMapping/>
+  </p:clrMapOvr>
+</p:sld>
+</file>
+
+<file path=ppt/slides/slide12.xml><?xml version="1.0" encoding="utf-8"?>
+<p:sld xmlns:a="http://schemas.openxmlformats.org/drawingml/2006/main" xmlns:r="http://schemas.openxmlformats.org/officeDocument/2006/relationships" xmlns:p="http://schemas.openxmlformats.org/presentationml/2006/main">
+  <p:cSld>
+    <p:spTree>
+      <p:nvGrpSpPr>
+        <p:cNvPr id="1" name=""/>
+        <p:cNvGrpSpPr/>
+        <p:nvPr/>
+      </p:nvGrpSpPr>
+      <p:grpSpPr>
+        <a:xfrm>
+          <a:off x="0" y="0"/>
+          <a:ext cx="0" cy="0"/>
+          <a:chOff x="0" y="0"/>
+          <a:chExt cx="0" cy="0"/>
+        </a:xfrm>
+      </p:grpSpPr>
+      <p:sp>
+        <p:nvSpPr>
           <p:cNvPr id="10241" name="Title 1"/>
           <p:cNvSpPr>
             <a:spLocks noGrp="1"/>
@@ -4148,7 +4377,7 @@
 </p:sld>
 </file>
 
-<file path=ppt/slides/slide11.xml><?xml version="1.0" encoding="utf-8"?>
+<file path=ppt/slides/slide13.xml><?xml version="1.0" encoding="utf-8"?>
 <p:sld xmlns:a="http://schemas.openxmlformats.org/drawingml/2006/main" xmlns:r="http://schemas.openxmlformats.org/officeDocument/2006/relationships" xmlns:p="http://schemas.openxmlformats.org/presentationml/2006/main">
   <p:cSld>
     <p:spTree>
@@ -4337,7 +4566,7 @@
 </p:sld>
 </file>
 
-<file path=ppt/slides/slide12.xml><?xml version="1.0" encoding="utf-8"?>
+<file path=ppt/slides/slide14.xml><?xml version="1.0" encoding="utf-8"?>
 <p:sld xmlns:a="http://schemas.openxmlformats.org/drawingml/2006/main" xmlns:r="http://schemas.openxmlformats.org/officeDocument/2006/relationships" xmlns:p="http://schemas.openxmlformats.org/presentationml/2006/main">
   <p:cSld>
     <p:spTree>
@@ -4466,7 +4695,7 @@
 </p:sld>
 </file>
 
-<file path=ppt/slides/slide13.xml><?xml version="1.0" encoding="utf-8"?>
+<file path=ppt/slides/slide15.xml><?xml version="1.0" encoding="utf-8"?>
 <p:sld xmlns:a="http://schemas.openxmlformats.org/drawingml/2006/main" xmlns:r="http://schemas.openxmlformats.org/officeDocument/2006/relationships" xmlns:p="http://schemas.openxmlformats.org/presentationml/2006/main">
   <p:cSld>
     <p:spTree>
@@ -4575,7 +4804,7 @@
             <a:prstTxWarp prst="textNoShape">
               <a:avLst/>
             </a:prstTxWarp>
-            <a:normAutofit fontScale="92500" lnSpcReduction="10000"/>
+            <a:normAutofit/>
           </a:bodyPr>
           <a:lstStyle/>
           <a:p>
@@ -4626,35 +4855,18 @@
           <a:p>
             <a:pPr eaLnBrk="1" hangingPunct="1"/>
             <a:r>
+              <a:rPr lang="en-US" sz="2000" smtClean="0">
+                <a:ea typeface="ヒラギノ角ゴ ProN W3" charset="0"/>
+                <a:cs typeface="ヒラギノ角ゴ ProN W3" charset="0"/>
+              </a:rPr>
+              <a:t>VP</a:t>
+            </a:r>
+            <a:r>
               <a:rPr lang="en-US" sz="2000" dirty="0">
                 <a:ea typeface="ヒラギノ角ゴ ProN W3" charset="0"/>
                 <a:cs typeface="ヒラギノ角ゴ ProN W3" charset="0"/>
               </a:rPr>
-              <a:t>Co-Chair Web Services Reliable </a:t>
-            </a:r>
-            <a:r>
-              <a:rPr lang="en-US" sz="2000" dirty="0" err="1">
-                <a:ea typeface="ヒラギノ角ゴ ProN W3" charset="0"/>
-                <a:cs typeface="ヒラギノ角ゴ ProN W3" charset="0"/>
-              </a:rPr>
-              <a:t>eXchange</a:t>
-            </a:r>
-            <a:r>
-              <a:rPr lang="en-US" sz="2000" dirty="0">
-                <a:ea typeface="ヒラギノ角ゴ ProN W3" charset="0"/>
-                <a:cs typeface="ヒラギノ角ゴ ProN W3" charset="0"/>
-              </a:rPr>
-              <a:t> at OASIS (WSRM)</a:t>
-            </a:r>
-          </a:p>
-          <a:p>
-            <a:pPr eaLnBrk="1" hangingPunct="1"/>
-            <a:r>
-              <a:rPr lang="en-US" sz="2000" dirty="0">
-                <a:ea typeface="ヒラギノ角ゴ ProN W3" charset="0"/>
-                <a:cs typeface="ヒラギノ角ゴ ProN W3" charset="0"/>
-              </a:rPr>
-              <a:t>VP, Apache Synapse and Member of ASF</a:t>
+              <a:t>, Apache Synapse and Member of ASF</a:t>
             </a:r>
           </a:p>
           <a:p>
@@ -4705,19 +4917,8 @@
                 <a:ea typeface="ヒラギノ角ゴ ProN W3" charset="0"/>
                 <a:cs typeface="ヒラギノ角ゴ ProN W3" charset="0"/>
               </a:rPr>
-              <a:t>Teaches </a:t>
-            </a:r>
-            <a:r>
-              <a:rPr lang="en-US" sz="2000" smtClean="0">
-                <a:ea typeface="ヒラギノ角ゴ ProN W3" charset="0"/>
-                <a:cs typeface="ヒラギノ角ゴ ProN W3" charset="0"/>
-              </a:rPr>
-              <a:t>SOA module</a:t>
-            </a:r>
-            <a:endParaRPr lang="en-US" sz="2000" dirty="0" smtClean="0">
-              <a:ea typeface="ヒラギノ角ゴ ProN W3" charset="0"/>
-              <a:cs typeface="ヒラギノ角ゴ ProN W3" charset="0"/>
-            </a:endParaRPr>
+              <a:t>Teaches SOA module</a:t>
+            </a:r>
           </a:p>
           <a:p>
             <a:pPr eaLnBrk="1" hangingPunct="1"/>
@@ -4827,7 +5028,7 @@
 </p:sld>
 </file>
 
-<file path=ppt/slides/slide14.xml><?xml version="1.0" encoding="utf-8"?>
+<file path=ppt/slides/slide16.xml><?xml version="1.0" encoding="utf-8"?>
 <p:sld xmlns:a="http://schemas.openxmlformats.org/drawingml/2006/main" xmlns:r="http://schemas.openxmlformats.org/officeDocument/2006/relationships" xmlns:p="http://schemas.openxmlformats.org/presentationml/2006/main">
   <p:cSld>
     <p:spTree>
@@ -4887,7 +5088,7 @@
 </p:sld>
 </file>
 
-<file path=ppt/slides/slide15.xml><?xml version="1.0" encoding="utf-8"?>
+<file path=ppt/slides/slide17.xml><?xml version="1.0" encoding="utf-8"?>
 <p:sld xmlns:a="http://schemas.openxmlformats.org/drawingml/2006/main" xmlns:r="http://schemas.openxmlformats.org/officeDocument/2006/relationships" xmlns:p="http://schemas.openxmlformats.org/presentationml/2006/main">
   <p:cSld>
     <p:spTree>
@@ -5630,7 +5831,7 @@
 </p:sld>
 </file>
 
-<file path=ppt/slides/slide16.xml><?xml version="1.0" encoding="utf-8"?>
+<file path=ppt/slides/slide18.xml><?xml version="1.0" encoding="utf-8"?>
 <p:sld xmlns:a="http://schemas.openxmlformats.org/drawingml/2006/main" xmlns:r="http://schemas.openxmlformats.org/officeDocument/2006/relationships" xmlns:p="http://schemas.openxmlformats.org/presentationml/2006/main">
   <p:cSld>
     <p:spTree>
@@ -6420,6 +6621,248 @@
       </p:grpSpPr>
       <p:sp>
         <p:nvSpPr>
+          <p:cNvPr id="2" name="Title 1"/>
+          <p:cNvSpPr>
+            <a:spLocks noGrp="1"/>
+          </p:cNvSpPr>
+          <p:nvPr>
+            <p:ph type="title"/>
+          </p:nvPr>
+        </p:nvSpPr>
+        <p:spPr/>
+        <p:txBody>
+          <a:bodyPr/>
+          <a:lstStyle/>
+          <a:p>
+            <a:r>
+              <a:rPr lang="en-US" dirty="0" smtClean="0"/>
+              <a:t>Format</a:t>
+            </a:r>
+            <a:endParaRPr lang="en-US" dirty="0"/>
+          </a:p>
+        </p:txBody>
+      </p:sp>
+      <p:sp>
+        <p:nvSpPr>
+          <p:cNvPr id="3" name="Content Placeholder 2"/>
+          <p:cNvSpPr>
+            <a:spLocks noGrp="1"/>
+          </p:cNvSpPr>
+          <p:nvPr>
+            <p:ph idx="1"/>
+          </p:nvPr>
+        </p:nvSpPr>
+        <p:spPr/>
+        <p:txBody>
+          <a:bodyPr>
+            <a:normAutofit/>
+          </a:bodyPr>
+          <a:lstStyle/>
+          <a:p>
+            <a:r>
+              <a:rPr lang="en-US" dirty="0" smtClean="0"/>
+              <a:t>A mixture of lectures and practical labs</a:t>
+            </a:r>
+          </a:p>
+          <a:p>
+            <a:r>
+              <a:rPr lang="en-US" dirty="0" smtClean="0"/>
+              <a:t>Lectures aim to provide the wider context and background</a:t>
+            </a:r>
+          </a:p>
+          <a:p>
+            <a:pPr lvl="1"/>
+            <a:r>
+              <a:rPr lang="en-US" dirty="0" smtClean="0"/>
+              <a:t>Independent of specific technologies</a:t>
+            </a:r>
+          </a:p>
+          <a:p>
+            <a:r>
+              <a:rPr lang="en-US" dirty="0" smtClean="0"/>
+              <a:t>Labs are based on specific technologies </a:t>
+            </a:r>
+          </a:p>
+          <a:p>
+            <a:pPr lvl="1"/>
+            <a:r>
+              <a:rPr lang="en-US" dirty="0" smtClean="0"/>
+              <a:t>Designed to demonstrate the principles</a:t>
+            </a:r>
+            <a:endParaRPr lang="en-US" dirty="0"/>
+          </a:p>
+        </p:txBody>
+      </p:sp>
+    </p:spTree>
+    <p:extLst>
+      <p:ext uri="{BB962C8B-B14F-4D97-AF65-F5344CB8AC3E}">
+        <p14:creationId xmlns:p14="http://schemas.microsoft.com/office/powerpoint/2010/main" val="3540329346"/>
+      </p:ext>
+    </p:extLst>
+  </p:cSld>
+  <p:clrMapOvr>
+    <a:masterClrMapping/>
+  </p:clrMapOvr>
+</p:sld>
+</file>
+
+<file path=ppt/slides/slide6.xml><?xml version="1.0" encoding="utf-8"?>
+<p:sld xmlns:a="http://schemas.openxmlformats.org/drawingml/2006/main" xmlns:r="http://schemas.openxmlformats.org/officeDocument/2006/relationships" xmlns:p="http://schemas.openxmlformats.org/presentationml/2006/main">
+  <p:cSld>
+    <p:spTree>
+      <p:nvGrpSpPr>
+        <p:cNvPr id="1" name=""/>
+        <p:cNvGrpSpPr/>
+        <p:nvPr/>
+      </p:nvGrpSpPr>
+      <p:grpSpPr>
+        <a:xfrm>
+          <a:off x="0" y="0"/>
+          <a:ext cx="0" cy="0"/>
+          <a:chOff x="0" y="0"/>
+          <a:chExt cx="0" cy="0"/>
+        </a:xfrm>
+      </p:grpSpPr>
+      <p:sp>
+        <p:nvSpPr>
+          <p:cNvPr id="2" name="Title 1"/>
+          <p:cNvSpPr>
+            <a:spLocks noGrp="1"/>
+          </p:cNvSpPr>
+          <p:nvPr>
+            <p:ph type="title"/>
+          </p:nvPr>
+        </p:nvSpPr>
+        <p:spPr/>
+        <p:txBody>
+          <a:bodyPr/>
+          <a:lstStyle/>
+          <a:p>
+            <a:r>
+              <a:rPr lang="en-US" dirty="0" smtClean="0"/>
+              <a:t>Lab model	</a:t>
+            </a:r>
+            <a:endParaRPr lang="en-US" dirty="0"/>
+          </a:p>
+        </p:txBody>
+      </p:sp>
+      <p:sp>
+        <p:nvSpPr>
+          <p:cNvPr id="3" name="Content Placeholder 2"/>
+          <p:cNvSpPr>
+            <a:spLocks noGrp="1"/>
+          </p:cNvSpPr>
+          <p:nvPr>
+            <p:ph idx="1"/>
+          </p:nvPr>
+        </p:nvSpPr>
+        <p:spPr/>
+        <p:txBody>
+          <a:bodyPr/>
+          <a:lstStyle/>
+          <a:p>
+            <a:r>
+              <a:rPr lang="en-US" dirty="0" smtClean="0"/>
+              <a:t>Local Virtual Machine</a:t>
+            </a:r>
+          </a:p>
+          <a:p>
+            <a:pPr lvl="1"/>
+            <a:r>
+              <a:rPr lang="en-US" dirty="0" smtClean="0"/>
+              <a:t>Ubuntu </a:t>
+            </a:r>
+          </a:p>
+          <a:p>
+            <a:pPr lvl="1"/>
+            <a:r>
+              <a:rPr lang="en-US" dirty="0" smtClean="0"/>
+              <a:t>Pre-installed big data software	</a:t>
+            </a:r>
+          </a:p>
+          <a:p>
+            <a:pPr lvl="2"/>
+            <a:r>
+              <a:rPr lang="en-US" dirty="0" smtClean="0"/>
+              <a:t>E.g. Apache </a:t>
+            </a:r>
+            <a:r>
+              <a:rPr lang="en-US" dirty="0" err="1" smtClean="0"/>
+              <a:t>Hadoop</a:t>
+            </a:r>
+            <a:r>
+              <a:rPr lang="en-US" dirty="0" smtClean="0"/>
+              <a:t> and Spark, </a:t>
+            </a:r>
+            <a:r>
+              <a:rPr lang="en-US" dirty="0" err="1" smtClean="0"/>
+              <a:t>Docker</a:t>
+            </a:r>
+            <a:r>
+              <a:rPr lang="en-US" dirty="0" smtClean="0"/>
+              <a:t>, </a:t>
+            </a:r>
+            <a:r>
+              <a:rPr lang="en-US" dirty="0" err="1" smtClean="0"/>
+              <a:t>etc</a:t>
+            </a:r>
+            <a:endParaRPr lang="en-US" dirty="0" smtClean="0"/>
+          </a:p>
+          <a:p>
+            <a:r>
+              <a:rPr lang="en-US" dirty="0" smtClean="0"/>
+              <a:t>Amazon Web Services</a:t>
+            </a:r>
+          </a:p>
+          <a:p>
+            <a:pPr lvl="1"/>
+            <a:r>
+              <a:rPr lang="en-US" dirty="0" smtClean="0"/>
+              <a:t>Virtual machines in the cloud</a:t>
+            </a:r>
+          </a:p>
+          <a:p>
+            <a:pPr lvl="1"/>
+            <a:endParaRPr lang="en-US" dirty="0" smtClean="0"/>
+          </a:p>
+          <a:p>
+            <a:pPr lvl="1"/>
+            <a:endParaRPr lang="en-US" dirty="0"/>
+          </a:p>
+        </p:txBody>
+      </p:sp>
+    </p:spTree>
+    <p:extLst>
+      <p:ext uri="{BB962C8B-B14F-4D97-AF65-F5344CB8AC3E}">
+        <p14:creationId xmlns:p14="http://schemas.microsoft.com/office/powerpoint/2010/main" val="3810880434"/>
+      </p:ext>
+    </p:extLst>
+  </p:cSld>
+  <p:clrMapOvr>
+    <a:masterClrMapping/>
+  </p:clrMapOvr>
+</p:sld>
+</file>
+
+<file path=ppt/slides/slide7.xml><?xml version="1.0" encoding="utf-8"?>
+<p:sld xmlns:a="http://schemas.openxmlformats.org/drawingml/2006/main" xmlns:r="http://schemas.openxmlformats.org/officeDocument/2006/relationships" xmlns:p="http://schemas.openxmlformats.org/presentationml/2006/main">
+  <p:cSld>
+    <p:spTree>
+      <p:nvGrpSpPr>
+        <p:cNvPr id="1" name=""/>
+        <p:cNvGrpSpPr/>
+        <p:nvPr/>
+      </p:nvGrpSpPr>
+      <p:grpSpPr>
+        <a:xfrm>
+          <a:off x="0" y="0"/>
+          <a:ext cx="0" cy="0"/>
+          <a:chOff x="0" y="0"/>
+          <a:chExt cx="0" cy="0"/>
+        </a:xfrm>
+      </p:grpSpPr>
+      <p:sp>
+        <p:nvSpPr>
           <p:cNvPr id="7169" name="Title 1"/>
           <p:cNvSpPr>
             <a:spLocks noGrp="1"/>
@@ -6522,458 +6965,6 @@
     <p:extLst>
       <p:ext uri="{BB962C8B-B14F-4D97-AF65-F5344CB8AC3E}">
         <p14:creationId xmlns:p14="http://schemas.microsoft.com/office/powerpoint/2010/main" val="3618617325"/>
-      </p:ext>
-    </p:extLst>
-  </p:cSld>
-  <p:clrMapOvr>
-    <a:masterClrMapping/>
-  </p:clrMapOvr>
-  <mc:AlternateContent xmlns:mc="http://schemas.openxmlformats.org/markup-compatibility/2006" xmlns:p14="http://schemas.microsoft.com/office/powerpoint/2010/main">
-    <mc:Choice Requires="p14">
-      <p:transition spd="slow" p14:dur="2000"/>
-    </mc:Choice>
-    <mc:Fallback xmlns="">
-      <p:transition xmlns:p14="http://schemas.microsoft.com/office/powerpoint/2010/main" spd="slow"/>
-    </mc:Fallback>
-  </mc:AlternateContent>
-  <p:timing>
-    <p:tnLst>
-      <p:par>
-        <p:cTn xmlns:p14="http://schemas.microsoft.com/office/powerpoint/2010/main" id="1" dur="indefinite" restart="never" nodeType="tmRoot"/>
-      </p:par>
-    </p:tnLst>
-  </p:timing>
-</p:sld>
-</file>
-
-<file path=ppt/slides/slide6.xml><?xml version="1.0" encoding="utf-8"?>
-<p:sld xmlns:a="http://schemas.openxmlformats.org/drawingml/2006/main" xmlns:r="http://schemas.openxmlformats.org/officeDocument/2006/relationships" xmlns:p="http://schemas.openxmlformats.org/presentationml/2006/main">
-  <p:cSld>
-    <p:spTree>
-      <p:nvGrpSpPr>
-        <p:cNvPr id="1" name=""/>
-        <p:cNvGrpSpPr/>
-        <p:nvPr/>
-      </p:nvGrpSpPr>
-      <p:grpSpPr>
-        <a:xfrm>
-          <a:off x="0" y="0"/>
-          <a:ext cx="0" cy="0"/>
-          <a:chOff x="0" y="0"/>
-          <a:chExt cx="0" cy="0"/>
-        </a:xfrm>
-      </p:grpSpPr>
-      <p:sp>
-        <p:nvSpPr>
-          <p:cNvPr id="8193" name="Title 1"/>
-          <p:cNvSpPr>
-            <a:spLocks noGrp="1"/>
-          </p:cNvSpPr>
-          <p:nvPr>
-            <p:ph type="title"/>
-          </p:nvPr>
-        </p:nvSpPr>
-        <p:spPr bwMode="auto">
-          <a:noFill/>
-          <a:extLst>
-            <a:ext uri="{909E8E84-426E-40dd-AFC4-6F175D3DCCD1}">
-              <a14:hiddenFill xmlns:a14="http://schemas.microsoft.com/office/drawing/2010/main">
-                <a:solidFill>
-                  <a:srgbClr val="FFFFFF"/>
-                </a:solidFill>
-              </a14:hiddenFill>
-            </a:ext>
-            <a:ext uri="{91240B29-F687-4f45-9708-019B960494DF}">
-              <a14:hiddenLine xmlns:a14="http://schemas.microsoft.com/office/drawing/2010/main" w="9525">
-                <a:solidFill>
-                  <a:srgbClr val="000000"/>
-                </a:solidFill>
-                <a:miter lim="800000"/>
-                <a:headEnd/>
-                <a:tailEnd/>
-              </a14:hiddenLine>
-            </a:ext>
-          </a:extLst>
-        </p:spPr>
-        <p:txBody>
-          <a:bodyPr wrap="square" lIns="64291" tIns="32146" rIns="64291" bIns="32146" numCol="1" anchor="t" anchorCtr="0" compatLnSpc="1">
-            <a:prstTxWarp prst="textNoShape">
-              <a:avLst/>
-            </a:prstTxWarp>
-          </a:bodyPr>
-          <a:lstStyle/>
-          <a:p>
-            <a:pPr eaLnBrk="1" hangingPunct="1"/>
-            <a:r>
-              <a:rPr lang="en-US" dirty="0" err="1">
-                <a:ea typeface="ヒラギノ角ゴ ProN W3" charset="0"/>
-                <a:cs typeface="ヒラギノ角ゴ ProN W3" charset="0"/>
-              </a:rPr>
-              <a:t>Practicals</a:t>
-            </a:r>
-            <a:endParaRPr lang="en-US" dirty="0">
-              <a:ea typeface="ヒラギノ角ゴ ProN W3" charset="0"/>
-              <a:cs typeface="ヒラギノ角ゴ ProN W3" charset="0"/>
-            </a:endParaRPr>
-          </a:p>
-        </p:txBody>
-      </p:sp>
-      <p:sp>
-        <p:nvSpPr>
-          <p:cNvPr id="8194" name="Content Placeholder 2"/>
-          <p:cNvSpPr>
-            <a:spLocks noGrp="1"/>
-          </p:cNvSpPr>
-          <p:nvPr>
-            <p:ph idx="1"/>
-          </p:nvPr>
-        </p:nvSpPr>
-        <p:spPr bwMode="auto">
-          <a:noFill/>
-          <a:extLst>
-            <a:ext uri="{909E8E84-426E-40dd-AFC4-6F175D3DCCD1}">
-              <a14:hiddenFill xmlns:a14="http://schemas.microsoft.com/office/drawing/2010/main">
-                <a:solidFill>
-                  <a:srgbClr val="FFFFFF"/>
-                </a:solidFill>
-              </a14:hiddenFill>
-            </a:ext>
-            <a:ext uri="{91240B29-F687-4f45-9708-019B960494DF}">
-              <a14:hiddenLine xmlns:a14="http://schemas.microsoft.com/office/drawing/2010/main" w="9525">
-                <a:solidFill>
-                  <a:srgbClr val="000000"/>
-                </a:solidFill>
-                <a:miter lim="800000"/>
-                <a:headEnd/>
-                <a:tailEnd/>
-              </a14:hiddenLine>
-            </a:ext>
-          </a:extLst>
-        </p:spPr>
-        <p:txBody>
-          <a:bodyPr wrap="square" lIns="64291" tIns="32146" rIns="64291" bIns="32146" numCol="1" anchor="t" anchorCtr="0" compatLnSpc="1">
-            <a:prstTxWarp prst="textNoShape">
-              <a:avLst/>
-            </a:prstTxWarp>
-            <a:normAutofit/>
-          </a:bodyPr>
-          <a:lstStyle/>
-          <a:p>
-            <a:pPr eaLnBrk="1" hangingPunct="1"/>
-            <a:r>
-              <a:rPr lang="en-US" dirty="0" smtClean="0">
-                <a:ea typeface="ヒラギノ角ゴ ProN W3" charset="0"/>
-                <a:cs typeface="ヒラギノ角ゴ ProN W3" charset="0"/>
-              </a:rPr>
-              <a:t>TBD</a:t>
-            </a:r>
-            <a:endParaRPr lang="en-US" dirty="0">
-              <a:ea typeface="ヒラギノ角ゴ ProN W3" charset="0"/>
-              <a:cs typeface="ヒラギノ角ゴ ProN W3" charset="0"/>
-            </a:endParaRPr>
-          </a:p>
-        </p:txBody>
-      </p:sp>
-    </p:spTree>
-    <p:extLst>
-      <p:ext uri="{BB962C8B-B14F-4D97-AF65-F5344CB8AC3E}">
-        <p14:creationId xmlns:p14="http://schemas.microsoft.com/office/powerpoint/2010/main" val="3934740033"/>
-      </p:ext>
-    </p:extLst>
-  </p:cSld>
-  <p:clrMapOvr>
-    <a:masterClrMapping/>
-  </p:clrMapOvr>
-  <mc:AlternateContent xmlns:mc="http://schemas.openxmlformats.org/markup-compatibility/2006" xmlns:p14="http://schemas.microsoft.com/office/powerpoint/2010/main">
-    <mc:Choice Requires="p14">
-      <p:transition spd="slow" p14:dur="2000"/>
-    </mc:Choice>
-    <mc:Fallback xmlns="">
-      <p:transition xmlns:p14="http://schemas.microsoft.com/office/powerpoint/2010/main" spd="slow"/>
-    </mc:Fallback>
-  </mc:AlternateContent>
-  <p:timing>
-    <p:tnLst>
-      <p:par>
-        <p:cTn xmlns:p14="http://schemas.microsoft.com/office/powerpoint/2010/main" id="1" dur="indefinite" restart="never" nodeType="tmRoot"/>
-      </p:par>
-    </p:tnLst>
-  </p:timing>
-</p:sld>
-</file>
-
-<file path=ppt/slides/slide7.xml><?xml version="1.0" encoding="utf-8"?>
-<p:sld xmlns:a="http://schemas.openxmlformats.org/drawingml/2006/main" xmlns:r="http://schemas.openxmlformats.org/officeDocument/2006/relationships" xmlns:p="http://schemas.openxmlformats.org/presentationml/2006/main">
-  <p:cSld>
-    <p:spTree>
-      <p:nvGrpSpPr>
-        <p:cNvPr id="1" name=""/>
-        <p:cNvGrpSpPr/>
-        <p:nvPr/>
-      </p:nvGrpSpPr>
-      <p:grpSpPr>
-        <a:xfrm>
-          <a:off x="0" y="0"/>
-          <a:ext cx="0" cy="0"/>
-          <a:chOff x="0" y="0"/>
-          <a:chExt cx="0" cy="0"/>
-        </a:xfrm>
-      </p:grpSpPr>
-      <p:sp>
-        <p:nvSpPr>
-          <p:cNvPr id="9217" name="Title 1"/>
-          <p:cNvSpPr>
-            <a:spLocks noGrp="1"/>
-          </p:cNvSpPr>
-          <p:nvPr>
-            <p:ph type="title"/>
-          </p:nvPr>
-        </p:nvSpPr>
-        <p:spPr bwMode="auto">
-          <a:noFill/>
-          <a:extLst>
-            <a:ext uri="{909E8E84-426E-40dd-AFC4-6F175D3DCCD1}">
-              <a14:hiddenFill xmlns:a14="http://schemas.microsoft.com/office/drawing/2010/main">
-                <a:solidFill>
-                  <a:srgbClr val="FFFFFF"/>
-                </a:solidFill>
-              </a14:hiddenFill>
-            </a:ext>
-            <a:ext uri="{91240B29-F687-4f45-9708-019B960494DF}">
-              <a14:hiddenLine xmlns:a14="http://schemas.microsoft.com/office/drawing/2010/main" w="9525">
-                <a:solidFill>
-                  <a:srgbClr val="000000"/>
-                </a:solidFill>
-                <a:miter lim="800000"/>
-                <a:headEnd/>
-                <a:tailEnd/>
-              </a14:hiddenLine>
-            </a:ext>
-          </a:extLst>
-        </p:spPr>
-        <p:txBody>
-          <a:bodyPr wrap="square" lIns="64291" tIns="32146" rIns="64291" bIns="32146" numCol="1" anchor="t" anchorCtr="0" compatLnSpc="1">
-            <a:prstTxWarp prst="textNoShape">
-              <a:avLst/>
-            </a:prstTxWarp>
-          </a:bodyPr>
-          <a:lstStyle/>
-          <a:p>
-            <a:pPr eaLnBrk="1" hangingPunct="1"/>
-            <a:r>
-              <a:rPr lang="en-US" dirty="0" smtClean="0">
-                <a:ea typeface="ヒラギノ角ゴ ProN W3" charset="0"/>
-                <a:cs typeface="ヒラギノ角ゴ ProN W3" charset="0"/>
-              </a:rPr>
-              <a:t>Specific Objectives</a:t>
-            </a:r>
-            <a:endParaRPr lang="en-US" dirty="0">
-              <a:ea typeface="ヒラギノ角ゴ ProN W3" charset="0"/>
-              <a:cs typeface="ヒラギノ角ゴ ProN W3" charset="0"/>
-            </a:endParaRPr>
-          </a:p>
-        </p:txBody>
-      </p:sp>
-      <p:sp>
-        <p:nvSpPr>
-          <p:cNvPr id="9218" name="Content Placeholder 2"/>
-          <p:cNvSpPr>
-            <a:spLocks noGrp="1"/>
-          </p:cNvSpPr>
-          <p:nvPr>
-            <p:ph idx="1"/>
-          </p:nvPr>
-        </p:nvSpPr>
-        <p:spPr bwMode="auto">
-          <a:noFill/>
-          <a:extLst>
-            <a:ext uri="{909E8E84-426E-40dd-AFC4-6F175D3DCCD1}">
-              <a14:hiddenFill xmlns:a14="http://schemas.microsoft.com/office/drawing/2010/main">
-                <a:solidFill>
-                  <a:srgbClr val="FFFFFF"/>
-                </a:solidFill>
-              </a14:hiddenFill>
-            </a:ext>
-            <a:ext uri="{91240B29-F687-4f45-9708-019B960494DF}">
-              <a14:hiddenLine xmlns:a14="http://schemas.microsoft.com/office/drawing/2010/main" w="9525">
-                <a:solidFill>
-                  <a:srgbClr val="000000"/>
-                </a:solidFill>
-                <a:miter lim="800000"/>
-                <a:headEnd/>
-                <a:tailEnd/>
-              </a14:hiddenLine>
-            </a:ext>
-          </a:extLst>
-        </p:spPr>
-        <p:txBody>
-          <a:bodyPr wrap="square" lIns="64291" tIns="32146" rIns="64291" bIns="32146" numCol="1" anchor="t" anchorCtr="0" compatLnSpc="1">
-            <a:prstTxWarp prst="textNoShape">
-              <a:avLst/>
-            </a:prstTxWarp>
-            <a:noAutofit/>
-          </a:bodyPr>
-          <a:lstStyle/>
-          <a:p>
-            <a:pPr eaLnBrk="1" hangingPunct="1"/>
-            <a:r>
-              <a:rPr lang="en-US" sz="2000" dirty="0" smtClean="0">
-                <a:ea typeface="ヒラギノ角ゴ ProN W3" charset="0"/>
-                <a:cs typeface="ヒラギノ角ゴ ProN W3" charset="0"/>
-              </a:rPr>
-              <a:t>Understand the principles of cloud computing</a:t>
-            </a:r>
-          </a:p>
-          <a:p>
-            <a:pPr lvl="1"/>
-            <a:r>
-              <a:rPr lang="en-US" sz="1800" dirty="0" smtClean="0">
-                <a:ea typeface="ヒラギノ角ゴ ProN W3" charset="0"/>
-                <a:cs typeface="ヒラギノ角ゴ ProN W3" charset="0"/>
-              </a:rPr>
-              <a:t>Theory of scalability </a:t>
-            </a:r>
-          </a:p>
-          <a:p>
-            <a:pPr lvl="1"/>
-            <a:r>
-              <a:rPr lang="en-US" sz="1800" dirty="0" smtClean="0">
-                <a:ea typeface="ヒラギノ角ゴ ProN W3" charset="0"/>
-                <a:cs typeface="ヒラギノ角ゴ ProN W3" charset="0"/>
-              </a:rPr>
-              <a:t>Including scalability and deployment</a:t>
-            </a:r>
-          </a:p>
-          <a:p>
-            <a:pPr lvl="1"/>
-            <a:r>
-              <a:rPr lang="en-US" sz="1800" dirty="0" err="1" smtClean="0">
-                <a:ea typeface="ヒラギノ角ゴ ProN W3" charset="0"/>
-                <a:cs typeface="ヒラギノ角ゴ ProN W3" charset="0"/>
-              </a:rPr>
-              <a:t>IaaS</a:t>
-            </a:r>
-            <a:r>
-              <a:rPr lang="en-US" sz="1800" dirty="0" smtClean="0">
-                <a:ea typeface="ヒラギノ角ゴ ProN W3" charset="0"/>
-                <a:cs typeface="ヒラギノ角ゴ ProN W3" charset="0"/>
-              </a:rPr>
-              <a:t> frameworks, </a:t>
-            </a:r>
-            <a:r>
-              <a:rPr lang="en-US" sz="1800" dirty="0" err="1" smtClean="0">
-                <a:ea typeface="ヒラギノ角ゴ ProN W3" charset="0"/>
-                <a:cs typeface="ヒラギノ角ゴ ProN W3" charset="0"/>
-              </a:rPr>
-              <a:t>PaaS</a:t>
-            </a:r>
-            <a:r>
-              <a:rPr lang="en-US" sz="1800" dirty="0" smtClean="0">
-                <a:ea typeface="ヒラギノ角ゴ ProN W3" charset="0"/>
-                <a:cs typeface="ヒラギノ角ゴ ProN W3" charset="0"/>
-              </a:rPr>
-              <a:t>, containers</a:t>
-            </a:r>
-          </a:p>
-          <a:p>
-            <a:pPr eaLnBrk="1" hangingPunct="1"/>
-            <a:r>
-              <a:rPr lang="en-US" sz="2000" dirty="0" smtClean="0">
-                <a:ea typeface="ヒラギノ角ゴ ProN W3" charset="0"/>
-                <a:cs typeface="ヒラギノ角ゴ ProN W3" charset="0"/>
-              </a:rPr>
-              <a:t>Understand Big Data approaches, technologies and techniques</a:t>
-            </a:r>
-          </a:p>
-          <a:p>
-            <a:pPr lvl="1"/>
-            <a:r>
-              <a:rPr lang="en-US" sz="1800" dirty="0" smtClean="0">
-                <a:ea typeface="ヒラギノ角ゴ ProN W3" charset="0"/>
-                <a:cs typeface="ヒラギノ角ゴ ProN W3" charset="0"/>
-              </a:rPr>
-              <a:t>Theoretical background and approaches</a:t>
-            </a:r>
-          </a:p>
-          <a:p>
-            <a:pPr lvl="1"/>
-            <a:r>
-              <a:rPr lang="en-US" sz="1800" dirty="0" smtClean="0">
-                <a:ea typeface="ヒラギノ角ゴ ProN W3" charset="0"/>
-                <a:cs typeface="ヒラギノ角ゴ ProN W3" charset="0"/>
-              </a:rPr>
-              <a:t>Including Map Reduce, </a:t>
-            </a:r>
-            <a:r>
-              <a:rPr lang="en-US" sz="1800" dirty="0" err="1" smtClean="0">
-                <a:ea typeface="ヒラギノ角ゴ ProN W3" charset="0"/>
-                <a:cs typeface="ヒラギノ角ゴ ProN W3" charset="0"/>
-              </a:rPr>
-              <a:t>NoSQL</a:t>
-            </a:r>
-            <a:r>
-              <a:rPr lang="en-US" sz="1800" dirty="0" smtClean="0">
-                <a:ea typeface="ヒラギノ角ゴ ProN W3" charset="0"/>
-                <a:cs typeface="ヒラギノ角ゴ ProN W3" charset="0"/>
-              </a:rPr>
-              <a:t>, </a:t>
-            </a:r>
-            <a:r>
-              <a:rPr lang="en-US" sz="1800" dirty="0" err="1" smtClean="0">
-                <a:ea typeface="ヒラギノ角ゴ ProN W3" charset="0"/>
-                <a:cs typeface="ヒラギノ角ゴ ProN W3" charset="0"/>
-              </a:rPr>
-              <a:t>Realtime</a:t>
-            </a:r>
-            <a:endParaRPr lang="en-US" sz="1800" dirty="0" smtClean="0">
-              <a:ea typeface="ヒラギノ角ゴ ProN W3" charset="0"/>
-              <a:cs typeface="ヒラギノ角ゴ ProN W3" charset="0"/>
-            </a:endParaRPr>
-          </a:p>
-          <a:p>
-            <a:r>
-              <a:rPr lang="en-US" sz="2000" dirty="0" smtClean="0">
-                <a:ea typeface="ヒラギノ角ゴ ProN W3" charset="0"/>
-                <a:cs typeface="ヒラギノ角ゴ ProN W3" charset="0"/>
-              </a:rPr>
-              <a:t>Be able to design and implement scalable cloud and big </a:t>
-            </a:r>
-            <a:r>
-              <a:rPr lang="en-US" sz="2000" dirty="0">
-                <a:ea typeface="ヒラギノ角ゴ ProN W3" charset="0"/>
-                <a:cs typeface="ヒラギノ角ゴ ProN W3" charset="0"/>
-              </a:rPr>
-              <a:t>d</a:t>
-            </a:r>
-            <a:r>
-              <a:rPr lang="en-US" sz="2000" dirty="0" smtClean="0">
-                <a:ea typeface="ヒラギノ角ゴ ProN W3" charset="0"/>
-                <a:cs typeface="ヒラギノ角ゴ ProN W3" charset="0"/>
-              </a:rPr>
-              <a:t>ata systems</a:t>
-            </a:r>
-          </a:p>
-          <a:p>
-            <a:r>
-              <a:rPr lang="en-US" sz="2000" dirty="0" smtClean="0">
-                <a:ea typeface="ヒラギノ角ゴ ProN W3" charset="0"/>
-                <a:cs typeface="ヒラギノ角ゴ ProN W3" charset="0"/>
-              </a:rPr>
-              <a:t>Understand and implement effective Open Source systems on Amazon EC2</a:t>
-            </a:r>
-          </a:p>
-          <a:p>
-            <a:endParaRPr lang="en-US" sz="2000" dirty="0">
-              <a:ea typeface="ヒラギノ角ゴ ProN W3" charset="0"/>
-              <a:cs typeface="ヒラギノ角ゴ ProN W3" charset="0"/>
-            </a:endParaRPr>
-          </a:p>
-        </p:txBody>
-      </p:sp>
-    </p:spTree>
-    <p:extLst>
-      <p:ext uri="{BB962C8B-B14F-4D97-AF65-F5344CB8AC3E}">
-        <p14:creationId xmlns:p14="http://schemas.microsoft.com/office/powerpoint/2010/main" val="1239434471"/>
       </p:ext>
     </p:extLst>
   </p:cSld>
@@ -7017,7 +7008,7 @@
       </p:grpSpPr>
       <p:sp>
         <p:nvSpPr>
-          <p:cNvPr id="2" name="Title 1"/>
+          <p:cNvPr id="8193" name="Title 1"/>
           <p:cNvSpPr>
             <a:spLocks noGrp="1"/>
           </p:cNvSpPr>
@@ -7025,52 +7016,132 @@
             <p:ph type="title"/>
           </p:nvPr>
         </p:nvSpPr>
-        <p:spPr/>
-        <p:txBody>
-          <a:bodyPr/>
+        <p:spPr bwMode="auto">
+          <a:noFill/>
+          <a:extLst>
+            <a:ext uri="{909E8E84-426E-40dd-AFC4-6F175D3DCCD1}">
+              <a14:hiddenFill xmlns:a14="http://schemas.microsoft.com/office/drawing/2010/main">
+                <a:solidFill>
+                  <a:srgbClr val="FFFFFF"/>
+                </a:solidFill>
+              </a14:hiddenFill>
+            </a:ext>
+            <a:ext uri="{91240B29-F687-4f45-9708-019B960494DF}">
+              <a14:hiddenLine xmlns:a14="http://schemas.microsoft.com/office/drawing/2010/main" w="9525">
+                <a:solidFill>
+                  <a:srgbClr val="000000"/>
+                </a:solidFill>
+                <a:miter lim="800000"/>
+                <a:headEnd/>
+                <a:tailEnd/>
+              </a14:hiddenLine>
+            </a:ext>
+          </a:extLst>
+        </p:spPr>
+        <p:txBody>
+          <a:bodyPr wrap="square" lIns="64291" tIns="32146" rIns="64291" bIns="32146" numCol="1" anchor="t" anchorCtr="0" compatLnSpc="1">
+            <a:prstTxWarp prst="textNoShape">
+              <a:avLst/>
+            </a:prstTxWarp>
+          </a:bodyPr>
           <a:lstStyle/>
           <a:p>
-            <a:r>
-              <a:rPr lang="en-US" dirty="0" smtClean="0"/>
-              <a:t>Improve your CV?</a:t>
-            </a:r>
-            <a:endParaRPr lang="en-US" dirty="0"/>
-          </a:p>
-        </p:txBody>
-      </p:sp>
-      <p:pic>
-        <p:nvPicPr>
-          <p:cNvPr id="4" name="Picture 3"/>
-          <p:cNvPicPr>
-            <a:picLocks noChangeAspect="1"/>
-          </p:cNvPicPr>
-          <p:nvPr/>
-        </p:nvPicPr>
-        <p:blipFill rotWithShape="1">
-          <a:blip r:embed="rId2"/>
-          <a:srcRect t="12185"/>
-          <a:stretch/>
-        </p:blipFill>
-        <p:spPr>
-          <a:xfrm>
-            <a:off x="1955800" y="1301750"/>
-            <a:ext cx="5232400" cy="5308600"/>
-          </a:xfrm>
-          <a:prstGeom prst="rect">
-            <a:avLst/>
-          </a:prstGeom>
-        </p:spPr>
-      </p:pic>
+            <a:pPr eaLnBrk="1" hangingPunct="1"/>
+            <a:r>
+              <a:rPr lang="en-US" dirty="0" err="1">
+                <a:ea typeface="ヒラギノ角ゴ ProN W3" charset="0"/>
+                <a:cs typeface="ヒラギノ角ゴ ProN W3" charset="0"/>
+              </a:rPr>
+              <a:t>Practicals</a:t>
+            </a:r>
+            <a:endParaRPr lang="en-US" dirty="0">
+              <a:ea typeface="ヒラギノ角ゴ ProN W3" charset="0"/>
+              <a:cs typeface="ヒラギノ角ゴ ProN W3" charset="0"/>
+            </a:endParaRPr>
+          </a:p>
+        </p:txBody>
+      </p:sp>
+      <p:sp>
+        <p:nvSpPr>
+          <p:cNvPr id="8194" name="Content Placeholder 2"/>
+          <p:cNvSpPr>
+            <a:spLocks noGrp="1"/>
+          </p:cNvSpPr>
+          <p:nvPr>
+            <p:ph idx="1"/>
+          </p:nvPr>
+        </p:nvSpPr>
+        <p:spPr bwMode="auto">
+          <a:noFill/>
+          <a:extLst>
+            <a:ext uri="{909E8E84-426E-40dd-AFC4-6F175D3DCCD1}">
+              <a14:hiddenFill xmlns:a14="http://schemas.microsoft.com/office/drawing/2010/main">
+                <a:solidFill>
+                  <a:srgbClr val="FFFFFF"/>
+                </a:solidFill>
+              </a14:hiddenFill>
+            </a:ext>
+            <a:ext uri="{91240B29-F687-4f45-9708-019B960494DF}">
+              <a14:hiddenLine xmlns:a14="http://schemas.microsoft.com/office/drawing/2010/main" w="9525">
+                <a:solidFill>
+                  <a:srgbClr val="000000"/>
+                </a:solidFill>
+                <a:miter lim="800000"/>
+                <a:headEnd/>
+                <a:tailEnd/>
+              </a14:hiddenLine>
+            </a:ext>
+          </a:extLst>
+        </p:spPr>
+        <p:txBody>
+          <a:bodyPr wrap="square" lIns="64291" tIns="32146" rIns="64291" bIns="32146" numCol="1" anchor="t" anchorCtr="0" compatLnSpc="1">
+            <a:prstTxWarp prst="textNoShape">
+              <a:avLst/>
+            </a:prstTxWarp>
+            <a:normAutofit/>
+          </a:bodyPr>
+          <a:lstStyle/>
+          <a:p>
+            <a:pPr eaLnBrk="1" hangingPunct="1"/>
+            <a:r>
+              <a:rPr lang="en-US" dirty="0" smtClean="0">
+                <a:ea typeface="ヒラギノ角ゴ ProN W3" charset="0"/>
+                <a:cs typeface="ヒラギノ角ゴ ProN W3" charset="0"/>
+              </a:rPr>
+              <a:t>TBD</a:t>
+            </a:r>
+            <a:endParaRPr lang="en-US" dirty="0">
+              <a:ea typeface="ヒラギノ角ゴ ProN W3" charset="0"/>
+              <a:cs typeface="ヒラギノ角ゴ ProN W3" charset="0"/>
+            </a:endParaRPr>
+          </a:p>
+        </p:txBody>
+      </p:sp>
     </p:spTree>
     <p:extLst>
       <p:ext uri="{BB962C8B-B14F-4D97-AF65-F5344CB8AC3E}">
-        <p14:creationId xmlns:p14="http://schemas.microsoft.com/office/powerpoint/2010/main" val="2802100120"/>
+        <p14:creationId xmlns:p14="http://schemas.microsoft.com/office/powerpoint/2010/main" val="3934740033"/>
       </p:ext>
     </p:extLst>
   </p:cSld>
   <p:clrMapOvr>
     <a:masterClrMapping/>
   </p:clrMapOvr>
+  <mc:AlternateContent xmlns:mc="http://schemas.openxmlformats.org/markup-compatibility/2006" xmlns:p14="http://schemas.microsoft.com/office/powerpoint/2010/main">
+    <mc:Choice Requires="p14">
+      <p:transition spd="slow" p14:dur="2000"/>
+    </mc:Choice>
+    <mc:Fallback xmlns="">
+      <p:transition xmlns:p14="http://schemas.microsoft.com/office/powerpoint/2010/main" spd="slow"/>
+    </mc:Fallback>
+  </mc:AlternateContent>
+  <p:timing>
+    <p:tnLst>
+      <p:par>
+        <p:cTn xmlns:p14="http://schemas.microsoft.com/office/powerpoint/2010/main" id="1" dur="indefinite" restart="never" nodeType="tmRoot"/>
+      </p:par>
+    </p:tnLst>
+  </p:timing>
 </p:sld>
 </file>
 
@@ -7093,7 +7164,7 @@
       </p:grpSpPr>
       <p:sp>
         <p:nvSpPr>
-          <p:cNvPr id="2" name="Title 1"/>
+          <p:cNvPr id="9217" name="Title 1"/>
           <p:cNvSpPr>
             <a:spLocks noGrp="1"/>
           </p:cNvSpPr>
@@ -7101,24 +7172,54 @@
             <p:ph type="title"/>
           </p:nvPr>
         </p:nvSpPr>
-        <p:spPr/>
-        <p:txBody>
-          <a:bodyPr>
-            <a:normAutofit fontScale="90000"/>
+        <p:spPr bwMode="auto">
+          <a:noFill/>
+          <a:extLst>
+            <a:ext uri="{909E8E84-426E-40dd-AFC4-6F175D3DCCD1}">
+              <a14:hiddenFill xmlns:a14="http://schemas.microsoft.com/office/drawing/2010/main">
+                <a:solidFill>
+                  <a:srgbClr val="FFFFFF"/>
+                </a:solidFill>
+              </a14:hiddenFill>
+            </a:ext>
+            <a:ext uri="{91240B29-F687-4f45-9708-019B960494DF}">
+              <a14:hiddenLine xmlns:a14="http://schemas.microsoft.com/office/drawing/2010/main" w="9525">
+                <a:solidFill>
+                  <a:srgbClr val="000000"/>
+                </a:solidFill>
+                <a:miter lim="800000"/>
+                <a:headEnd/>
+                <a:tailEnd/>
+              </a14:hiddenLine>
+            </a:ext>
+          </a:extLst>
+        </p:spPr>
+        <p:txBody>
+          <a:bodyPr wrap="square" lIns="64291" tIns="32146" rIns="64291" bIns="32146" numCol="1" anchor="t" anchorCtr="0" compatLnSpc="1">
+            <a:prstTxWarp prst="textNoShape">
+              <a:avLst/>
+            </a:prstTxWarp>
           </a:bodyPr>
           <a:lstStyle/>
           <a:p>
-            <a:r>
-              <a:rPr lang="en-US" dirty="0" smtClean="0"/>
-              <a:t>Beyond the scope of this course</a:t>
-            </a:r>
-            <a:endParaRPr lang="en-US" dirty="0"/>
-          </a:p>
-        </p:txBody>
-      </p:sp>
-      <p:sp>
-        <p:nvSpPr>
-          <p:cNvPr id="3" name="Content Placeholder 2"/>
+            <a:pPr eaLnBrk="1" hangingPunct="1"/>
+            <a:r>
+              <a:rPr lang="en-US" dirty="0" smtClean="0">
+                <a:ea typeface="ヒラギノ角ゴ ProN W3" charset="0"/>
+                <a:cs typeface="ヒラギノ角ゴ ProN W3" charset="0"/>
+              </a:rPr>
+              <a:t>Specific Objectives</a:t>
+            </a:r>
+            <a:endParaRPr lang="en-US" dirty="0">
+              <a:ea typeface="ヒラギノ角ゴ ProN W3" charset="0"/>
+              <a:cs typeface="ヒラギノ角ゴ ProN W3" charset="0"/>
+            </a:endParaRPr>
+          </a:p>
+        </p:txBody>
+      </p:sp>
+      <p:sp>
+        <p:nvSpPr>
+          <p:cNvPr id="9218" name="Content Placeholder 2"/>
           <p:cNvSpPr>
             <a:spLocks noGrp="1"/>
           </p:cNvSpPr>
@@ -7126,85 +7227,217 @@
             <p:ph idx="1"/>
           </p:nvPr>
         </p:nvSpPr>
-        <p:spPr/>
-        <p:txBody>
-          <a:bodyPr/>
+        <p:spPr bwMode="auto">
+          <a:noFill/>
+          <a:extLst>
+            <a:ext uri="{909E8E84-426E-40dd-AFC4-6F175D3DCCD1}">
+              <a14:hiddenFill xmlns:a14="http://schemas.microsoft.com/office/drawing/2010/main">
+                <a:solidFill>
+                  <a:srgbClr val="FFFFFF"/>
+                </a:solidFill>
+              </a14:hiddenFill>
+            </a:ext>
+            <a:ext uri="{91240B29-F687-4f45-9708-019B960494DF}">
+              <a14:hiddenLine xmlns:a14="http://schemas.microsoft.com/office/drawing/2010/main" w="9525">
+                <a:solidFill>
+                  <a:srgbClr val="000000"/>
+                </a:solidFill>
+                <a:miter lim="800000"/>
+                <a:headEnd/>
+                <a:tailEnd/>
+              </a14:hiddenLine>
+            </a:ext>
+          </a:extLst>
+        </p:spPr>
+        <p:txBody>
+          <a:bodyPr wrap="square" lIns="64291" tIns="32146" rIns="64291" bIns="32146" numCol="1" anchor="t" anchorCtr="0" compatLnSpc="1">
+            <a:prstTxWarp prst="textNoShape">
+              <a:avLst/>
+            </a:prstTxWarp>
+            <a:noAutofit/>
+          </a:bodyPr>
           <a:lstStyle/>
           <a:p>
-            <a:r>
-              <a:rPr lang="en-US" dirty="0" smtClean="0"/>
-              <a:t>Detailed Data Science techniques</a:t>
-            </a:r>
-          </a:p>
-          <a:p>
-            <a:r>
-              <a:rPr lang="en-US" dirty="0" smtClean="0"/>
-              <a:t>Implementing a private cloud </a:t>
+            <a:pPr eaLnBrk="1" hangingPunct="1"/>
+            <a:r>
+              <a:rPr lang="en-US" sz="2000" dirty="0" smtClean="0">
+                <a:ea typeface="ヒラギノ角ゴ ProN W3" charset="0"/>
+                <a:cs typeface="ヒラギノ角ゴ ProN W3" charset="0"/>
+              </a:rPr>
+              <a:t>Understand the principles of cloud computing</a:t>
             </a:r>
           </a:p>
           <a:p>
             <a:pPr lvl="1"/>
             <a:r>
-              <a:rPr lang="en-US" dirty="0" smtClean="0"/>
-              <a:t>Although we will look at technologies for private cloud</a:t>
-            </a:r>
-          </a:p>
-          <a:p>
-            <a:r>
-              <a:rPr lang="en-US" dirty="0" smtClean="0"/>
-              <a:t>Understanding all of </a:t>
-            </a:r>
-            <a:r>
-              <a:rPr lang="en-US" dirty="0" err="1" smtClean="0"/>
-              <a:t>Hadoop</a:t>
-            </a:r>
-            <a:r>
-              <a:rPr lang="en-US" dirty="0" smtClean="0"/>
-              <a:t>, Spark, </a:t>
-            </a:r>
-            <a:r>
-              <a:rPr lang="en-US" dirty="0" err="1" smtClean="0"/>
-              <a:t>Mesos</a:t>
-            </a:r>
-            <a:r>
-              <a:rPr lang="en-US" dirty="0" smtClean="0"/>
+              <a:rPr lang="en-US" sz="1800" dirty="0" smtClean="0">
+                <a:ea typeface="ヒラギノ角ゴ ProN W3" charset="0"/>
+                <a:cs typeface="ヒラギノ角ゴ ProN W3" charset="0"/>
+              </a:rPr>
+              <a:t>Theory of scalability </a:t>
+            </a:r>
+          </a:p>
+          <a:p>
+            <a:pPr lvl="1"/>
+            <a:r>
+              <a:rPr lang="en-US" sz="1800" dirty="0" smtClean="0">
+                <a:ea typeface="ヒラギノ角ゴ ProN W3" charset="0"/>
+                <a:cs typeface="ヒラギノ角ゴ ProN W3" charset="0"/>
+              </a:rPr>
+              <a:t>Including scalability and deployment</a:t>
+            </a:r>
+          </a:p>
+          <a:p>
+            <a:pPr lvl="1"/>
+            <a:r>
+              <a:rPr lang="en-US" sz="1800" dirty="0" err="1" smtClean="0">
+                <a:ea typeface="ヒラギノ角ゴ ProN W3" charset="0"/>
+                <a:cs typeface="ヒラギノ角ゴ ProN W3" charset="0"/>
+              </a:rPr>
+              <a:t>IaaS</a:t>
+            </a:r>
+            <a:r>
+              <a:rPr lang="en-US" sz="1800" dirty="0" smtClean="0">
+                <a:ea typeface="ヒラギノ角ゴ ProN W3" charset="0"/>
+                <a:cs typeface="ヒラギノ角ゴ ProN W3" charset="0"/>
+              </a:rPr>
+              <a:t> frameworks, </a:t>
+            </a:r>
+            <a:r>
+              <a:rPr lang="en-US" sz="1800" dirty="0" err="1" smtClean="0">
+                <a:ea typeface="ヒラギノ角ゴ ProN W3" charset="0"/>
+                <a:cs typeface="ヒラギノ角ゴ ProN W3" charset="0"/>
+              </a:rPr>
+              <a:t>PaaS</a:t>
+            </a:r>
+            <a:r>
+              <a:rPr lang="en-US" sz="1800" dirty="0" smtClean="0">
+                <a:ea typeface="ヒラギノ角ゴ ProN W3" charset="0"/>
+                <a:cs typeface="ヒラギノ角ゴ ProN W3" charset="0"/>
+              </a:rPr>
+              <a:t>, containers</a:t>
+            </a:r>
+          </a:p>
+          <a:p>
+            <a:pPr eaLnBrk="1" hangingPunct="1"/>
+            <a:r>
+              <a:rPr lang="en-US" sz="2000" dirty="0" smtClean="0">
+                <a:ea typeface="ヒラギノ角ゴ ProN W3" charset="0"/>
+                <a:cs typeface="ヒラギノ角ゴ ProN W3" charset="0"/>
+              </a:rPr>
+              <a:t>Understand Big Data approaches, technologies and techniques</a:t>
+            </a:r>
+          </a:p>
+          <a:p>
+            <a:pPr lvl="1"/>
+            <a:r>
+              <a:rPr lang="en-US" sz="1800" dirty="0" smtClean="0">
+                <a:ea typeface="ヒラギノ角ゴ ProN W3" charset="0"/>
+                <a:cs typeface="ヒラギノ角ゴ ProN W3" charset="0"/>
+              </a:rPr>
+              <a:t>Theoretical background and approaches</a:t>
+            </a:r>
+          </a:p>
+          <a:p>
+            <a:pPr lvl="1"/>
+            <a:r>
+              <a:rPr lang="en-US" sz="1800" dirty="0" smtClean="0">
+                <a:ea typeface="ヒラギノ角ゴ ProN W3" charset="0"/>
+                <a:cs typeface="ヒラギノ角ゴ ProN W3" charset="0"/>
+              </a:rPr>
+              <a:t>Including Map Reduce, </a:t>
+            </a:r>
+            <a:r>
+              <a:rPr lang="en-US" sz="1800" dirty="0" err="1" smtClean="0">
+                <a:ea typeface="ヒラギノ角ゴ ProN W3" charset="0"/>
+                <a:cs typeface="ヒラギノ角ゴ ProN W3" charset="0"/>
+              </a:rPr>
+              <a:t>NoSQL</a:t>
+            </a:r>
+            <a:r>
+              <a:rPr lang="en-US" sz="1800" dirty="0" smtClean="0">
+                <a:ea typeface="ヒラギノ角ゴ ProN W3" charset="0"/>
+                <a:cs typeface="ヒラギノ角ゴ ProN W3" charset="0"/>
+              </a:rPr>
               <a:t>, </a:t>
             </a:r>
             <a:r>
-              <a:rPr lang="en-US" dirty="0" err="1" smtClean="0"/>
-              <a:t>CoreOS</a:t>
-            </a:r>
-            <a:r>
-              <a:rPr lang="en-US" dirty="0" smtClean="0"/>
-              <a:t>, </a:t>
-            </a:r>
-            <a:r>
-              <a:rPr lang="en-US" dirty="0" err="1" smtClean="0"/>
-              <a:t>etc</a:t>
-            </a:r>
-            <a:endParaRPr lang="en-US" dirty="0" smtClean="0"/>
-          </a:p>
-          <a:p>
-            <a:pPr marL="0" indent="0">
-              <a:buNone/>
-            </a:pPr>
-            <a:endParaRPr lang="en-US" dirty="0" smtClean="0"/>
-          </a:p>
-          <a:p>
-            <a:endParaRPr lang="en-US" dirty="0"/>
+              <a:rPr lang="en-US" sz="1800" dirty="0" err="1" smtClean="0">
+                <a:ea typeface="ヒラギノ角ゴ ProN W3" charset="0"/>
+                <a:cs typeface="ヒラギノ角ゴ ProN W3" charset="0"/>
+              </a:rPr>
+              <a:t>Realtime</a:t>
+            </a:r>
+            <a:endParaRPr lang="en-US" sz="1800" dirty="0" smtClean="0">
+              <a:ea typeface="ヒラギノ角ゴ ProN W3" charset="0"/>
+              <a:cs typeface="ヒラギノ角ゴ ProN W3" charset="0"/>
+            </a:endParaRPr>
+          </a:p>
+          <a:p>
+            <a:r>
+              <a:rPr lang="en-US" sz="2000" dirty="0" smtClean="0">
+                <a:ea typeface="ヒラギノ角ゴ ProN W3" charset="0"/>
+                <a:cs typeface="ヒラギノ角ゴ ProN W3" charset="0"/>
+              </a:rPr>
+              <a:t>Be able to design and implement scalable cloud and big </a:t>
+            </a:r>
+            <a:r>
+              <a:rPr lang="en-US" sz="2000" dirty="0">
+                <a:ea typeface="ヒラギノ角ゴ ProN W3" charset="0"/>
+                <a:cs typeface="ヒラギノ角ゴ ProN W3" charset="0"/>
+              </a:rPr>
+              <a:t>d</a:t>
+            </a:r>
+            <a:r>
+              <a:rPr lang="en-US" sz="2000" dirty="0" smtClean="0">
+                <a:ea typeface="ヒラギノ角ゴ ProN W3" charset="0"/>
+                <a:cs typeface="ヒラギノ角ゴ ProN W3" charset="0"/>
+              </a:rPr>
+              <a:t>ata systems</a:t>
+            </a:r>
+          </a:p>
+          <a:p>
+            <a:r>
+              <a:rPr lang="en-US" sz="2000" dirty="0" smtClean="0">
+                <a:ea typeface="ヒラギノ角ゴ ProN W3" charset="0"/>
+                <a:cs typeface="ヒラギノ角ゴ ProN W3" charset="0"/>
+              </a:rPr>
+              <a:t>Understand and implement effective Open Source systems on Amazon EC2</a:t>
+            </a:r>
+          </a:p>
+          <a:p>
+            <a:endParaRPr lang="en-US" sz="2000" dirty="0">
+              <a:ea typeface="ヒラギノ角ゴ ProN W3" charset="0"/>
+              <a:cs typeface="ヒラギノ角ゴ ProN W3" charset="0"/>
+            </a:endParaRPr>
           </a:p>
         </p:txBody>
       </p:sp>
     </p:spTree>
     <p:extLst>
       <p:ext uri="{BB962C8B-B14F-4D97-AF65-F5344CB8AC3E}">
-        <p14:creationId xmlns:p14="http://schemas.microsoft.com/office/powerpoint/2010/main" val="843566124"/>
+        <p14:creationId xmlns:p14="http://schemas.microsoft.com/office/powerpoint/2010/main" val="1239434471"/>
       </p:ext>
     </p:extLst>
   </p:cSld>
   <p:clrMapOvr>
     <a:masterClrMapping/>
   </p:clrMapOvr>
+  <mc:AlternateContent xmlns:mc="http://schemas.openxmlformats.org/markup-compatibility/2006" xmlns:p14="http://schemas.microsoft.com/office/powerpoint/2010/main">
+    <mc:Choice Requires="p14">
+      <p:transition spd="slow" p14:dur="2000"/>
+    </mc:Choice>
+    <mc:Fallback xmlns="">
+      <p:transition xmlns:p14="http://schemas.microsoft.com/office/powerpoint/2010/main" spd="slow"/>
+    </mc:Fallback>
+  </mc:AlternateContent>
+  <p:timing>
+    <p:tnLst>
+      <p:par>
+        <p:cTn xmlns:p14="http://schemas.microsoft.com/office/powerpoint/2010/main" id="1" dur="indefinite" restart="never" nodeType="tmRoot"/>
+      </p:par>
+    </p:tnLst>
+  </p:timing>
 </p:sld>
 </file>
 

--- a/pres-source/00-intro.pptx
+++ b/pres-source/00-intro.pptx
@@ -5,7 +5,7 @@
     <p:sldMasterId id="2147483648" r:id="rId1"/>
   </p:sldMasterIdLst>
   <p:notesMasterIdLst>
-    <p:notesMasterId r:id="rId20"/>
+    <p:notesMasterId r:id="rId19"/>
   </p:notesMasterIdLst>
   <p:sldIdLst>
     <p:sldId id="256" r:id="rId2"/>
@@ -19,13 +19,12 @@
     <p:sldId id="262" r:id="rId10"/>
     <p:sldId id="272" r:id="rId11"/>
     <p:sldId id="271" r:id="rId12"/>
-    <p:sldId id="263" r:id="rId13"/>
-    <p:sldId id="264" r:id="rId14"/>
-    <p:sldId id="270" r:id="rId15"/>
-    <p:sldId id="265" r:id="rId16"/>
-    <p:sldId id="269" r:id="rId17"/>
-    <p:sldId id="266" r:id="rId18"/>
-    <p:sldId id="267" r:id="rId19"/>
+    <p:sldId id="264" r:id="rId13"/>
+    <p:sldId id="270" r:id="rId14"/>
+    <p:sldId id="265" r:id="rId15"/>
+    <p:sldId id="269" r:id="rId16"/>
+    <p:sldId id="266" r:id="rId17"/>
+    <p:sldId id="267" r:id="rId18"/>
   </p:sldIdLst>
   <p:sldSz cx="9144000" cy="6858000" type="screen4x3"/>
   <p:notesSz cx="6858000" cy="9144000"/>
@@ -214,7 +213,7 @@
             <a:fld id="{7307762F-A706-E543-A832-3C298AA3103F}" type="datetimeFigureOut">
               <a:rPr lang="en-US" smtClean="0"/>
               <a:pPr/>
-              <a:t>09/11/15</a:t>
+              <a:t>16/11/15</a:t>
             </a:fld>
             <a:endParaRPr lang="en-US" dirty="0"/>
           </a:p>
@@ -781,7 +780,7 @@
           <a:p>
             <a:fld id="{875CF0EB-321F-0749-B37A-89BBA859503C}" type="datetimeFigureOut">
               <a:rPr lang="en-US" smtClean="0"/>
-              <a:t>09/11/15</a:t>
+              <a:t>16/11/15</a:t>
             </a:fld>
             <a:endParaRPr lang="en-US"/>
           </a:p>
@@ -985,7 +984,7 @@
           <a:p>
             <a:fld id="{875CF0EB-321F-0749-B37A-89BBA859503C}" type="datetimeFigureOut">
               <a:rPr lang="en-US" smtClean="0"/>
-              <a:t>09/11/15</a:t>
+              <a:t>16/11/15</a:t>
             </a:fld>
             <a:endParaRPr lang="en-US"/>
           </a:p>
@@ -1179,7 +1178,7 @@
           <a:p>
             <a:fld id="{875CF0EB-321F-0749-B37A-89BBA859503C}" type="datetimeFigureOut">
               <a:rPr lang="en-US" smtClean="0"/>
-              <a:t>09/11/15</a:t>
+              <a:t>16/11/15</a:t>
             </a:fld>
             <a:endParaRPr lang="en-US"/>
           </a:p>
@@ -1449,7 +1448,7 @@
           <a:p>
             <a:fld id="{875CF0EB-321F-0749-B37A-89BBA859503C}" type="datetimeFigureOut">
               <a:rPr lang="en-US" smtClean="0"/>
-              <a:t>09/11/15</a:t>
+              <a:t>16/11/15</a:t>
             </a:fld>
             <a:endParaRPr lang="en-US"/>
           </a:p>
@@ -1761,7 +1760,7 @@
           <a:p>
             <a:fld id="{875CF0EB-321F-0749-B37A-89BBA859503C}" type="datetimeFigureOut">
               <a:rPr lang="en-US" smtClean="0"/>
-              <a:t>09/11/15</a:t>
+              <a:t>16/11/15</a:t>
             </a:fld>
             <a:endParaRPr lang="en-US"/>
           </a:p>
@@ -2207,7 +2206,7 @@
           <a:p>
             <a:fld id="{875CF0EB-321F-0749-B37A-89BBA859503C}" type="datetimeFigureOut">
               <a:rPr lang="en-US" smtClean="0"/>
-              <a:t>09/11/15</a:t>
+              <a:t>16/11/15</a:t>
             </a:fld>
             <a:endParaRPr lang="en-US"/>
           </a:p>
@@ -2349,7 +2348,7 @@
           <a:p>
             <a:fld id="{875CF0EB-321F-0749-B37A-89BBA859503C}" type="datetimeFigureOut">
               <a:rPr lang="en-US" smtClean="0"/>
-              <a:t>09/11/15</a:t>
+              <a:t>16/11/15</a:t>
             </a:fld>
             <a:endParaRPr lang="en-US"/>
           </a:p>
@@ -2468,7 +2467,7 @@
           <a:p>
             <a:fld id="{875CF0EB-321F-0749-B37A-89BBA859503C}" type="datetimeFigureOut">
               <a:rPr lang="en-US" smtClean="0"/>
-              <a:t>09/11/15</a:t>
+              <a:t>16/11/15</a:t>
             </a:fld>
             <a:endParaRPr lang="en-US"/>
           </a:p>
@@ -2769,7 +2768,7 @@
           <a:p>
             <a:fld id="{875CF0EB-321F-0749-B37A-89BBA859503C}" type="datetimeFigureOut">
               <a:rPr lang="en-US" smtClean="0"/>
-              <a:t>09/11/15</a:t>
+              <a:t>16/11/15</a:t>
             </a:fld>
             <a:endParaRPr lang="en-US"/>
           </a:p>
@@ -3046,7 +3045,7 @@
           <a:p>
             <a:fld id="{875CF0EB-321F-0749-B37A-89BBA859503C}" type="datetimeFigureOut">
               <a:rPr lang="en-US" smtClean="0"/>
-              <a:t>09/11/15</a:t>
+              <a:t>16/11/15</a:t>
             </a:fld>
             <a:endParaRPr lang="en-US"/>
           </a:p>
@@ -4247,7 +4246,7 @@
       </p:grpSpPr>
       <p:sp>
         <p:nvSpPr>
-          <p:cNvPr id="10241" name="Title 1"/>
+          <p:cNvPr id="11265" name="Title 1"/>
           <p:cNvSpPr>
             <a:spLocks noGrp="1"/>
           </p:cNvSpPr>
@@ -4291,14 +4290,14 @@
                 <a:ea typeface="ヒラギノ角ゴ ProN W3" charset="0"/>
                 <a:cs typeface="ヒラギノ角ゴ ProN W3" charset="0"/>
               </a:rPr>
-              <a:t>Resources	</a:t>
-            </a:r>
-          </a:p>
-        </p:txBody>
-      </p:sp>
-      <p:sp>
-        <p:nvSpPr>
-          <p:cNvPr id="10242" name="Content Placeholder 2"/>
+              <a:t>Rules of Engagement</a:t>
+            </a:r>
+          </a:p>
+        </p:txBody>
+      </p:sp>
+      <p:sp>
+        <p:nvSpPr>
+          <p:cNvPr id="11266" name="Content Placeholder 2"/>
           <p:cNvSpPr>
             <a:spLocks noGrp="1"/>
           </p:cNvSpPr>
@@ -4307,10 +4306,6 @@
           </p:nvPr>
         </p:nvSpPr>
         <p:spPr bwMode="auto">
-          <a:xfrm>
-            <a:off x="375635" y="1522750"/>
-            <a:ext cx="8229600" cy="4525963"/>
-          </a:xfrm>
           <a:noFill/>
           <a:extLst>
             <a:ext uri="{909E8E84-426E-40dd-AFC4-6F175D3DCCD1}">
@@ -4337,12 +4332,56 @@
             <a:prstTxWarp prst="textNoShape">
               <a:avLst/>
             </a:prstTxWarp>
-            <a:noAutofit/>
+            <a:normAutofit/>
           </a:bodyPr>
           <a:lstStyle/>
           <a:p>
             <a:pPr eaLnBrk="1" hangingPunct="1"/>
-            <a:endParaRPr lang="en-US" sz="2400" dirty="0">
+            <a:r>
+              <a:rPr lang="en-US" b="1" i="1" dirty="0">
+                <a:ea typeface="ヒラギノ角ゴ ProN W3" charset="0"/>
+                <a:cs typeface="ヒラギノ角ゴ ProN W3" charset="0"/>
+              </a:rPr>
+              <a:t>Ask questions as we go along</a:t>
+            </a:r>
+          </a:p>
+          <a:p>
+            <a:pPr lvl="1" eaLnBrk="1" hangingPunct="1"/>
+            <a:r>
+              <a:rPr lang="en-US" dirty="0">
+                <a:ea typeface="ヒラギノ角ゴ ProN W3" charset="0"/>
+                <a:cs typeface="ヒラギノ角ゴ ProN W3" charset="0"/>
+              </a:rPr>
+              <a:t>We will “park” any that are better answered later</a:t>
+            </a:r>
+          </a:p>
+          <a:p>
+            <a:pPr lvl="1" eaLnBrk="1" hangingPunct="1"/>
+            <a:r>
+              <a:rPr lang="en-US" dirty="0">
+                <a:ea typeface="ヒラギノ角ゴ ProN W3" charset="0"/>
+                <a:cs typeface="ヒラギノ角ゴ ProN W3" charset="0"/>
+              </a:rPr>
+              <a:t>Don’t wait till the end to ask or raise </a:t>
+            </a:r>
+            <a:r>
+              <a:rPr lang="en-US" dirty="0" smtClean="0">
+                <a:ea typeface="ヒラギノ角ゴ ProN W3" charset="0"/>
+                <a:cs typeface="ヒラギノ角ゴ ProN W3" charset="0"/>
+              </a:rPr>
+              <a:t>concerns</a:t>
+            </a:r>
+          </a:p>
+          <a:p>
+            <a:pPr lvl="1" eaLnBrk="1" hangingPunct="1"/>
+            <a:r>
+              <a:rPr lang="en-US" dirty="0" smtClean="0">
+                <a:ea typeface="ヒラギノ角ゴ ProN W3" charset="0"/>
+                <a:cs typeface="ヒラギノ角ゴ ProN W3" charset="0"/>
+              </a:rPr>
+              <a:t>If you don’t ask we can’t help you</a:t>
+            </a:r>
+            <a:endParaRPr lang="en-US" dirty="0">
               <a:ea typeface="ヒラギノ角ゴ ProN W3" charset="0"/>
               <a:cs typeface="ヒラギノ角ゴ ProN W3" charset="0"/>
             </a:endParaRPr>
@@ -4352,7 +4391,7 @@
     </p:spTree>
     <p:extLst>
       <p:ext uri="{BB962C8B-B14F-4D97-AF65-F5344CB8AC3E}">
-        <p14:creationId xmlns:p14="http://schemas.microsoft.com/office/powerpoint/2010/main" val="3213640406"/>
+        <p14:creationId xmlns:p14="http://schemas.microsoft.com/office/powerpoint/2010/main" val="688719555"/>
       </p:ext>
     </p:extLst>
   </p:cSld>
@@ -4396,195 +4435,6 @@
       </p:grpSpPr>
       <p:sp>
         <p:nvSpPr>
-          <p:cNvPr id="11265" name="Title 1"/>
-          <p:cNvSpPr>
-            <a:spLocks noGrp="1"/>
-          </p:cNvSpPr>
-          <p:nvPr>
-            <p:ph type="title"/>
-          </p:nvPr>
-        </p:nvSpPr>
-        <p:spPr bwMode="auto">
-          <a:noFill/>
-          <a:extLst>
-            <a:ext uri="{909E8E84-426E-40dd-AFC4-6F175D3DCCD1}">
-              <a14:hiddenFill xmlns:a14="http://schemas.microsoft.com/office/drawing/2010/main">
-                <a:solidFill>
-                  <a:srgbClr val="FFFFFF"/>
-                </a:solidFill>
-              </a14:hiddenFill>
-            </a:ext>
-            <a:ext uri="{91240B29-F687-4f45-9708-019B960494DF}">
-              <a14:hiddenLine xmlns:a14="http://schemas.microsoft.com/office/drawing/2010/main" w="9525">
-                <a:solidFill>
-                  <a:srgbClr val="000000"/>
-                </a:solidFill>
-                <a:miter lim="800000"/>
-                <a:headEnd/>
-                <a:tailEnd/>
-              </a14:hiddenLine>
-            </a:ext>
-          </a:extLst>
-        </p:spPr>
-        <p:txBody>
-          <a:bodyPr wrap="square" lIns="64291" tIns="32146" rIns="64291" bIns="32146" numCol="1" anchor="t" anchorCtr="0" compatLnSpc="1">
-            <a:prstTxWarp prst="textNoShape">
-              <a:avLst/>
-            </a:prstTxWarp>
-          </a:bodyPr>
-          <a:lstStyle/>
-          <a:p>
-            <a:pPr eaLnBrk="1" hangingPunct="1"/>
-            <a:r>
-              <a:rPr lang="en-US" dirty="0">
-                <a:ea typeface="ヒラギノ角ゴ ProN W3" charset="0"/>
-                <a:cs typeface="ヒラギノ角ゴ ProN W3" charset="0"/>
-              </a:rPr>
-              <a:t>Rules of Engagement</a:t>
-            </a:r>
-          </a:p>
-        </p:txBody>
-      </p:sp>
-      <p:sp>
-        <p:nvSpPr>
-          <p:cNvPr id="11266" name="Content Placeholder 2"/>
-          <p:cNvSpPr>
-            <a:spLocks noGrp="1"/>
-          </p:cNvSpPr>
-          <p:nvPr>
-            <p:ph idx="1"/>
-          </p:nvPr>
-        </p:nvSpPr>
-        <p:spPr bwMode="auto">
-          <a:noFill/>
-          <a:extLst>
-            <a:ext uri="{909E8E84-426E-40dd-AFC4-6F175D3DCCD1}">
-              <a14:hiddenFill xmlns:a14="http://schemas.microsoft.com/office/drawing/2010/main">
-                <a:solidFill>
-                  <a:srgbClr val="FFFFFF"/>
-                </a:solidFill>
-              </a14:hiddenFill>
-            </a:ext>
-            <a:ext uri="{91240B29-F687-4f45-9708-019B960494DF}">
-              <a14:hiddenLine xmlns:a14="http://schemas.microsoft.com/office/drawing/2010/main" w="9525">
-                <a:solidFill>
-                  <a:srgbClr val="000000"/>
-                </a:solidFill>
-                <a:miter lim="800000"/>
-                <a:headEnd/>
-                <a:tailEnd/>
-              </a14:hiddenLine>
-            </a:ext>
-          </a:extLst>
-        </p:spPr>
-        <p:txBody>
-          <a:bodyPr wrap="square" lIns="64291" tIns="32146" rIns="64291" bIns="32146" numCol="1" anchor="t" anchorCtr="0" compatLnSpc="1">
-            <a:prstTxWarp prst="textNoShape">
-              <a:avLst/>
-            </a:prstTxWarp>
-            <a:normAutofit/>
-          </a:bodyPr>
-          <a:lstStyle/>
-          <a:p>
-            <a:pPr eaLnBrk="1" hangingPunct="1"/>
-            <a:r>
-              <a:rPr lang="en-US" b="1" i="1" dirty="0">
-                <a:ea typeface="ヒラギノ角ゴ ProN W3" charset="0"/>
-                <a:cs typeface="ヒラギノ角ゴ ProN W3" charset="0"/>
-              </a:rPr>
-              <a:t>Ask questions as we go along</a:t>
-            </a:r>
-          </a:p>
-          <a:p>
-            <a:pPr lvl="1" eaLnBrk="1" hangingPunct="1"/>
-            <a:r>
-              <a:rPr lang="en-US" dirty="0">
-                <a:ea typeface="ヒラギノ角ゴ ProN W3" charset="0"/>
-                <a:cs typeface="ヒラギノ角ゴ ProN W3" charset="0"/>
-              </a:rPr>
-              <a:t>We will “park” any that are better answered later</a:t>
-            </a:r>
-          </a:p>
-          <a:p>
-            <a:pPr lvl="1" eaLnBrk="1" hangingPunct="1"/>
-            <a:r>
-              <a:rPr lang="en-US" dirty="0">
-                <a:ea typeface="ヒラギノ角ゴ ProN W3" charset="0"/>
-                <a:cs typeface="ヒラギノ角ゴ ProN W3" charset="0"/>
-              </a:rPr>
-              <a:t>Don’t wait till the end to ask or raise </a:t>
-            </a:r>
-            <a:r>
-              <a:rPr lang="en-US" dirty="0" smtClean="0">
-                <a:ea typeface="ヒラギノ角ゴ ProN W3" charset="0"/>
-                <a:cs typeface="ヒラギノ角ゴ ProN W3" charset="0"/>
-              </a:rPr>
-              <a:t>concerns</a:t>
-            </a:r>
-          </a:p>
-          <a:p>
-            <a:pPr lvl="1" eaLnBrk="1" hangingPunct="1"/>
-            <a:r>
-              <a:rPr lang="en-US" dirty="0" smtClean="0">
-                <a:ea typeface="ヒラギノ角ゴ ProN W3" charset="0"/>
-                <a:cs typeface="ヒラギノ角ゴ ProN W3" charset="0"/>
-              </a:rPr>
-              <a:t>If you don’t ask we can’t help you</a:t>
-            </a:r>
-            <a:endParaRPr lang="en-US" dirty="0">
-              <a:ea typeface="ヒラギノ角ゴ ProN W3" charset="0"/>
-              <a:cs typeface="ヒラギノ角ゴ ProN W3" charset="0"/>
-            </a:endParaRPr>
-          </a:p>
-        </p:txBody>
-      </p:sp>
-    </p:spTree>
-    <p:extLst>
-      <p:ext uri="{BB962C8B-B14F-4D97-AF65-F5344CB8AC3E}">
-        <p14:creationId xmlns:p14="http://schemas.microsoft.com/office/powerpoint/2010/main" val="688719555"/>
-      </p:ext>
-    </p:extLst>
-  </p:cSld>
-  <p:clrMapOvr>
-    <a:masterClrMapping/>
-  </p:clrMapOvr>
-  <mc:AlternateContent xmlns:mc="http://schemas.openxmlformats.org/markup-compatibility/2006" xmlns:p14="http://schemas.microsoft.com/office/powerpoint/2010/main">
-    <mc:Choice Requires="p14">
-      <p:transition spd="slow" p14:dur="2000"/>
-    </mc:Choice>
-    <mc:Fallback xmlns="">
-      <p:transition xmlns:p14="http://schemas.microsoft.com/office/powerpoint/2010/main" spd="slow"/>
-    </mc:Fallback>
-  </mc:AlternateContent>
-  <p:timing>
-    <p:tnLst>
-      <p:par>
-        <p:cTn xmlns:p14="http://schemas.microsoft.com/office/powerpoint/2010/main" id="1" dur="indefinite" restart="never" nodeType="tmRoot"/>
-      </p:par>
-    </p:tnLst>
-  </p:timing>
-</p:sld>
-</file>
-
-<file path=ppt/slides/slide14.xml><?xml version="1.0" encoding="utf-8"?>
-<p:sld xmlns:a="http://schemas.openxmlformats.org/drawingml/2006/main" xmlns:r="http://schemas.openxmlformats.org/officeDocument/2006/relationships" xmlns:p="http://schemas.openxmlformats.org/presentationml/2006/main">
-  <p:cSld>
-    <p:spTree>
-      <p:nvGrpSpPr>
-        <p:cNvPr id="1" name=""/>
-        <p:cNvGrpSpPr/>
-        <p:nvPr/>
-      </p:nvGrpSpPr>
-      <p:grpSpPr>
-        <a:xfrm>
-          <a:off x="0" y="0"/>
-          <a:ext cx="0" cy="0"/>
-          <a:chOff x="0" y="0"/>
-          <a:chExt cx="0" cy="0"/>
-        </a:xfrm>
-      </p:grpSpPr>
-      <p:sp>
-        <p:nvSpPr>
           <p:cNvPr id="2" name="Title 1"/>
           <p:cNvSpPr>
             <a:spLocks noGrp="1"/>
@@ -4695,7 +4545,7 @@
 </p:sld>
 </file>
 
-<file path=ppt/slides/slide15.xml><?xml version="1.0" encoding="utf-8"?>
+<file path=ppt/slides/slide14.xml><?xml version="1.0" encoding="utf-8"?>
 <p:sld xmlns:a="http://schemas.openxmlformats.org/drawingml/2006/main" xmlns:r="http://schemas.openxmlformats.org/officeDocument/2006/relationships" xmlns:p="http://schemas.openxmlformats.org/presentationml/2006/main">
   <p:cSld>
     <p:spTree>
@@ -4821,128 +4671,142 @@
                 <a:ea typeface="ヒラギノ角ゴ ProN W3" charset="0"/>
                 <a:cs typeface="ヒラギノ角ゴ ProN W3" charset="0"/>
               </a:rPr>
-              <a:t>WSO2 (2005-2015)</a:t>
+              <a:t>WSO2</a:t>
+            </a:r>
+          </a:p>
+          <a:p>
+            <a:pPr lvl="1"/>
+            <a:r>
+              <a:rPr lang="en-US" sz="1600" dirty="0" smtClean="0">
+                <a:ea typeface="ヒラギノ角ゴ ProN W3" charset="0"/>
+                <a:cs typeface="ヒラギノ角ゴ ProN W3" charset="0"/>
+              </a:rPr>
+              <a:t>Currently on </a:t>
+            </a:r>
+            <a:r>
+              <a:rPr lang="en-US" sz="1600" dirty="0">
+                <a:ea typeface="ヒラギノ角ゴ ProN W3" charset="0"/>
+                <a:cs typeface="ヒラギノ角ゴ ProN W3" charset="0"/>
+              </a:rPr>
+              <a:t>s</a:t>
+            </a:r>
+            <a:r>
+              <a:rPr lang="en-US" sz="1600" dirty="0" smtClean="0">
+                <a:ea typeface="ヒラギノ角ゴ ProN W3" charset="0"/>
+                <a:cs typeface="ヒラギノ角ゴ ProN W3" charset="0"/>
+              </a:rPr>
+              <a:t>tudy leave</a:t>
+            </a:r>
+            <a:endParaRPr lang="en-US" sz="1600" dirty="0">
+              <a:ea typeface="ヒラギノ角ゴ ProN W3" charset="0"/>
+              <a:cs typeface="ヒラギノ角ゴ ProN W3" charset="0"/>
+            </a:endParaRPr>
+          </a:p>
+          <a:p>
+            <a:pPr eaLnBrk="1" hangingPunct="1"/>
+            <a:r>
+              <a:rPr lang="en-US" sz="2000" dirty="0">
+                <a:ea typeface="ヒラギノ角ゴ ProN W3" charset="0"/>
+                <a:cs typeface="ヒラギノ角ゴ ProN W3" charset="0"/>
+              </a:rPr>
+              <a:t>Previously Senior Technical Staff Member, IBM </a:t>
+            </a:r>
+            <a:r>
+              <a:rPr lang="en-US" sz="2000" dirty="0" err="1">
+                <a:ea typeface="ヒラギノ角ゴ ProN W3" charset="0"/>
+                <a:cs typeface="ヒラギノ角ゴ ProN W3" charset="0"/>
+              </a:rPr>
+              <a:t>WebSphere</a:t>
+            </a:r>
+            <a:r>
+              <a:rPr lang="en-US" sz="2000" dirty="0">
+                <a:ea typeface="ヒラギノ角ゴ ProN W3" charset="0"/>
+                <a:cs typeface="ヒラギノ角ゴ ProN W3" charset="0"/>
+              </a:rPr>
+              <a:t> architecture</a:t>
+            </a:r>
+          </a:p>
+          <a:p>
+            <a:pPr eaLnBrk="1" hangingPunct="1"/>
+            <a:r>
+              <a:rPr lang="en-US" sz="2000" dirty="0" smtClean="0">
+                <a:ea typeface="ヒラギノ角ゴ ProN W3" charset="0"/>
+                <a:cs typeface="ヒラギノ角ゴ ProN W3" charset="0"/>
+              </a:rPr>
+              <a:t>VP</a:t>
+            </a:r>
+            <a:r>
+              <a:rPr lang="en-US" sz="2000" dirty="0">
+                <a:ea typeface="ヒラギノ角ゴ ProN W3" charset="0"/>
+                <a:cs typeface="ヒラギノ角ゴ ProN W3" charset="0"/>
+              </a:rPr>
+              <a:t>, Apache Synapse and Member of ASF</a:t>
+            </a:r>
+          </a:p>
+          <a:p>
+            <a:pPr eaLnBrk="1" hangingPunct="1"/>
+            <a:r>
+              <a:rPr lang="en-US" sz="2000" dirty="0">
+                <a:ea typeface="ヒラギノ角ゴ ProN W3" charset="0"/>
+                <a:cs typeface="ヒラギノ角ゴ ProN W3" charset="0"/>
+              </a:rPr>
+              <a:t>MA in </a:t>
+            </a:r>
+            <a:r>
+              <a:rPr lang="en-US" sz="2000" dirty="0" err="1">
+                <a:ea typeface="ヒラギノ角ゴ ProN W3" charset="0"/>
+                <a:cs typeface="ヒラギノ角ゴ ProN W3" charset="0"/>
+              </a:rPr>
+              <a:t>Maths</a:t>
+            </a:r>
+            <a:r>
+              <a:rPr lang="en-US" sz="2000" dirty="0">
+                <a:ea typeface="ヒラギノ角ゴ ProN W3" charset="0"/>
+                <a:cs typeface="ヒラギノ角ゴ ProN W3" charset="0"/>
+              </a:rPr>
+              <a:t> and Philosophy</a:t>
+            </a:r>
+          </a:p>
+          <a:p>
+            <a:pPr eaLnBrk="1" hangingPunct="1"/>
+            <a:r>
+              <a:rPr lang="en-US" sz="2000" dirty="0">
+                <a:ea typeface="ヒラギノ角ゴ ProN W3" charset="0"/>
+                <a:cs typeface="ヒラギノ角ゴ ProN W3" charset="0"/>
+              </a:rPr>
+              <a:t>MSc in Computation (1995</a:t>
+            </a:r>
+            <a:r>
+              <a:rPr lang="en-US" sz="2000" dirty="0" smtClean="0">
+                <a:ea typeface="ヒラギノ角ゴ ProN W3" charset="0"/>
+                <a:cs typeface="ヒラギノ角ゴ ProN W3" charset="0"/>
+              </a:rPr>
+              <a:t>)</a:t>
+            </a:r>
+          </a:p>
+          <a:p>
+            <a:pPr eaLnBrk="1" hangingPunct="1"/>
+            <a:r>
+              <a:rPr lang="en-US" sz="2000" dirty="0" smtClean="0">
+                <a:ea typeface="ヒラギノ角ゴ ProN W3" charset="0"/>
+                <a:cs typeface="ヒラギノ角ゴ ProN W3" charset="0"/>
+              </a:rPr>
+              <a:t>Teaches SOA module</a:t>
+            </a:r>
+          </a:p>
+          <a:p>
+            <a:pPr eaLnBrk="1" hangingPunct="1"/>
+            <a:r>
+              <a:rPr lang="en-US" sz="2000" dirty="0" smtClean="0">
+                <a:ea typeface="ヒラギノ角ゴ ProN W3" charset="0"/>
+                <a:cs typeface="ヒラギノ角ゴ ProN W3" charset="0"/>
+              </a:rPr>
+              <a:t>PhD Research Student</a:t>
             </a:r>
             <a:endParaRPr lang="en-US" sz="2000" dirty="0">
               <a:ea typeface="ヒラギノ角ゴ ProN W3" charset="0"/>
               <a:cs typeface="ヒラギノ角ゴ ProN W3" charset="0"/>
             </a:endParaRPr>
-          </a:p>
-          <a:p>
-            <a:pPr eaLnBrk="1" hangingPunct="1"/>
-            <a:r>
-              <a:rPr lang="en-US" sz="2000" dirty="0">
-                <a:ea typeface="ヒラギノ角ゴ ProN W3" charset="0"/>
-                <a:cs typeface="ヒラギノ角ゴ ProN W3" charset="0"/>
-              </a:rPr>
-              <a:t>Previously Senior Technical Staff Member, IBM </a:t>
-            </a:r>
-            <a:r>
-              <a:rPr lang="en-US" sz="2000" dirty="0" err="1">
-                <a:ea typeface="ヒラギノ角ゴ ProN W3" charset="0"/>
-                <a:cs typeface="ヒラギノ角ゴ ProN W3" charset="0"/>
-              </a:rPr>
-              <a:t>WebSphere</a:t>
-            </a:r>
-            <a:r>
-              <a:rPr lang="en-US" sz="2000" dirty="0">
-                <a:ea typeface="ヒラギノ角ゴ ProN W3" charset="0"/>
-                <a:cs typeface="ヒラギノ角ゴ ProN W3" charset="0"/>
-              </a:rPr>
-              <a:t> architecture</a:t>
-            </a:r>
-          </a:p>
-          <a:p>
-            <a:pPr eaLnBrk="1" hangingPunct="1"/>
-            <a:r>
-              <a:rPr lang="en-US" sz="2000" smtClean="0">
-                <a:ea typeface="ヒラギノ角ゴ ProN W3" charset="0"/>
-                <a:cs typeface="ヒラギノ角ゴ ProN W3" charset="0"/>
-              </a:rPr>
-              <a:t>VP</a:t>
-            </a:r>
-            <a:r>
-              <a:rPr lang="en-US" sz="2000" dirty="0">
-                <a:ea typeface="ヒラギノ角ゴ ProN W3" charset="0"/>
-                <a:cs typeface="ヒラギノ角ゴ ProN W3" charset="0"/>
-              </a:rPr>
-              <a:t>, Apache Synapse and Member of ASF</a:t>
-            </a:r>
-          </a:p>
-          <a:p>
-            <a:pPr eaLnBrk="1" hangingPunct="1"/>
-            <a:r>
-              <a:rPr lang="en-US" sz="2000" dirty="0">
-                <a:ea typeface="ヒラギノ角ゴ ProN W3" charset="0"/>
-                <a:cs typeface="ヒラギノ角ゴ ProN W3" charset="0"/>
-              </a:rPr>
-              <a:t>MA in </a:t>
-            </a:r>
-            <a:r>
-              <a:rPr lang="en-US" sz="2000" dirty="0" err="1">
-                <a:ea typeface="ヒラギノ角ゴ ProN W3" charset="0"/>
-                <a:cs typeface="ヒラギノ角ゴ ProN W3" charset="0"/>
-              </a:rPr>
-              <a:t>Maths</a:t>
-            </a:r>
-            <a:r>
-              <a:rPr lang="en-US" sz="2000" dirty="0">
-                <a:ea typeface="ヒラギノ角ゴ ProN W3" charset="0"/>
-                <a:cs typeface="ヒラギノ角ゴ ProN W3" charset="0"/>
-              </a:rPr>
-              <a:t> and Philosophy</a:t>
-            </a:r>
-          </a:p>
-          <a:p>
-            <a:pPr eaLnBrk="1" hangingPunct="1"/>
-            <a:r>
-              <a:rPr lang="en-US" sz="2000" dirty="0">
-                <a:ea typeface="ヒラギノ角ゴ ProN W3" charset="0"/>
-                <a:cs typeface="ヒラギノ角ゴ ProN W3" charset="0"/>
-              </a:rPr>
-              <a:t>MSc in Computation (1995</a:t>
-            </a:r>
-            <a:r>
-              <a:rPr lang="en-US" sz="2000" dirty="0" smtClean="0">
-                <a:ea typeface="ヒラギノ角ゴ ProN W3" charset="0"/>
-                <a:cs typeface="ヒラギノ角ゴ ProN W3" charset="0"/>
-              </a:rPr>
-              <a:t>)</a:t>
-            </a:r>
-          </a:p>
-          <a:p>
-            <a:pPr eaLnBrk="1" hangingPunct="1"/>
-            <a:r>
-              <a:rPr lang="en-US" sz="2000" dirty="0" smtClean="0">
-                <a:ea typeface="ヒラギノ角ゴ ProN W3" charset="0"/>
-                <a:cs typeface="ヒラギノ角ゴ ProN W3" charset="0"/>
-              </a:rPr>
-              <a:t>Teaches SOA module</a:t>
-            </a:r>
-          </a:p>
-          <a:p>
-            <a:pPr eaLnBrk="1" hangingPunct="1"/>
-            <a:r>
-              <a:rPr lang="en-US" sz="2000" dirty="0" smtClean="0">
-                <a:ea typeface="ヒラギノ角ゴ ProN W3" charset="0"/>
-                <a:cs typeface="ヒラギノ角ゴ ProN W3" charset="0"/>
-              </a:rPr>
-              <a:t>Part time PhD student</a:t>
-            </a:r>
-            <a:endParaRPr lang="en-US" sz="2000" dirty="0">
-              <a:ea typeface="ヒラギノ角ゴ ProN W3" charset="0"/>
-              <a:cs typeface="ヒラギノ角ゴ ProN W3" charset="0"/>
-            </a:endParaRPr>
-          </a:p>
-          <a:p>
-            <a:pPr eaLnBrk="1" hangingPunct="1"/>
-            <a:r>
-              <a:rPr lang="en-US" sz="2000" dirty="0">
-                <a:ea typeface="ヒラギノ角ゴ ProN W3" charset="0"/>
-                <a:cs typeface="ヒラギノ角ゴ ProN W3" charset="0"/>
-              </a:rPr>
-              <a:t>Plays the tin whistle</a:t>
-            </a:r>
           </a:p>
         </p:txBody>
       </p:sp>
@@ -5028,7 +4892,7 @@
 </p:sld>
 </file>
 
-<file path=ppt/slides/slide16.xml><?xml version="1.0" encoding="utf-8"?>
+<file path=ppt/slides/slide15.xml><?xml version="1.0" encoding="utf-8"?>
 <p:sld xmlns:a="http://schemas.openxmlformats.org/drawingml/2006/main" xmlns:r="http://schemas.openxmlformats.org/officeDocument/2006/relationships" xmlns:p="http://schemas.openxmlformats.org/presentationml/2006/main">
   <p:cSld>
     <p:spTree>
@@ -5088,7 +4952,7 @@
 </p:sld>
 </file>
 
-<file path=ppt/slides/slide17.xml><?xml version="1.0" encoding="utf-8"?>
+<file path=ppt/slides/slide16.xml><?xml version="1.0" encoding="utf-8"?>
 <p:sld xmlns:a="http://schemas.openxmlformats.org/drawingml/2006/main" xmlns:r="http://schemas.openxmlformats.org/officeDocument/2006/relationships" xmlns:p="http://schemas.openxmlformats.org/presentationml/2006/main">
   <p:cSld>
     <p:spTree>
@@ -5166,14 +5030,14 @@
             <p:ph idx="1"/>
             <p:extLst>
               <p:ext uri="{D42A27DB-BD31-4B8C-83A1-F6EECF244321}">
-                <p14:modId xmlns:p14="http://schemas.microsoft.com/office/powerpoint/2010/main" val="525658399"/>
+                <p14:modId xmlns:p14="http://schemas.microsoft.com/office/powerpoint/2010/main" val="1629388527"/>
               </p:ext>
             </p:extLst>
           </p:nvPr>
         </p:nvGraphicFramePr>
         <p:xfrm>
           <a:off x="457646" y="1172857"/>
-          <a:ext cx="8063510" cy="5406865"/>
+          <a:ext cx="8063510" cy="4839072"/>
         </p:xfrm>
         <a:graphic>
           <a:graphicData uri="http://schemas.openxmlformats.org/drawingml/2006/table">
@@ -5265,122 +5129,6 @@
                   <a:tcPr marL="64294" marR="64294" marT="32147" marB="32147"/>
                 </a:tc>
               </a:tr>
-              <a:tr h="668747">
-                <a:tc>
-                  <a:txBody>
-                    <a:bodyPr/>
-                    <a:lstStyle/>
-                    <a:p>
-                      <a:endParaRPr lang="en-US" sz="1700" i="1" dirty="0"/>
-                    </a:p>
-                  </a:txBody>
-                  <a:tcPr marL="64294" marR="64294" marT="32147" marB="32147"/>
-                </a:tc>
-                <a:tc>
-                  <a:txBody>
-                    <a:bodyPr/>
-                    <a:lstStyle/>
-                    <a:p>
-                      <a:r>
-                        <a:rPr lang="en-US" sz="1700" dirty="0" smtClean="0"/>
-                        <a:t>Recap and Review</a:t>
-                      </a:r>
-                      <a:endParaRPr lang="en-US" sz="1700" dirty="0"/>
-                    </a:p>
-                  </a:txBody>
-                  <a:tcPr marL="64294" marR="64294" marT="32147" marB="32147"/>
-                </a:tc>
-                <a:tc>
-                  <a:txBody>
-                    <a:bodyPr/>
-                    <a:lstStyle/>
-                    <a:p>
-                      <a:pPr marL="0" marR="0" indent="0" algn="l" defTabSz="457200" rtl="0" eaLnBrk="1" fontAlgn="auto" latinLnBrk="0" hangingPunct="1">
-                        <a:lnSpc>
-                          <a:spcPct val="100000"/>
-                        </a:lnSpc>
-                        <a:spcBef>
-                          <a:spcPts val="0"/>
-                        </a:spcBef>
-                        <a:spcAft>
-                          <a:spcPts val="0"/>
-                        </a:spcAft>
-                        <a:buClrTx/>
-                        <a:buSzTx/>
-                        <a:buFontTx/>
-                        <a:buNone/>
-                        <a:tabLst/>
-                        <a:defRPr/>
-                      </a:pPr>
-                      <a:r>
-                        <a:rPr lang="en-US" sz="1700" dirty="0" smtClean="0"/>
-                        <a:t>Recap and Review</a:t>
-                      </a:r>
-                    </a:p>
-                  </a:txBody>
-                  <a:tcPr marL="64294" marR="64294" marT="32147" marB="32147"/>
-                </a:tc>
-                <a:tc>
-                  <a:txBody>
-                    <a:bodyPr/>
-                    <a:lstStyle/>
-                    <a:p>
-                      <a:pPr marL="0" marR="0" indent="0" algn="l" defTabSz="457200" rtl="0" eaLnBrk="1" fontAlgn="auto" latinLnBrk="0" hangingPunct="1">
-                        <a:lnSpc>
-                          <a:spcPct val="100000"/>
-                        </a:lnSpc>
-                        <a:spcBef>
-                          <a:spcPts val="0"/>
-                        </a:spcBef>
-                        <a:spcAft>
-                          <a:spcPts val="0"/>
-                        </a:spcAft>
-                        <a:buClrTx/>
-                        <a:buSzTx/>
-                        <a:buFontTx/>
-                        <a:buNone/>
-                        <a:tabLst/>
-                        <a:defRPr/>
-                      </a:pPr>
-                      <a:r>
-                        <a:rPr lang="en-US" sz="1800" dirty="0" smtClean="0"/>
-                        <a:t>Recap and Review</a:t>
-                      </a:r>
-                    </a:p>
-                  </a:txBody>
-                  <a:tcPr marL="64294" marR="64294" marT="32147" marB="32147"/>
-                </a:tc>
-                <a:tc>
-                  <a:txBody>
-                    <a:bodyPr/>
-                    <a:lstStyle/>
-                    <a:p>
-                      <a:pPr marL="0" marR="0" indent="0" algn="l" defTabSz="457200" rtl="0" eaLnBrk="1" fontAlgn="auto" latinLnBrk="0" hangingPunct="1">
-                        <a:lnSpc>
-                          <a:spcPct val="100000"/>
-                        </a:lnSpc>
-                        <a:spcBef>
-                          <a:spcPts val="0"/>
-                        </a:spcBef>
-                        <a:spcAft>
-                          <a:spcPts val="0"/>
-                        </a:spcAft>
-                        <a:buClrTx/>
-                        <a:buSzTx/>
-                        <a:buFontTx/>
-                        <a:buNone/>
-                        <a:tabLst/>
-                        <a:defRPr/>
-                      </a:pPr>
-                      <a:r>
-                        <a:rPr lang="en-US" sz="1800" dirty="0" smtClean="0"/>
-                        <a:t>Recap and Review</a:t>
-                      </a:r>
-                    </a:p>
-                  </a:txBody>
-                  <a:tcPr marL="64294" marR="64294" marT="32147" marB="32147"/>
-                </a:tc>
-              </a:tr>
               <a:tr h="835825">
                 <a:tc>
                   <a:txBody>
@@ -5399,6 +5147,9 @@
                         <a:rPr lang="en-US" sz="1700" i="0" dirty="0" smtClean="0"/>
                         <a:t>Introductions</a:t>
                       </a:r>
+                    </a:p>
+                    <a:p>
+                      <a:endParaRPr lang="en-US" sz="1700" i="0" dirty="0" smtClean="0"/>
                     </a:p>
                     <a:p>
                       <a:r>
@@ -5456,7 +5207,7 @@
                       </a:r>
                       <a:r>
                         <a:rPr lang="en-US" sz="1700" baseline="0" dirty="0" smtClean="0"/>
-                        <a:t> and R</a:t>
+                        <a:t> and SQL</a:t>
                       </a:r>
                     </a:p>
                     <a:p>
@@ -5464,8 +5215,12 @@
                     </a:p>
                     <a:p>
                       <a:r>
-                        <a:rPr lang="en-US" sz="1700" baseline="0" smtClean="0"/>
-                        <a:t>R lab</a:t>
+                        <a:rPr lang="en-US" sz="1700" baseline="0" dirty="0" err="1" smtClean="0"/>
+                        <a:t>SparkSQL</a:t>
+                      </a:r>
+                      <a:r>
+                        <a:rPr lang="en-US" sz="1700" baseline="0" dirty="0" smtClean="0"/>
+                        <a:t> Lab</a:t>
                       </a:r>
                       <a:endParaRPr lang="en-US" sz="1700" dirty="0"/>
                     </a:p>
@@ -5478,12 +5233,8 @@
                     <a:lstStyle/>
                     <a:p>
                       <a:r>
-                        <a:rPr lang="en-US" dirty="0" smtClean="0"/>
-                        <a:t>Containers and </a:t>
-                      </a:r>
-                      <a:r>
                         <a:rPr lang="en-US" dirty="0" err="1" smtClean="0"/>
-                        <a:t>Docker</a:t>
+                        <a:t>Visualisation</a:t>
                       </a:r>
                       <a:endParaRPr lang="en-US" dirty="0" smtClean="0"/>
                     </a:p>
@@ -5493,10 +5244,10 @@
                     <a:p>
                       <a:r>
                         <a:rPr lang="en-US" dirty="0" err="1" smtClean="0"/>
-                        <a:t>Docker</a:t>
+                        <a:t>Visualisation</a:t>
                       </a:r>
                       <a:r>
-                        <a:rPr lang="en-US" dirty="0" smtClean="0"/>
+                        <a:rPr lang="en-US" baseline="0" dirty="0" smtClean="0"/>
                         <a:t> Lab</a:t>
                       </a:r>
                       <a:endParaRPr lang="en-US" dirty="0"/>
@@ -5554,6 +5305,9 @@
                       </a:r>
                     </a:p>
                     <a:p>
+                      <a:endParaRPr lang="en-US" sz="1700" baseline="0" dirty="0" smtClean="0"/>
+                    </a:p>
+                    <a:p>
                       <a:r>
                         <a:rPr lang="en-US" sz="1700" baseline="0" dirty="0" smtClean="0"/>
                         <a:t>Elastic Cloud Lab</a:t>
@@ -5586,10 +5340,16 @@
                     </a:p>
                     <a:p>
                       <a:r>
+                        <a:rPr lang="en-US" sz="1700" baseline="0" dirty="0" err="1" smtClean="0"/>
+                        <a:t>Hadoop</a:t>
+                      </a:r>
+                      <a:r>
                         <a:rPr lang="en-US" sz="1700" baseline="0" dirty="0" smtClean="0"/>
-                        <a:t>Spark Lab</a:t>
+                        <a:t> Extras</a:t>
                       </a:r>
-                      <a:endParaRPr lang="en-US" sz="1700" dirty="0"/>
+                    </a:p>
+                    <a:p>
+                      <a:endParaRPr lang="en-US" sz="1700" baseline="0" dirty="0" smtClean="0"/>
                     </a:p>
                   </a:txBody>
                   <a:tcPr marL="64294" marR="64294" marT="32147" marB="32147"/>
@@ -5618,12 +5378,8 @@
                     </a:p>
                     <a:p>
                       <a:r>
-                        <a:rPr lang="en-US" baseline="0" dirty="0" err="1" smtClean="0"/>
-                        <a:t>NoSQL</a:t>
-                      </a:r>
-                      <a:r>
                         <a:rPr lang="en-US" baseline="0" dirty="0" smtClean="0"/>
-                        <a:t> Lab</a:t>
+                        <a:t>Cassandra Lab</a:t>
                       </a:r>
                       <a:endParaRPr lang="en-US" dirty="0"/>
                     </a:p>
@@ -5637,17 +5393,20 @@
                     <a:p>
                       <a:r>
                         <a:rPr lang="en-US" dirty="0" smtClean="0"/>
-                        <a:t>Security and Runtime</a:t>
+                        <a:t>Containers</a:t>
                       </a:r>
-                      <a:endParaRPr lang="en-US" baseline="0" dirty="0" smtClean="0"/>
                     </a:p>
                     <a:p>
                       <a:endParaRPr lang="en-US" baseline="0" dirty="0" smtClean="0"/>
                     </a:p>
                     <a:p>
                       <a:r>
+                        <a:rPr lang="en-US" baseline="0" dirty="0" err="1" smtClean="0"/>
+                        <a:t>Docker</a:t>
+                      </a:r>
+                      <a:r>
                         <a:rPr lang="en-US" baseline="0" dirty="0" smtClean="0"/>
-                        <a:t>Monitoring Lab</a:t>
+                        <a:t> Lab</a:t>
                       </a:r>
                       <a:endParaRPr lang="en-US" dirty="0"/>
                     </a:p>
@@ -5698,7 +5457,14 @@
                     <a:p>
                       <a:r>
                         <a:rPr lang="en-US" sz="1700" baseline="0" dirty="0" smtClean="0"/>
-                        <a:t>Cloud deployment exercise</a:t>
+                        <a:t/>
+                      </a:r>
+                      <a:br>
+                        <a:rPr lang="en-US" sz="1700" baseline="0" dirty="0" smtClean="0"/>
+                      </a:br>
+                      <a:r>
+                        <a:rPr lang="en-US" sz="1700" baseline="0" dirty="0" smtClean="0"/>
+                        <a:t>Further Cloud Lab</a:t>
                       </a:r>
                       <a:endParaRPr lang="en-US" sz="1700" dirty="0"/>
                     </a:p>
@@ -5719,13 +5485,6 @@
                     <a:p>
                       <a:endParaRPr lang="en-US" sz="1700" baseline="0" dirty="0" smtClean="0"/>
                     </a:p>
-                    <a:p>
-                      <a:r>
-                        <a:rPr lang="en-US" sz="1700" baseline="0" dirty="0" smtClean="0"/>
-                        <a:t>Spark cluster lab</a:t>
-                      </a:r>
-                      <a:endParaRPr lang="en-US" sz="1700" dirty="0"/>
-                    </a:p>
                   </a:txBody>
                   <a:tcPr marL="64294" marR="64294" marT="32147" marB="32147"/>
                 </a:tc>
@@ -5735,23 +5494,26 @@
                     <a:lstStyle/>
                     <a:p>
                       <a:r>
-                        <a:rPr lang="en-US" dirty="0" err="1" smtClean="0"/>
-                        <a:t>Visualisation</a:t>
+                        <a:rPr lang="en-US" dirty="0" smtClean="0"/>
+                        <a:t>Cassandra details</a:t>
                       </a:r>
-                      <a:endParaRPr lang="en-US" dirty="0" smtClean="0"/>
                     </a:p>
                     <a:p>
                       <a:endParaRPr lang="en-US" dirty="0" smtClean="0"/>
                     </a:p>
                     <a:p>
                       <a:r>
-                        <a:rPr lang="en-US" dirty="0" err="1" smtClean="0"/>
-                        <a:t>Visualisation</a:t>
+                        <a:rPr lang="en-US" dirty="0" smtClean="0"/>
+                        <a:t>Cassandra </a:t>
                       </a:r>
+                    </a:p>
+                    <a:p>
                       <a:r>
                         <a:rPr lang="en-US" dirty="0" smtClean="0"/>
-                        <a:t> Lab</a:t>
+                        <a:t>Lab2</a:t>
                       </a:r>
+                    </a:p>
+                    <a:p>
                       <a:endParaRPr lang="en-US" dirty="0"/>
                     </a:p>
                   </a:txBody>
@@ -5831,7 +5593,7 @@
 </p:sld>
 </file>
 
-<file path=ppt/slides/slide18.xml><?xml version="1.0" encoding="utf-8"?>
+<file path=ppt/slides/slide17.xml><?xml version="1.0" encoding="utf-8"?>
 <p:sld xmlns:a="http://schemas.openxmlformats.org/drawingml/2006/main" xmlns:r="http://schemas.openxmlformats.org/officeDocument/2006/relationships" xmlns:p="http://schemas.openxmlformats.org/presentationml/2006/main">
   <p:cSld>
     <p:spTree>
@@ -6914,50 +6676,153 @@
       </p:sp>
       <p:sp>
         <p:nvSpPr>
-          <p:cNvPr id="7170" name="Content Placeholder 2"/>
-          <p:cNvSpPr>
-            <a:spLocks noGrp="1"/>
-          </p:cNvSpPr>
-          <p:nvPr>
-            <p:ph idx="1"/>
-          </p:nvPr>
-        </p:nvSpPr>
-        <p:spPr bwMode="auto">
-          <a:noFill/>
-          <a:extLst>
-            <a:ext uri="{909E8E84-426E-40dd-AFC4-6F175D3DCCD1}">
-              <a14:hiddenFill xmlns:a14="http://schemas.microsoft.com/office/drawing/2010/main">
-                <a:solidFill>
-                  <a:srgbClr val="FFFFFF"/>
-                </a:solidFill>
-              </a14:hiddenFill>
-            </a:ext>
-            <a:ext uri="{91240B29-F687-4f45-9708-019B960494DF}">
-              <a14:hiddenLine xmlns:a14="http://schemas.microsoft.com/office/drawing/2010/main" w="9525">
-                <a:solidFill>
-                  <a:srgbClr val="000000"/>
-                </a:solidFill>
-                <a:miter lim="800000"/>
-                <a:headEnd/>
-                <a:tailEnd/>
-              </a14:hiddenLine>
-            </a:ext>
-          </a:extLst>
-        </p:spPr>
-        <p:txBody>
-          <a:bodyPr wrap="square" lIns="64291" tIns="32146" rIns="64291" bIns="32146" numCol="1" anchor="t" anchorCtr="0" compatLnSpc="1">
-            <a:prstTxWarp prst="textNoShape">
-              <a:avLst/>
-            </a:prstTxWarp>
-            <a:normAutofit/>
+          <p:cNvPr id="2" name="Content Placeholder 1"/>
+          <p:cNvSpPr>
+            <a:spLocks noGrp="1"/>
+          </p:cNvSpPr>
+          <p:nvPr>
+            <p:ph sz="half" idx="1"/>
+          </p:nvPr>
+        </p:nvSpPr>
+        <p:spPr/>
+        <p:txBody>
+          <a:bodyPr>
+            <a:normAutofit lnSpcReduction="10000"/>
           </a:bodyPr>
           <a:lstStyle/>
           <a:p>
-            <a:pPr eaLnBrk="1" hangingPunct="1"/>
-            <a:endParaRPr lang="en-US" sz="2800" dirty="0" smtClean="0">
-              <a:ea typeface="ヒラギノ角ゴ ProN W3" charset="0"/>
-              <a:cs typeface="ヒラギノ角ゴ ProN W3" charset="0"/>
-            </a:endParaRPr>
+            <a:r>
+              <a:rPr lang="en-US" dirty="0" smtClean="0"/>
+              <a:t>Overview and Introduction</a:t>
+            </a:r>
+          </a:p>
+          <a:p>
+            <a:r>
+              <a:rPr lang="en-US" dirty="0" smtClean="0"/>
+              <a:t>Cloud Computing</a:t>
+            </a:r>
+          </a:p>
+          <a:p>
+            <a:pPr lvl="1"/>
+            <a:r>
+              <a:rPr lang="en-US" dirty="0" smtClean="0"/>
+              <a:t>Introduction and Case Studies</a:t>
+            </a:r>
+          </a:p>
+          <a:p>
+            <a:pPr lvl="1"/>
+            <a:r>
+              <a:rPr lang="en-US" dirty="0" smtClean="0"/>
+              <a:t>Cloud Computing Theory and Background</a:t>
+            </a:r>
+          </a:p>
+          <a:p>
+            <a:pPr lvl="1"/>
+            <a:r>
+              <a:rPr lang="en-US" dirty="0" smtClean="0"/>
+              <a:t>Containers and </a:t>
+            </a:r>
+            <a:r>
+              <a:rPr lang="en-US" dirty="0" err="1" smtClean="0"/>
+              <a:t>Docker</a:t>
+            </a:r>
+            <a:endParaRPr lang="en-US" dirty="0" smtClean="0"/>
+          </a:p>
+          <a:p>
+            <a:pPr marL="0" indent="0">
+              <a:buNone/>
+            </a:pPr>
+            <a:endParaRPr lang="en-US" dirty="0"/>
+          </a:p>
+        </p:txBody>
+      </p:sp>
+      <p:sp>
+        <p:nvSpPr>
+          <p:cNvPr id="3" name="Content Placeholder 2"/>
+          <p:cNvSpPr>
+            <a:spLocks noGrp="1"/>
+          </p:cNvSpPr>
+          <p:nvPr>
+            <p:ph sz="half" idx="2"/>
+          </p:nvPr>
+        </p:nvSpPr>
+        <p:spPr/>
+        <p:txBody>
+          <a:bodyPr>
+            <a:normAutofit lnSpcReduction="10000"/>
+          </a:bodyPr>
+          <a:lstStyle/>
+          <a:p>
+            <a:r>
+              <a:rPr lang="en-US" dirty="0"/>
+              <a:t>Big Data</a:t>
+            </a:r>
+          </a:p>
+          <a:p>
+            <a:pPr lvl="1"/>
+            <a:r>
+              <a:rPr lang="en-US" dirty="0"/>
+              <a:t>Introduction and Case Studies</a:t>
+            </a:r>
+          </a:p>
+          <a:p>
+            <a:pPr lvl="1"/>
+            <a:r>
+              <a:rPr lang="en-US" dirty="0"/>
+              <a:t>Map Reduce and </a:t>
+            </a:r>
+            <a:r>
+              <a:rPr lang="en-US" dirty="0" err="1"/>
+              <a:t>Hadoop</a:t>
+            </a:r>
+            <a:endParaRPr lang="en-US" dirty="0"/>
+          </a:p>
+          <a:p>
+            <a:pPr lvl="1"/>
+            <a:r>
+              <a:rPr lang="en-US" dirty="0"/>
+              <a:t>Apache Spark and in-memory big data</a:t>
+            </a:r>
+          </a:p>
+          <a:p>
+            <a:pPr lvl="1"/>
+            <a:r>
+              <a:rPr lang="en-US" dirty="0" err="1"/>
+              <a:t>Realtime</a:t>
+            </a:r>
+            <a:r>
+              <a:rPr lang="en-US" dirty="0"/>
+              <a:t> </a:t>
+            </a:r>
+          </a:p>
+          <a:p>
+            <a:pPr lvl="1"/>
+            <a:r>
+              <a:rPr lang="en-US" dirty="0" err="1"/>
+              <a:t>Visualisation</a:t>
+            </a:r>
+            <a:endParaRPr lang="en-US" dirty="0"/>
+          </a:p>
+          <a:p>
+            <a:pPr lvl="1"/>
+            <a:r>
+              <a:rPr lang="en-US" dirty="0" err="1"/>
+              <a:t>NoSQL</a:t>
+            </a:r>
+            <a:endParaRPr lang="en-US" dirty="0"/>
+          </a:p>
+          <a:p>
+            <a:pPr lvl="1"/>
+            <a:r>
+              <a:rPr lang="en-US" dirty="0"/>
+              <a:t>Cassandra</a:t>
+            </a:r>
+          </a:p>
+          <a:p>
+            <a:pPr marL="0" indent="0">
+              <a:buNone/>
+            </a:pPr>
+            <a:endParaRPr lang="en-US" dirty="0"/>
           </a:p>
         </p:txBody>
       </p:sp>
@@ -7098,7 +6963,7 @@
             <a:prstTxWarp prst="textNoShape">
               <a:avLst/>
             </a:prstTxWarp>
-            <a:normAutofit/>
+            <a:normAutofit fontScale="92500" lnSpcReduction="10000"/>
           </a:bodyPr>
           <a:lstStyle/>
           <a:p>
@@ -7108,7 +6973,130 @@
                 <a:ea typeface="ヒラギノ角ゴ ProN W3" charset="0"/>
                 <a:cs typeface="ヒラギノ角ゴ ProN W3" charset="0"/>
               </a:rPr>
-              <a:t>TBD</a:t>
+              <a:t>Using Cloud Services</a:t>
+            </a:r>
+          </a:p>
+          <a:p>
+            <a:pPr eaLnBrk="1" hangingPunct="1"/>
+            <a:r>
+              <a:rPr lang="en-US" dirty="0" smtClean="0">
+                <a:ea typeface="ヒラギノ角ゴ ProN W3" charset="0"/>
+                <a:cs typeface="ヒラギノ角ゴ ProN W3" charset="0"/>
+              </a:rPr>
+              <a:t>Elastic scaling</a:t>
+            </a:r>
+          </a:p>
+          <a:p>
+            <a:pPr eaLnBrk="1" hangingPunct="1"/>
+            <a:r>
+              <a:rPr lang="en-US" dirty="0" err="1" smtClean="0">
+                <a:ea typeface="ヒラギノ角ゴ ProN W3" charset="0"/>
+                <a:cs typeface="ヒラギノ角ゴ ProN W3" charset="0"/>
+              </a:rPr>
+              <a:t>Hadoop</a:t>
+            </a:r>
+            <a:r>
+              <a:rPr lang="en-US" dirty="0" smtClean="0">
+                <a:ea typeface="ヒラギノ角ゴ ProN W3" charset="0"/>
+                <a:cs typeface="ヒラギノ角ゴ ProN W3" charset="0"/>
+              </a:rPr>
+              <a:t> and Map Reduce</a:t>
+            </a:r>
+          </a:p>
+          <a:p>
+            <a:pPr eaLnBrk="1" hangingPunct="1"/>
+            <a:r>
+              <a:rPr lang="en-US" dirty="0" smtClean="0">
+                <a:ea typeface="ヒラギノ角ゴ ProN W3" charset="0"/>
+                <a:cs typeface="ヒラギノ角ゴ ProN W3" charset="0"/>
+              </a:rPr>
+              <a:t>Spark, </a:t>
+            </a:r>
+            <a:r>
+              <a:rPr lang="en-US" dirty="0" err="1" smtClean="0">
+                <a:ea typeface="ヒラギノ角ゴ ProN W3" charset="0"/>
+                <a:cs typeface="ヒラギノ角ゴ ProN W3" charset="0"/>
+              </a:rPr>
+              <a:t>SparkSQL</a:t>
+            </a:r>
+            <a:endParaRPr lang="en-US" dirty="0" smtClean="0">
+              <a:ea typeface="ヒラギノ角ゴ ProN W3" charset="0"/>
+              <a:cs typeface="ヒラギノ角ゴ ProN W3" charset="0"/>
+            </a:endParaRPr>
+          </a:p>
+          <a:p>
+            <a:pPr eaLnBrk="1" hangingPunct="1"/>
+            <a:r>
+              <a:rPr lang="en-US" dirty="0" smtClean="0">
+                <a:ea typeface="ヒラギノ角ゴ ProN W3" charset="0"/>
+                <a:cs typeface="ヒラギノ角ゴ ProN W3" charset="0"/>
+              </a:rPr>
+              <a:t>Cassandra and </a:t>
+            </a:r>
+            <a:r>
+              <a:rPr lang="en-US" dirty="0" err="1" smtClean="0">
+                <a:ea typeface="ヒラギノ角ゴ ProN W3" charset="0"/>
+                <a:cs typeface="ヒラギノ角ゴ ProN W3" charset="0"/>
+              </a:rPr>
+              <a:t>NoSQL</a:t>
+            </a:r>
+            <a:endParaRPr lang="en-US" dirty="0" smtClean="0">
+              <a:ea typeface="ヒラギノ角ゴ ProN W3" charset="0"/>
+              <a:cs typeface="ヒラギノ角ゴ ProN W3" charset="0"/>
+            </a:endParaRPr>
+          </a:p>
+          <a:p>
+            <a:pPr eaLnBrk="1" hangingPunct="1"/>
+            <a:r>
+              <a:rPr lang="en-US" dirty="0" smtClean="0">
+                <a:ea typeface="ヒラギノ角ゴ ProN W3" charset="0"/>
+                <a:cs typeface="ヒラギノ角ゴ ProN W3" charset="0"/>
+              </a:rPr>
+              <a:t>Spark and Cassandra together</a:t>
+            </a:r>
+          </a:p>
+          <a:p>
+            <a:pPr eaLnBrk="1" hangingPunct="1"/>
+            <a:r>
+              <a:rPr lang="en-US" dirty="0" err="1" smtClean="0">
+                <a:ea typeface="ヒラギノ角ゴ ProN W3" charset="0"/>
+                <a:cs typeface="ヒラギノ角ゴ ProN W3" charset="0"/>
+              </a:rPr>
+              <a:t>Realtime</a:t>
+            </a:r>
+            <a:r>
+              <a:rPr lang="en-US" dirty="0">
+                <a:ea typeface="ヒラギノ角ゴ ProN W3" charset="0"/>
+                <a:cs typeface="ヒラギノ角ゴ ProN W3" charset="0"/>
+              </a:rPr>
+              <a:t> </a:t>
+            </a:r>
+            <a:r>
+              <a:rPr lang="en-US" dirty="0" smtClean="0">
+                <a:ea typeface="ヒラギノ角ゴ ProN W3" charset="0"/>
+                <a:cs typeface="ヒラギノ角ゴ ProN W3" charset="0"/>
+              </a:rPr>
+              <a:t>big data</a:t>
+            </a:r>
+          </a:p>
+          <a:p>
+            <a:pPr eaLnBrk="1" hangingPunct="1"/>
+            <a:r>
+              <a:rPr lang="en-US" dirty="0" smtClean="0">
+                <a:ea typeface="ヒラギノ角ゴ ProN W3" charset="0"/>
+                <a:cs typeface="ヒラギノ角ゴ ProN W3" charset="0"/>
+              </a:rPr>
+              <a:t>Containers</a:t>
+            </a:r>
+          </a:p>
+          <a:p>
+            <a:pPr eaLnBrk="1" hangingPunct="1"/>
+            <a:r>
+              <a:rPr lang="en-US" dirty="0" err="1" smtClean="0">
+                <a:ea typeface="ヒラギノ角ゴ ProN W3" charset="0"/>
+                <a:cs typeface="ヒラギノ角ゴ ProN W3" charset="0"/>
+              </a:rPr>
+              <a:t>Visualisation</a:t>
             </a:r>
             <a:endParaRPr lang="en-US" dirty="0">
               <a:ea typeface="ヒラギノ角ゴ ProN W3" charset="0"/>

--- a/pres-source/00-intro.pptx
+++ b/pres-source/00-intro.pptx
@@ -213,7 +213,7 @@
             <a:fld id="{7307762F-A706-E543-A832-3C298AA3103F}" type="datetimeFigureOut">
               <a:rPr lang="en-US" smtClean="0"/>
               <a:pPr/>
-              <a:t>16/11/15</a:t>
+              <a:t>30/11/15</a:t>
             </a:fld>
             <a:endParaRPr lang="en-US" dirty="0"/>
           </a:p>
@@ -780,7 +780,7 @@
           <a:p>
             <a:fld id="{875CF0EB-321F-0749-B37A-89BBA859503C}" type="datetimeFigureOut">
               <a:rPr lang="en-US" smtClean="0"/>
-              <a:t>16/11/15</a:t>
+              <a:t>30/11/15</a:t>
             </a:fld>
             <a:endParaRPr lang="en-US"/>
           </a:p>
@@ -984,7 +984,7 @@
           <a:p>
             <a:fld id="{875CF0EB-321F-0749-B37A-89BBA859503C}" type="datetimeFigureOut">
               <a:rPr lang="en-US" smtClean="0"/>
-              <a:t>16/11/15</a:t>
+              <a:t>30/11/15</a:t>
             </a:fld>
             <a:endParaRPr lang="en-US"/>
           </a:p>
@@ -1178,7 +1178,7 @@
           <a:p>
             <a:fld id="{875CF0EB-321F-0749-B37A-89BBA859503C}" type="datetimeFigureOut">
               <a:rPr lang="en-US" smtClean="0"/>
-              <a:t>16/11/15</a:t>
+              <a:t>30/11/15</a:t>
             </a:fld>
             <a:endParaRPr lang="en-US"/>
           </a:p>
@@ -1448,7 +1448,7 @@
           <a:p>
             <a:fld id="{875CF0EB-321F-0749-B37A-89BBA859503C}" type="datetimeFigureOut">
               <a:rPr lang="en-US" smtClean="0"/>
-              <a:t>16/11/15</a:t>
+              <a:t>30/11/15</a:t>
             </a:fld>
             <a:endParaRPr lang="en-US"/>
           </a:p>
@@ -1760,7 +1760,7 @@
           <a:p>
             <a:fld id="{875CF0EB-321F-0749-B37A-89BBA859503C}" type="datetimeFigureOut">
               <a:rPr lang="en-US" smtClean="0"/>
-              <a:t>16/11/15</a:t>
+              <a:t>30/11/15</a:t>
             </a:fld>
             <a:endParaRPr lang="en-US"/>
           </a:p>
@@ -2206,7 +2206,7 @@
           <a:p>
             <a:fld id="{875CF0EB-321F-0749-B37A-89BBA859503C}" type="datetimeFigureOut">
               <a:rPr lang="en-US" smtClean="0"/>
-              <a:t>16/11/15</a:t>
+              <a:t>30/11/15</a:t>
             </a:fld>
             <a:endParaRPr lang="en-US"/>
           </a:p>
@@ -2348,7 +2348,7 @@
           <a:p>
             <a:fld id="{875CF0EB-321F-0749-B37A-89BBA859503C}" type="datetimeFigureOut">
               <a:rPr lang="en-US" smtClean="0"/>
-              <a:t>16/11/15</a:t>
+              <a:t>30/11/15</a:t>
             </a:fld>
             <a:endParaRPr lang="en-US"/>
           </a:p>
@@ -2467,7 +2467,7 @@
           <a:p>
             <a:fld id="{875CF0EB-321F-0749-B37A-89BBA859503C}" type="datetimeFigureOut">
               <a:rPr lang="en-US" smtClean="0"/>
-              <a:t>16/11/15</a:t>
+              <a:t>30/11/15</a:t>
             </a:fld>
             <a:endParaRPr lang="en-US"/>
           </a:p>
@@ -2768,7 +2768,7 @@
           <a:p>
             <a:fld id="{875CF0EB-321F-0749-B37A-89BBA859503C}" type="datetimeFigureOut">
               <a:rPr lang="en-US" smtClean="0"/>
-              <a:t>16/11/15</a:t>
+              <a:t>30/11/15</a:t>
             </a:fld>
             <a:endParaRPr lang="en-US"/>
           </a:p>
@@ -3045,7 +3045,7 @@
           <a:p>
             <a:fld id="{875CF0EB-321F-0749-B37A-89BBA859503C}" type="datetimeFigureOut">
               <a:rPr lang="en-US" smtClean="0"/>
-              <a:t>16/11/15</a:t>
+              <a:t>30/11/15</a:t>
             </a:fld>
             <a:endParaRPr lang="en-US"/>
           </a:p>
@@ -3241,7 +3241,7 @@
       </p:sp>
       <p:sp>
         <p:nvSpPr>
-          <p:cNvPr id="21" name="TextBox 20"/>
+          <p:cNvPr id="8" name="TextBox 7"/>
           <p:cNvSpPr txBox="1">
             <a:spLocks noChangeArrowheads="1"/>
           </p:cNvSpPr>
@@ -3249,8 +3249,8 @@
         </p:nvSpPr>
         <p:spPr bwMode="auto">
           <a:xfrm>
-            <a:off x="1046163" y="6092834"/>
-            <a:ext cx="6853158" cy="553998"/>
+            <a:off x="1168930" y="6408634"/>
+            <a:ext cx="3429144" cy="415498"/>
           </a:xfrm>
           <a:prstGeom prst="rect">
             <a:avLst/>
@@ -3422,22 +3422,22 @@
               <a:defRPr/>
             </a:pPr>
             <a:r>
-              <a:rPr lang="en-US" sz="1000" dirty="0" smtClean="0">
+              <a:rPr lang="en-US" sz="700" dirty="0" smtClean="0">
                 <a:latin typeface="Montserrat"/>
               </a:rPr>
-              <a:t>© Paul Fremantle 2015.  Licensed under the Creative Commons 4.0 BY-SA (Attribution-</a:t>
-            </a:r>
-            <a:r>
-              <a:rPr lang="en-US" sz="1000" dirty="0" err="1" smtClean="0">
+              <a:t>© Paul Fremantle 2015.  </a:t>
+            </a:r>
+            <a:r>
+              <a:rPr lang="en-US" sz="700" dirty="0" smtClean="0">
                 <a:latin typeface="Montserrat"/>
               </a:rPr>
-              <a:t>Sharealike</a:t>
-            </a:r>
-            <a:r>
-              <a:rPr lang="en-US" sz="1000" dirty="0" smtClean="0">
+              <a:t>This </a:t>
+            </a:r>
+            <a:r>
+              <a:rPr lang="en-US" sz="700" dirty="0" smtClean="0">
                 <a:latin typeface="Montserrat"/>
               </a:rPr>
-              <a:t>) license.</a:t>
+              <a:t>work is licensed under a Creative Commons</a:t>
             </a:r>
           </a:p>
           <a:p>
@@ -3445,87 +3445,84 @@
               <a:defRPr/>
             </a:pPr>
             <a:r>
-              <a:rPr lang="en-US" sz="1000" dirty="0" smtClean="0">
+              <a:rPr lang="en-US" sz="700" dirty="0" smtClean="0">
                 <a:latin typeface="Montserrat"/>
               </a:rPr>
-              <a:t>See </a:t>
-            </a:r>
-            <a:r>
-              <a:rPr lang="en-US" sz="1000" dirty="0" smtClean="0">
+              <a:t> Attribution-</a:t>
+            </a:r>
+            <a:r>
+              <a:rPr lang="en-US" sz="700" dirty="0" err="1" smtClean="0">
+                <a:latin typeface="Montserrat"/>
+              </a:rPr>
+              <a:t>NonCommercial</a:t>
+            </a:r>
+            <a:r>
+              <a:rPr lang="en-US" sz="700" dirty="0" smtClean="0">
+                <a:latin typeface="Montserrat"/>
+              </a:rPr>
+              <a:t>-</a:t>
+            </a:r>
+            <a:r>
+              <a:rPr lang="en-US" sz="700" dirty="0" err="1" smtClean="0">
+                <a:latin typeface="Montserrat"/>
+              </a:rPr>
+              <a:t>ShareAlike</a:t>
+            </a:r>
+            <a:r>
+              <a:rPr lang="en-US" sz="700" dirty="0" smtClean="0">
+                <a:latin typeface="Montserrat"/>
+              </a:rPr>
+              <a:t> 4.0 International License</a:t>
+            </a:r>
+            <a:br>
+              <a:rPr lang="en-US" sz="700" dirty="0" smtClean="0">
+                <a:latin typeface="Montserrat"/>
+              </a:rPr>
+            </a:br>
+            <a:r>
+              <a:rPr lang="en-US" sz="700" dirty="0" smtClean="0">
+                <a:latin typeface="Montserrat"/>
+              </a:rPr>
+              <a:t>See  </a:t>
+            </a:r>
+            <a:r>
+              <a:rPr lang="en-US" sz="700" dirty="0" smtClean="0">
                 <a:latin typeface="Montserrat"/>
                 <a:hlinkClick r:id="rId13"/>
               </a:rPr>
-              <a:t>http://creativecommons.org/licenses/by-sa/4.0/</a:t>
-            </a:r>
-            <a:r>
-              <a:rPr lang="en-US" sz="1000" dirty="0" smtClean="0">
+              <a:t>http://creativecommons.org/licenses/by-nc-sa/4.0/</a:t>
+            </a:r>
+            <a:r>
+              <a:rPr lang="en-US" sz="700" dirty="0" smtClean="0">
                 <a:latin typeface="Montserrat"/>
               </a:rPr>
               <a:t> </a:t>
             </a:r>
-          </a:p>
-          <a:p>
-            <a:pPr algn="l" eaLnBrk="1" hangingPunct="1">
-              <a:defRPr/>
-            </a:pPr>
-            <a:endParaRPr lang="en-US" sz="1000" dirty="0" smtClean="0">
-              <a:latin typeface="Montserrat"/>
-            </a:endParaRPr>
           </a:p>
         </p:txBody>
       </p:sp>
       <p:pic>
         <p:nvPicPr>
-          <p:cNvPr id="24" name="Picture 23"/>
+          <p:cNvPr id="9" name="Picture 8"/>
           <p:cNvPicPr>
-            <a:picLocks noChangeAspect="1" noChangeArrowheads="1"/>
+            <a:picLocks noChangeAspect="1"/>
           </p:cNvPicPr>
           <p:nvPr userDrawn="1"/>
         </p:nvPicPr>
         <p:blipFill>
-          <a:blip r:embed="rId14">
-            <a:extLst>
-              <a:ext uri="{28A0092B-C50C-407E-A947-70E740481C1C}">
-                <a14:useLocalDpi xmlns:a14="http://schemas.microsoft.com/office/drawing/2010/main" val="0"/>
-              </a:ext>
-            </a:extLst>
-          </a:blip>
-          <a:srcRect/>
+          <a:blip r:embed="rId14"/>
           <a:stretch>
             <a:fillRect/>
           </a:stretch>
         </p:blipFill>
-        <p:spPr bwMode="auto">
+        <p:spPr>
           <a:xfrm>
-            <a:off x="320764" y="6254746"/>
-            <a:ext cx="725399" cy="258097"/>
+            <a:off x="375635" y="6492098"/>
+            <a:ext cx="792765" cy="279269"/>
           </a:xfrm>
           <a:prstGeom prst="rect">
             <a:avLst/>
           </a:prstGeom>
-          <a:noFill/>
-          <a:ln>
-            <a:noFill/>
-          </a:ln>
-          <a:extLst>
-            <a:ext uri="{909E8E84-426E-40dd-AFC4-6F175D3DCCD1}">
-              <a14:hiddenFill xmlns:a14="http://schemas.microsoft.com/office/drawing/2010/main">
-                <a:solidFill>
-                  <a:srgbClr val="FFFFFF"/>
-                </a:solidFill>
-              </a14:hiddenFill>
-            </a:ext>
-            <a:ext uri="{91240B29-F687-4f45-9708-019B960494DF}">
-              <a14:hiddenLine xmlns:a14="http://schemas.microsoft.com/office/drawing/2010/main" w="9525">
-                <a:solidFill>
-                  <a:srgbClr val="000000"/>
-                </a:solidFill>
-                <a:miter lim="800000"/>
-                <a:headEnd/>
-                <a:tailEnd/>
-              </a14:hiddenLine>
-            </a:ext>
-          </a:extLst>
         </p:spPr>
       </p:pic>
     </p:spTree>

--- a/pres-source/00-intro.pptx
+++ b/pres-source/00-intro.pptx
@@ -213,7 +213,7 @@
             <a:fld id="{7307762F-A706-E543-A832-3C298AA3103F}" type="datetimeFigureOut">
               <a:rPr lang="en-US" smtClean="0"/>
               <a:pPr/>
-              <a:t>30/11/15</a:t>
+              <a:t>09/09/16</a:t>
             </a:fld>
             <a:endParaRPr lang="en-US" dirty="0"/>
           </a:p>
@@ -780,7 +780,7 @@
           <a:p>
             <a:fld id="{875CF0EB-321F-0749-B37A-89BBA859503C}" type="datetimeFigureOut">
               <a:rPr lang="en-US" smtClean="0"/>
-              <a:t>30/11/15</a:t>
+              <a:t>09/09/16</a:t>
             </a:fld>
             <a:endParaRPr lang="en-US"/>
           </a:p>
@@ -984,7 +984,7 @@
           <a:p>
             <a:fld id="{875CF0EB-321F-0749-B37A-89BBA859503C}" type="datetimeFigureOut">
               <a:rPr lang="en-US" smtClean="0"/>
-              <a:t>30/11/15</a:t>
+              <a:t>09/09/16</a:t>
             </a:fld>
             <a:endParaRPr lang="en-US"/>
           </a:p>
@@ -1178,7 +1178,7 @@
           <a:p>
             <a:fld id="{875CF0EB-321F-0749-B37A-89BBA859503C}" type="datetimeFigureOut">
               <a:rPr lang="en-US" smtClean="0"/>
-              <a:t>30/11/15</a:t>
+              <a:t>09/09/16</a:t>
             </a:fld>
             <a:endParaRPr lang="en-US"/>
           </a:p>
@@ -1448,7 +1448,7 @@
           <a:p>
             <a:fld id="{875CF0EB-321F-0749-B37A-89BBA859503C}" type="datetimeFigureOut">
               <a:rPr lang="en-US" smtClean="0"/>
-              <a:t>30/11/15</a:t>
+              <a:t>09/09/16</a:t>
             </a:fld>
             <a:endParaRPr lang="en-US"/>
           </a:p>
@@ -1760,7 +1760,7 @@
           <a:p>
             <a:fld id="{875CF0EB-321F-0749-B37A-89BBA859503C}" type="datetimeFigureOut">
               <a:rPr lang="en-US" smtClean="0"/>
-              <a:t>30/11/15</a:t>
+              <a:t>09/09/16</a:t>
             </a:fld>
             <a:endParaRPr lang="en-US"/>
           </a:p>
@@ -2206,7 +2206,7 @@
           <a:p>
             <a:fld id="{875CF0EB-321F-0749-B37A-89BBA859503C}" type="datetimeFigureOut">
               <a:rPr lang="en-US" smtClean="0"/>
-              <a:t>30/11/15</a:t>
+              <a:t>09/09/16</a:t>
             </a:fld>
             <a:endParaRPr lang="en-US"/>
           </a:p>
@@ -2348,7 +2348,7 @@
           <a:p>
             <a:fld id="{875CF0EB-321F-0749-B37A-89BBA859503C}" type="datetimeFigureOut">
               <a:rPr lang="en-US" smtClean="0"/>
-              <a:t>30/11/15</a:t>
+              <a:t>09/09/16</a:t>
             </a:fld>
             <a:endParaRPr lang="en-US"/>
           </a:p>
@@ -2467,7 +2467,7 @@
           <a:p>
             <a:fld id="{875CF0EB-321F-0749-B37A-89BBA859503C}" type="datetimeFigureOut">
               <a:rPr lang="en-US" smtClean="0"/>
-              <a:t>30/11/15</a:t>
+              <a:t>09/09/16</a:t>
             </a:fld>
             <a:endParaRPr lang="en-US"/>
           </a:p>
@@ -2768,7 +2768,7 @@
           <a:p>
             <a:fld id="{875CF0EB-321F-0749-B37A-89BBA859503C}" type="datetimeFigureOut">
               <a:rPr lang="en-US" smtClean="0"/>
-              <a:t>30/11/15</a:t>
+              <a:t>09/09/16</a:t>
             </a:fld>
             <a:endParaRPr lang="en-US"/>
           </a:p>
@@ -3045,7 +3045,7 @@
           <a:p>
             <a:fld id="{875CF0EB-321F-0749-B37A-89BBA859503C}" type="datetimeFigureOut">
               <a:rPr lang="en-US" smtClean="0"/>
-              <a:t>30/11/15</a:t>
+              <a:t>09/09/16</a:t>
             </a:fld>
             <a:endParaRPr lang="en-US"/>
           </a:p>
@@ -3425,19 +3425,7 @@
               <a:rPr lang="en-US" sz="700" dirty="0" smtClean="0">
                 <a:latin typeface="Montserrat"/>
               </a:rPr>
-              <a:t>© Paul Fremantle 2015.  </a:t>
-            </a:r>
-            <a:r>
-              <a:rPr lang="en-US" sz="700" dirty="0" smtClean="0">
-                <a:latin typeface="Montserrat"/>
-              </a:rPr>
-              <a:t>This </a:t>
-            </a:r>
-            <a:r>
-              <a:rPr lang="en-US" sz="700" dirty="0" smtClean="0">
-                <a:latin typeface="Montserrat"/>
-              </a:rPr>
-              <a:t>work is licensed under a Creative Commons</a:t>
+              <a:t>© Paul Fremantle 2015.  This work is licensed under a Creative Commons</a:t>
             </a:r>
           </a:p>
           <a:p>
@@ -3977,7 +3965,7 @@
                 <a:ea typeface="ヒラギノ角ゴ ProN W3" charset="0"/>
                 <a:cs typeface="ヒラギノ角ゴ ProN W3" charset="0"/>
               </a:rPr>
-              <a:t>Nov 2015</a:t>
+              <a:t>Sep 2016</a:t>
             </a:r>
             <a:endParaRPr lang="en-US" dirty="0">
               <a:ea typeface="ヒラギノ角ゴ ProN W3" charset="0"/>
@@ -4430,6 +4418,30 @@
           <a:chExt cx="0" cy="0"/>
         </a:xfrm>
       </p:grpSpPr>
+      <p:pic>
+        <p:nvPicPr>
+          <p:cNvPr id="4" name="Picture 3"/>
+          <p:cNvPicPr>
+            <a:picLocks noChangeAspect="1"/>
+          </p:cNvPicPr>
+          <p:nvPr/>
+        </p:nvPicPr>
+        <p:blipFill>
+          <a:blip r:embed="rId2"/>
+          <a:stretch>
+            <a:fillRect/>
+          </a:stretch>
+        </p:blipFill>
+        <p:spPr>
+          <a:xfrm>
+            <a:off x="3983789" y="682725"/>
+            <a:ext cx="4987230" cy="3715486"/>
+          </a:xfrm>
+          <a:prstGeom prst="rect">
+            <a:avLst/>
+          </a:prstGeom>
+        </p:spPr>
+      </p:pic>
       <p:sp>
         <p:nvSpPr>
           <p:cNvPr id="2" name="Title 1"/>
@@ -4447,7 +4459,15 @@
           <a:p>
             <a:r>
               <a:rPr lang="en-US" dirty="0" smtClean="0"/>
-              <a:t>First Run!</a:t>
+              <a:t>There </a:t>
+            </a:r>
+            <a:r>
+              <a:rPr lang="en-US" strike="dblStrike" dirty="0" smtClean="0"/>
+              <a:t>might</a:t>
+            </a:r>
+            <a:r>
+              <a:rPr lang="en-US" dirty="0" smtClean="0"/>
+              <a:t> will be bugs!</a:t>
             </a:r>
             <a:endParaRPr lang="en-US" dirty="0"/>
           </a:p>
@@ -4465,31 +4485,30 @@
         </p:nvSpPr>
         <p:spPr/>
         <p:txBody>
-          <a:bodyPr/>
+          <a:bodyPr>
+            <a:normAutofit lnSpcReduction="10000"/>
+          </a:bodyPr>
           <a:lstStyle/>
           <a:p>
+            <a:endParaRPr lang="en-US" dirty="0" smtClean="0"/>
+          </a:p>
+          <a:p>
+            <a:endParaRPr lang="en-US" dirty="0"/>
+          </a:p>
+          <a:p>
+            <a:endParaRPr lang="en-US" dirty="0" smtClean="0"/>
+          </a:p>
+          <a:p>
+            <a:endParaRPr lang="en-US" dirty="0"/>
+          </a:p>
+          <a:p>
             <a:r>
               <a:rPr lang="en-US" dirty="0" smtClean="0"/>
-              <a:t>This is the first running of this course</a:t>
-            </a:r>
-          </a:p>
-          <a:p>
+              <a:t>Please </a:t>
+            </a:r>
             <a:r>
               <a:rPr lang="en-US" dirty="0" smtClean="0"/>
-              <a:t>Please take that into consideration:</a:t>
-            </a:r>
-          </a:p>
-          <a:p>
-            <a:pPr lvl="1"/>
-            <a:r>
-              <a:rPr lang="en-US" dirty="0" smtClean="0"/>
-              <a:t>There will be bugs!</a:t>
-            </a:r>
-          </a:p>
-          <a:p>
-            <a:r>
-              <a:rPr lang="en-US" dirty="0" smtClean="0"/>
-              <a:t>Please help out:</a:t>
+              <a:t>help out:</a:t>
             </a:r>
           </a:p>
           <a:p>
@@ -4511,13 +4530,13 @@
             <a:pPr lvl="1"/>
             <a:r>
               <a:rPr lang="en-US" dirty="0">
-                <a:hlinkClick r:id="rId2"/>
+                <a:hlinkClick r:id="rId3"/>
               </a:rPr>
               <a:t>https://github.com/pzfreo/ox-clo/issues/</a:t>
             </a:r>
             <a:r>
               <a:rPr lang="en-US" dirty="0" smtClean="0">
-                <a:hlinkClick r:id="rId2"/>
+                <a:hlinkClick r:id="rId3"/>
               </a:rPr>
               <a:t>new</a:t>
             </a:r>
@@ -4747,7 +4766,21 @@
                 <a:ea typeface="ヒラギノ角ゴ ProN W3" charset="0"/>
                 <a:cs typeface="ヒラギノ角ゴ ProN W3" charset="0"/>
               </a:rPr>
-              <a:t>MA in </a:t>
+              <a:t>B</a:t>
+            </a:r>
+            <a:r>
+              <a:rPr lang="en-US" sz="2000" dirty="0" smtClean="0">
+                <a:ea typeface="ヒラギノ角ゴ ProN W3" charset="0"/>
+                <a:cs typeface="ヒラギノ角ゴ ProN W3" charset="0"/>
+              </a:rPr>
+              <a:t>A </a:t>
+            </a:r>
+            <a:r>
+              <a:rPr lang="en-US" sz="2000" dirty="0">
+                <a:ea typeface="ヒラギノ角ゴ ProN W3" charset="0"/>
+                <a:cs typeface="ヒラギノ角ゴ ProN W3" charset="0"/>
+              </a:rPr>
+              <a:t>in </a:t>
             </a:r>
             <a:r>
               <a:rPr lang="en-US" sz="2000" dirty="0" err="1">

--- a/pres-source/00-intro.pptx
+++ b/pres-source/00-intro.pptx
@@ -5,26 +5,27 @@
     <p:sldMasterId id="2147483648" r:id="rId1"/>
   </p:sldMasterIdLst>
   <p:notesMasterIdLst>
-    <p:notesMasterId r:id="rId19"/>
+    <p:notesMasterId r:id="rId20"/>
   </p:notesMasterIdLst>
   <p:sldIdLst>
     <p:sldId id="256" r:id="rId2"/>
     <p:sldId id="257" r:id="rId3"/>
-    <p:sldId id="258" r:id="rId4"/>
-    <p:sldId id="259" r:id="rId5"/>
-    <p:sldId id="273" r:id="rId6"/>
-    <p:sldId id="274" r:id="rId7"/>
-    <p:sldId id="260" r:id="rId8"/>
-    <p:sldId id="261" r:id="rId9"/>
-    <p:sldId id="262" r:id="rId10"/>
-    <p:sldId id="272" r:id="rId11"/>
-    <p:sldId id="271" r:id="rId12"/>
-    <p:sldId id="264" r:id="rId13"/>
-    <p:sldId id="270" r:id="rId14"/>
-    <p:sldId id="265" r:id="rId15"/>
-    <p:sldId id="269" r:id="rId16"/>
-    <p:sldId id="266" r:id="rId17"/>
-    <p:sldId id="267" r:id="rId18"/>
+    <p:sldId id="275" r:id="rId4"/>
+    <p:sldId id="258" r:id="rId5"/>
+    <p:sldId id="259" r:id="rId6"/>
+    <p:sldId id="273" r:id="rId7"/>
+    <p:sldId id="274" r:id="rId8"/>
+    <p:sldId id="260" r:id="rId9"/>
+    <p:sldId id="261" r:id="rId10"/>
+    <p:sldId id="262" r:id="rId11"/>
+    <p:sldId id="272" r:id="rId12"/>
+    <p:sldId id="271" r:id="rId13"/>
+    <p:sldId id="264" r:id="rId14"/>
+    <p:sldId id="270" r:id="rId15"/>
+    <p:sldId id="265" r:id="rId16"/>
+    <p:sldId id="269" r:id="rId17"/>
+    <p:sldId id="266" r:id="rId18"/>
+    <p:sldId id="267" r:id="rId19"/>
   </p:sldIdLst>
   <p:sldSz cx="9144000" cy="6858000" type="screen4x3"/>
   <p:notesSz cx="6858000" cy="9144000"/>
@@ -213,7 +214,7 @@
             <a:fld id="{7307762F-A706-E543-A832-3C298AA3103F}" type="datetimeFigureOut">
               <a:rPr lang="en-US" smtClean="0"/>
               <a:pPr/>
-              <a:t>09/09/16</a:t>
+              <a:t>22/05/17</a:t>
             </a:fld>
             <a:endParaRPr lang="en-US" dirty="0"/>
           </a:p>
@@ -780,7 +781,7 @@
           <a:p>
             <a:fld id="{875CF0EB-321F-0749-B37A-89BBA859503C}" type="datetimeFigureOut">
               <a:rPr lang="en-US" smtClean="0"/>
-              <a:t>09/09/16</a:t>
+              <a:t>22/05/17</a:t>
             </a:fld>
             <a:endParaRPr lang="en-US"/>
           </a:p>
@@ -984,7 +985,7 @@
           <a:p>
             <a:fld id="{875CF0EB-321F-0749-B37A-89BBA859503C}" type="datetimeFigureOut">
               <a:rPr lang="en-US" smtClean="0"/>
-              <a:t>09/09/16</a:t>
+              <a:t>22/05/17</a:t>
             </a:fld>
             <a:endParaRPr lang="en-US"/>
           </a:p>
@@ -1178,7 +1179,7 @@
           <a:p>
             <a:fld id="{875CF0EB-321F-0749-B37A-89BBA859503C}" type="datetimeFigureOut">
               <a:rPr lang="en-US" smtClean="0"/>
-              <a:t>09/09/16</a:t>
+              <a:t>22/05/17</a:t>
             </a:fld>
             <a:endParaRPr lang="en-US"/>
           </a:p>
@@ -1448,7 +1449,7 @@
           <a:p>
             <a:fld id="{875CF0EB-321F-0749-B37A-89BBA859503C}" type="datetimeFigureOut">
               <a:rPr lang="en-US" smtClean="0"/>
-              <a:t>09/09/16</a:t>
+              <a:t>22/05/17</a:t>
             </a:fld>
             <a:endParaRPr lang="en-US"/>
           </a:p>
@@ -1760,7 +1761,7 @@
           <a:p>
             <a:fld id="{875CF0EB-321F-0749-B37A-89BBA859503C}" type="datetimeFigureOut">
               <a:rPr lang="en-US" smtClean="0"/>
-              <a:t>09/09/16</a:t>
+              <a:t>22/05/17</a:t>
             </a:fld>
             <a:endParaRPr lang="en-US"/>
           </a:p>
@@ -2206,7 +2207,7 @@
           <a:p>
             <a:fld id="{875CF0EB-321F-0749-B37A-89BBA859503C}" type="datetimeFigureOut">
               <a:rPr lang="en-US" smtClean="0"/>
-              <a:t>09/09/16</a:t>
+              <a:t>22/05/17</a:t>
             </a:fld>
             <a:endParaRPr lang="en-US"/>
           </a:p>
@@ -2348,7 +2349,7 @@
           <a:p>
             <a:fld id="{875CF0EB-321F-0749-B37A-89BBA859503C}" type="datetimeFigureOut">
               <a:rPr lang="en-US" smtClean="0"/>
-              <a:t>09/09/16</a:t>
+              <a:t>22/05/17</a:t>
             </a:fld>
             <a:endParaRPr lang="en-US"/>
           </a:p>
@@ -2467,7 +2468,7 @@
           <a:p>
             <a:fld id="{875CF0EB-321F-0749-B37A-89BBA859503C}" type="datetimeFigureOut">
               <a:rPr lang="en-US" smtClean="0"/>
-              <a:t>09/09/16</a:t>
+              <a:t>22/05/17</a:t>
             </a:fld>
             <a:endParaRPr lang="en-US"/>
           </a:p>
@@ -2768,7 +2769,7 @@
           <a:p>
             <a:fld id="{875CF0EB-321F-0749-B37A-89BBA859503C}" type="datetimeFigureOut">
               <a:rPr lang="en-US" smtClean="0"/>
-              <a:t>09/09/16</a:t>
+              <a:t>22/05/17</a:t>
             </a:fld>
             <a:endParaRPr lang="en-US"/>
           </a:p>
@@ -3045,7 +3046,7 @@
           <a:p>
             <a:fld id="{875CF0EB-321F-0749-B37A-89BBA859503C}" type="datetimeFigureOut">
               <a:rPr lang="en-US" smtClean="0"/>
-              <a:t>09/09/16</a:t>
+              <a:t>22/05/17</a:t>
             </a:fld>
             <a:endParaRPr lang="en-US"/>
           </a:p>
@@ -4021,6 +4022,302 @@
       </p:grpSpPr>
       <p:sp>
         <p:nvSpPr>
+          <p:cNvPr id="9217" name="Title 1"/>
+          <p:cNvSpPr>
+            <a:spLocks noGrp="1"/>
+          </p:cNvSpPr>
+          <p:nvPr>
+            <p:ph type="title"/>
+          </p:nvPr>
+        </p:nvSpPr>
+        <p:spPr bwMode="auto">
+          <a:noFill/>
+          <a:extLst>
+            <a:ext uri="{909E8E84-426E-40dd-AFC4-6F175D3DCCD1}">
+              <a14:hiddenFill xmlns:a14="http://schemas.microsoft.com/office/drawing/2010/main">
+                <a:solidFill>
+                  <a:srgbClr val="FFFFFF"/>
+                </a:solidFill>
+              </a14:hiddenFill>
+            </a:ext>
+            <a:ext uri="{91240B29-F687-4f45-9708-019B960494DF}">
+              <a14:hiddenLine xmlns:a14="http://schemas.microsoft.com/office/drawing/2010/main" w="9525">
+                <a:solidFill>
+                  <a:srgbClr val="000000"/>
+                </a:solidFill>
+                <a:miter lim="800000"/>
+                <a:headEnd/>
+                <a:tailEnd/>
+              </a14:hiddenLine>
+            </a:ext>
+          </a:extLst>
+        </p:spPr>
+        <p:txBody>
+          <a:bodyPr wrap="square" lIns="64291" tIns="32146" rIns="64291" bIns="32146" numCol="1" anchor="t" anchorCtr="0" compatLnSpc="1">
+            <a:prstTxWarp prst="textNoShape">
+              <a:avLst/>
+            </a:prstTxWarp>
+          </a:bodyPr>
+          <a:lstStyle/>
+          <a:p>
+            <a:pPr eaLnBrk="1" hangingPunct="1"/>
+            <a:r>
+              <a:rPr lang="en-US" dirty="0" smtClean="0">
+                <a:ea typeface="ヒラギノ角ゴ ProN W3" charset="0"/>
+                <a:cs typeface="ヒラギノ角ゴ ProN W3" charset="0"/>
+              </a:rPr>
+              <a:t>Specific Objectives</a:t>
+            </a:r>
+            <a:endParaRPr lang="en-US" dirty="0">
+              <a:ea typeface="ヒラギノ角ゴ ProN W3" charset="0"/>
+              <a:cs typeface="ヒラギノ角ゴ ProN W3" charset="0"/>
+            </a:endParaRPr>
+          </a:p>
+        </p:txBody>
+      </p:sp>
+      <p:sp>
+        <p:nvSpPr>
+          <p:cNvPr id="9218" name="Content Placeholder 2"/>
+          <p:cNvSpPr>
+            <a:spLocks noGrp="1"/>
+          </p:cNvSpPr>
+          <p:nvPr>
+            <p:ph idx="1"/>
+          </p:nvPr>
+        </p:nvSpPr>
+        <p:spPr bwMode="auto">
+          <a:noFill/>
+          <a:extLst>
+            <a:ext uri="{909E8E84-426E-40dd-AFC4-6F175D3DCCD1}">
+              <a14:hiddenFill xmlns:a14="http://schemas.microsoft.com/office/drawing/2010/main">
+                <a:solidFill>
+                  <a:srgbClr val="FFFFFF"/>
+                </a:solidFill>
+              </a14:hiddenFill>
+            </a:ext>
+            <a:ext uri="{91240B29-F687-4f45-9708-019B960494DF}">
+              <a14:hiddenLine xmlns:a14="http://schemas.microsoft.com/office/drawing/2010/main" w="9525">
+                <a:solidFill>
+                  <a:srgbClr val="000000"/>
+                </a:solidFill>
+                <a:miter lim="800000"/>
+                <a:headEnd/>
+                <a:tailEnd/>
+              </a14:hiddenLine>
+            </a:ext>
+          </a:extLst>
+        </p:spPr>
+        <p:txBody>
+          <a:bodyPr wrap="square" lIns="64291" tIns="32146" rIns="64291" bIns="32146" numCol="1" anchor="t" anchorCtr="0" compatLnSpc="1">
+            <a:prstTxWarp prst="textNoShape">
+              <a:avLst/>
+            </a:prstTxWarp>
+            <a:noAutofit/>
+          </a:bodyPr>
+          <a:lstStyle/>
+          <a:p>
+            <a:pPr eaLnBrk="1" hangingPunct="1"/>
+            <a:r>
+              <a:rPr lang="en-US" sz="2000" dirty="0" smtClean="0">
+                <a:ea typeface="ヒラギノ角ゴ ProN W3" charset="0"/>
+                <a:cs typeface="ヒラギノ角ゴ ProN W3" charset="0"/>
+              </a:rPr>
+              <a:t>Understand the principles of cloud computing</a:t>
+            </a:r>
+          </a:p>
+          <a:p>
+            <a:pPr lvl="1"/>
+            <a:r>
+              <a:rPr lang="en-US" sz="1800" dirty="0" smtClean="0">
+                <a:ea typeface="ヒラギノ角ゴ ProN W3" charset="0"/>
+                <a:cs typeface="ヒラギノ角ゴ ProN W3" charset="0"/>
+              </a:rPr>
+              <a:t>Theory of scalability </a:t>
+            </a:r>
+          </a:p>
+          <a:p>
+            <a:pPr lvl="1"/>
+            <a:r>
+              <a:rPr lang="en-US" sz="1800" dirty="0" smtClean="0">
+                <a:ea typeface="ヒラギノ角ゴ ProN W3" charset="0"/>
+                <a:cs typeface="ヒラギノ角ゴ ProN W3" charset="0"/>
+              </a:rPr>
+              <a:t>Including scalability and deployment</a:t>
+            </a:r>
+          </a:p>
+          <a:p>
+            <a:pPr lvl="1"/>
+            <a:r>
+              <a:rPr lang="en-US" sz="1800" dirty="0" err="1" smtClean="0">
+                <a:ea typeface="ヒラギノ角ゴ ProN W3" charset="0"/>
+                <a:cs typeface="ヒラギノ角ゴ ProN W3" charset="0"/>
+              </a:rPr>
+              <a:t>IaaS</a:t>
+            </a:r>
+            <a:r>
+              <a:rPr lang="en-US" sz="1800" dirty="0" smtClean="0">
+                <a:ea typeface="ヒラギノ角ゴ ProN W3" charset="0"/>
+                <a:cs typeface="ヒラギノ角ゴ ProN W3" charset="0"/>
+              </a:rPr>
+              <a:t> frameworks, </a:t>
+            </a:r>
+            <a:r>
+              <a:rPr lang="en-US" sz="1800" dirty="0" err="1" smtClean="0">
+                <a:ea typeface="ヒラギノ角ゴ ProN W3" charset="0"/>
+                <a:cs typeface="ヒラギノ角ゴ ProN W3" charset="0"/>
+              </a:rPr>
+              <a:t>PaaS</a:t>
+            </a:r>
+            <a:r>
+              <a:rPr lang="en-US" sz="1800" dirty="0" smtClean="0">
+                <a:ea typeface="ヒラギノ角ゴ ProN W3" charset="0"/>
+                <a:cs typeface="ヒラギノ角ゴ ProN W3" charset="0"/>
+              </a:rPr>
+              <a:t>, containers</a:t>
+            </a:r>
+          </a:p>
+          <a:p>
+            <a:pPr eaLnBrk="1" hangingPunct="1"/>
+            <a:r>
+              <a:rPr lang="en-US" sz="2000" dirty="0" smtClean="0">
+                <a:ea typeface="ヒラギノ角ゴ ProN W3" charset="0"/>
+                <a:cs typeface="ヒラギノ角ゴ ProN W3" charset="0"/>
+              </a:rPr>
+              <a:t>Understand Big Data approaches, technologies and techniques</a:t>
+            </a:r>
+          </a:p>
+          <a:p>
+            <a:pPr lvl="1"/>
+            <a:r>
+              <a:rPr lang="en-US" sz="1800" dirty="0" smtClean="0">
+                <a:ea typeface="ヒラギノ角ゴ ProN W3" charset="0"/>
+                <a:cs typeface="ヒラギノ角ゴ ProN W3" charset="0"/>
+              </a:rPr>
+              <a:t>Theoretical background and approaches</a:t>
+            </a:r>
+          </a:p>
+          <a:p>
+            <a:pPr lvl="1"/>
+            <a:r>
+              <a:rPr lang="en-US" sz="1800" dirty="0" smtClean="0">
+                <a:ea typeface="ヒラギノ角ゴ ProN W3" charset="0"/>
+                <a:cs typeface="ヒラギノ角ゴ ProN W3" charset="0"/>
+              </a:rPr>
+              <a:t>Including Map Reduce, </a:t>
+            </a:r>
+            <a:r>
+              <a:rPr lang="en-US" sz="1800" dirty="0" err="1" smtClean="0">
+                <a:ea typeface="ヒラギノ角ゴ ProN W3" charset="0"/>
+                <a:cs typeface="ヒラギノ角ゴ ProN W3" charset="0"/>
+              </a:rPr>
+              <a:t>NoSQL</a:t>
+            </a:r>
+            <a:r>
+              <a:rPr lang="en-US" sz="1800" dirty="0" smtClean="0">
+                <a:ea typeface="ヒラギノ角ゴ ProN W3" charset="0"/>
+                <a:cs typeface="ヒラギノ角ゴ ProN W3" charset="0"/>
+              </a:rPr>
+              <a:t>, </a:t>
+            </a:r>
+            <a:r>
+              <a:rPr lang="en-US" sz="1800" dirty="0" err="1" smtClean="0">
+                <a:ea typeface="ヒラギノ角ゴ ProN W3" charset="0"/>
+                <a:cs typeface="ヒラギノ角ゴ ProN W3" charset="0"/>
+              </a:rPr>
+              <a:t>Realtime</a:t>
+            </a:r>
+            <a:endParaRPr lang="en-US" sz="1800" dirty="0" smtClean="0">
+              <a:ea typeface="ヒラギノ角ゴ ProN W3" charset="0"/>
+              <a:cs typeface="ヒラギノ角ゴ ProN W3" charset="0"/>
+            </a:endParaRPr>
+          </a:p>
+          <a:p>
+            <a:r>
+              <a:rPr lang="en-US" sz="2000" dirty="0" smtClean="0">
+                <a:ea typeface="ヒラギノ角ゴ ProN W3" charset="0"/>
+                <a:cs typeface="ヒラギノ角ゴ ProN W3" charset="0"/>
+              </a:rPr>
+              <a:t>Be able to design and implement scalable cloud and big </a:t>
+            </a:r>
+            <a:r>
+              <a:rPr lang="en-US" sz="2000" dirty="0">
+                <a:ea typeface="ヒラギノ角ゴ ProN W3" charset="0"/>
+                <a:cs typeface="ヒラギノ角ゴ ProN W3" charset="0"/>
+              </a:rPr>
+              <a:t>d</a:t>
+            </a:r>
+            <a:r>
+              <a:rPr lang="en-US" sz="2000" dirty="0" smtClean="0">
+                <a:ea typeface="ヒラギノ角ゴ ProN W3" charset="0"/>
+                <a:cs typeface="ヒラギノ角ゴ ProN W3" charset="0"/>
+              </a:rPr>
+              <a:t>ata systems</a:t>
+            </a:r>
+          </a:p>
+          <a:p>
+            <a:r>
+              <a:rPr lang="en-US" sz="2000" dirty="0" smtClean="0">
+                <a:ea typeface="ヒラギノ角ゴ ProN W3" charset="0"/>
+                <a:cs typeface="ヒラギノ角ゴ ProN W3" charset="0"/>
+              </a:rPr>
+              <a:t>Understand and implement effective Open Source systems on Amazon EC2</a:t>
+            </a:r>
+          </a:p>
+          <a:p>
+            <a:endParaRPr lang="en-US" sz="2000" dirty="0">
+              <a:ea typeface="ヒラギノ角ゴ ProN W3" charset="0"/>
+              <a:cs typeface="ヒラギノ角ゴ ProN W3" charset="0"/>
+            </a:endParaRPr>
+          </a:p>
+        </p:txBody>
+      </p:sp>
+    </p:spTree>
+    <p:extLst>
+      <p:ext uri="{BB962C8B-B14F-4D97-AF65-F5344CB8AC3E}">
+        <p14:creationId xmlns:p14="http://schemas.microsoft.com/office/powerpoint/2010/main" val="1239434471"/>
+      </p:ext>
+    </p:extLst>
+  </p:cSld>
+  <p:clrMapOvr>
+    <a:masterClrMapping/>
+  </p:clrMapOvr>
+  <mc:AlternateContent xmlns:mc="http://schemas.openxmlformats.org/markup-compatibility/2006" xmlns:p14="http://schemas.microsoft.com/office/powerpoint/2010/main">
+    <mc:Choice Requires="p14">
+      <p:transition spd="slow" p14:dur="2000"/>
+    </mc:Choice>
+    <mc:Fallback xmlns="">
+      <p:transition xmlns:p14="http://schemas.microsoft.com/office/powerpoint/2010/main" spd="slow"/>
+    </mc:Fallback>
+  </mc:AlternateContent>
+  <p:timing>
+    <p:tnLst>
+      <p:par>
+        <p:cTn xmlns:p14="http://schemas.microsoft.com/office/powerpoint/2010/main" id="1" dur="indefinite" restart="never" nodeType="tmRoot"/>
+      </p:par>
+    </p:tnLst>
+  </p:timing>
+</p:sld>
+</file>
+
+<file path=ppt/slides/slide11.xml><?xml version="1.0" encoding="utf-8"?>
+<p:sld xmlns:a="http://schemas.openxmlformats.org/drawingml/2006/main" xmlns:r="http://schemas.openxmlformats.org/officeDocument/2006/relationships" xmlns:p="http://schemas.openxmlformats.org/presentationml/2006/main">
+  <p:cSld>
+    <p:spTree>
+      <p:nvGrpSpPr>
+        <p:cNvPr id="1" name=""/>
+        <p:cNvGrpSpPr/>
+        <p:nvPr/>
+      </p:nvGrpSpPr>
+      <p:grpSpPr>
+        <a:xfrm>
+          <a:off x="0" y="0"/>
+          <a:ext cx="0" cy="0"/>
+          <a:chOff x="0" y="0"/>
+          <a:chExt cx="0" cy="0"/>
+        </a:xfrm>
+      </p:grpSpPr>
+      <p:sp>
+        <p:nvSpPr>
           <p:cNvPr id="2" name="Title 1"/>
           <p:cNvSpPr>
             <a:spLocks noGrp="1"/>
@@ -4078,7 +4375,7 @@
 </p:sld>
 </file>
 
-<file path=ppt/slides/slide11.xml><?xml version="1.0" encoding="utf-8"?>
+<file path=ppt/slides/slide12.xml><?xml version="1.0" encoding="utf-8"?>
 <p:sld xmlns:a="http://schemas.openxmlformats.org/drawingml/2006/main" xmlns:r="http://schemas.openxmlformats.org/officeDocument/2006/relationships" xmlns:p="http://schemas.openxmlformats.org/presentationml/2006/main">
   <p:cSld>
     <p:spTree>
@@ -4212,7 +4509,7 @@
 </p:sld>
 </file>
 
-<file path=ppt/slides/slide12.xml><?xml version="1.0" encoding="utf-8"?>
+<file path=ppt/slides/slide13.xml><?xml version="1.0" encoding="utf-8"?>
 <p:sld xmlns:a="http://schemas.openxmlformats.org/drawingml/2006/main" xmlns:r="http://schemas.openxmlformats.org/officeDocument/2006/relationships" xmlns:p="http://schemas.openxmlformats.org/presentationml/2006/main">
   <p:cSld>
     <p:spTree>
@@ -4401,7 +4698,7 @@
 </p:sld>
 </file>
 
-<file path=ppt/slides/slide13.xml><?xml version="1.0" encoding="utf-8"?>
+<file path=ppt/slides/slide14.xml><?xml version="1.0" encoding="utf-8"?>
 <p:sld xmlns:a="http://schemas.openxmlformats.org/drawingml/2006/main" xmlns:r="http://schemas.openxmlformats.org/officeDocument/2006/relationships" xmlns:p="http://schemas.openxmlformats.org/presentationml/2006/main">
   <p:cSld>
     <p:spTree>
@@ -4504,11 +4801,7 @@
           <a:p>
             <a:r>
               <a:rPr lang="en-US" dirty="0" smtClean="0"/>
-              <a:t>Please </a:t>
-            </a:r>
-            <a:r>
-              <a:rPr lang="en-US" dirty="0" smtClean="0"/>
-              <a:t>help out:</a:t>
+              <a:t>Please help out:</a:t>
             </a:r>
           </a:p>
           <a:p>
@@ -4561,7 +4854,7 @@
 </p:sld>
 </file>
 
-<file path=ppt/slides/slide14.xml><?xml version="1.0" encoding="utf-8"?>
+<file path=ppt/slides/slide15.xml><?xml version="1.0" encoding="utf-8"?>
 <p:sld xmlns:a="http://schemas.openxmlformats.org/drawingml/2006/main" xmlns:r="http://schemas.openxmlformats.org/officeDocument/2006/relationships" xmlns:p="http://schemas.openxmlformats.org/presentationml/2006/main">
   <p:cSld>
     <p:spTree>
@@ -4922,7 +5215,7 @@
 </p:sld>
 </file>
 
-<file path=ppt/slides/slide15.xml><?xml version="1.0" encoding="utf-8"?>
+<file path=ppt/slides/slide16.xml><?xml version="1.0" encoding="utf-8"?>
 <p:sld xmlns:a="http://schemas.openxmlformats.org/drawingml/2006/main" xmlns:r="http://schemas.openxmlformats.org/officeDocument/2006/relationships" xmlns:p="http://schemas.openxmlformats.org/presentationml/2006/main">
   <p:cSld>
     <p:spTree>
@@ -4982,7 +5275,7 @@
 </p:sld>
 </file>
 
-<file path=ppt/slides/slide16.xml><?xml version="1.0" encoding="utf-8"?>
+<file path=ppt/slides/slide17.xml><?xml version="1.0" encoding="utf-8"?>
 <p:sld xmlns:a="http://schemas.openxmlformats.org/drawingml/2006/main" xmlns:r="http://schemas.openxmlformats.org/officeDocument/2006/relationships" xmlns:p="http://schemas.openxmlformats.org/presentationml/2006/main">
   <p:cSld>
     <p:spTree>
@@ -5623,7 +5916,7 @@
 </p:sld>
 </file>
 
-<file path=ppt/slides/slide17.xml><?xml version="1.0" encoding="utf-8"?>
+<file path=ppt/slides/slide18.xml><?xml version="1.0" encoding="utf-8"?>
 <p:sld xmlns:a="http://schemas.openxmlformats.org/drawingml/2006/main" xmlns:r="http://schemas.openxmlformats.org/officeDocument/2006/relationships" xmlns:p="http://schemas.openxmlformats.org/presentationml/2006/main">
   <p:cSld>
     <p:spTree>
@@ -6000,6 +6293,60 @@
           <a:chExt cx="0" cy="0"/>
         </a:xfrm>
       </p:grpSpPr>
+      <p:pic>
+        <p:nvPicPr>
+          <p:cNvPr id="4" name="Picture 3"/>
+          <p:cNvPicPr>
+            <a:picLocks noChangeAspect="1"/>
+          </p:cNvPicPr>
+          <p:nvPr/>
+        </p:nvPicPr>
+        <p:blipFill>
+          <a:blip r:embed="rId2"/>
+          <a:stretch>
+            <a:fillRect/>
+          </a:stretch>
+        </p:blipFill>
+        <p:spPr>
+          <a:xfrm>
+            <a:off x="0" y="0"/>
+            <a:ext cx="9144000" cy="6252210"/>
+          </a:xfrm>
+          <a:prstGeom prst="rect">
+            <a:avLst/>
+          </a:prstGeom>
+        </p:spPr>
+      </p:pic>
+    </p:spTree>
+    <p:extLst>
+      <p:ext uri="{BB962C8B-B14F-4D97-AF65-F5344CB8AC3E}">
+        <p14:creationId xmlns:p14="http://schemas.microsoft.com/office/powerpoint/2010/main" val="885167416"/>
+      </p:ext>
+    </p:extLst>
+  </p:cSld>
+  <p:clrMapOvr>
+    <a:masterClrMapping/>
+  </p:clrMapOvr>
+</p:sld>
+</file>
+
+<file path=ppt/slides/slide4.xml><?xml version="1.0" encoding="utf-8"?>
+<p:sld xmlns:a="http://schemas.openxmlformats.org/drawingml/2006/main" xmlns:r="http://schemas.openxmlformats.org/officeDocument/2006/relationships" xmlns:p="http://schemas.openxmlformats.org/presentationml/2006/main">
+  <p:cSld>
+    <p:spTree>
+      <p:nvGrpSpPr>
+        <p:cNvPr id="1" name=""/>
+        <p:cNvGrpSpPr/>
+        <p:nvPr/>
+      </p:nvGrpSpPr>
+      <p:grpSpPr>
+        <a:xfrm>
+          <a:off x="0" y="0"/>
+          <a:ext cx="0" cy="0"/>
+          <a:chOff x="0" y="0"/>
+          <a:chExt cx="0" cy="0"/>
+        </a:xfrm>
+      </p:grpSpPr>
       <p:sp>
         <p:nvSpPr>
           <p:cNvPr id="5121" name="Title 1"/>
@@ -6164,212 +6511,6 @@
     <p:extLst>
       <p:ext uri="{BB962C8B-B14F-4D97-AF65-F5344CB8AC3E}">
         <p14:creationId xmlns:p14="http://schemas.microsoft.com/office/powerpoint/2010/main" val="4225761691"/>
-      </p:ext>
-    </p:extLst>
-  </p:cSld>
-  <p:clrMapOvr>
-    <a:masterClrMapping/>
-  </p:clrMapOvr>
-  <mc:AlternateContent xmlns:mc="http://schemas.openxmlformats.org/markup-compatibility/2006" xmlns:p14="http://schemas.microsoft.com/office/powerpoint/2010/main">
-    <mc:Choice Requires="p14">
-      <p:transition spd="slow" p14:dur="2000"/>
-    </mc:Choice>
-    <mc:Fallback xmlns="">
-      <p:transition xmlns:p14="http://schemas.microsoft.com/office/powerpoint/2010/main" spd="slow"/>
-    </mc:Fallback>
-  </mc:AlternateContent>
-  <p:timing>
-    <p:tnLst>
-      <p:par>
-        <p:cTn xmlns:p14="http://schemas.microsoft.com/office/powerpoint/2010/main" id="1" dur="indefinite" restart="never" nodeType="tmRoot"/>
-      </p:par>
-    </p:tnLst>
-  </p:timing>
-</p:sld>
-</file>
-
-<file path=ppt/slides/slide4.xml><?xml version="1.0" encoding="utf-8"?>
-<p:sld xmlns:a="http://schemas.openxmlformats.org/drawingml/2006/main" xmlns:r="http://schemas.openxmlformats.org/officeDocument/2006/relationships" xmlns:p="http://schemas.openxmlformats.org/presentationml/2006/main">
-  <p:cSld>
-    <p:spTree>
-      <p:nvGrpSpPr>
-        <p:cNvPr id="1" name=""/>
-        <p:cNvGrpSpPr/>
-        <p:nvPr/>
-      </p:nvGrpSpPr>
-      <p:grpSpPr>
-        <a:xfrm>
-          <a:off x="0" y="0"/>
-          <a:ext cx="0" cy="0"/>
-          <a:chOff x="0" y="0"/>
-          <a:chExt cx="0" cy="0"/>
-        </a:xfrm>
-      </p:grpSpPr>
-      <p:sp>
-        <p:nvSpPr>
-          <p:cNvPr id="6145" name="Title 1"/>
-          <p:cNvSpPr>
-            <a:spLocks noGrp="1"/>
-          </p:cNvSpPr>
-          <p:nvPr>
-            <p:ph type="title"/>
-          </p:nvPr>
-        </p:nvSpPr>
-        <p:spPr bwMode="auto">
-          <a:noFill/>
-          <a:extLst>
-            <a:ext uri="{909E8E84-426E-40dd-AFC4-6F175D3DCCD1}">
-              <a14:hiddenFill xmlns:a14="http://schemas.microsoft.com/office/drawing/2010/main">
-                <a:solidFill>
-                  <a:srgbClr val="FFFFFF"/>
-                </a:solidFill>
-              </a14:hiddenFill>
-            </a:ext>
-            <a:ext uri="{91240B29-F687-4f45-9708-019B960494DF}">
-              <a14:hiddenLine xmlns:a14="http://schemas.microsoft.com/office/drawing/2010/main" w="9525">
-                <a:solidFill>
-                  <a:srgbClr val="000000"/>
-                </a:solidFill>
-                <a:miter lim="800000"/>
-                <a:headEnd/>
-                <a:tailEnd/>
-              </a14:hiddenLine>
-            </a:ext>
-          </a:extLst>
-        </p:spPr>
-        <p:txBody>
-          <a:bodyPr wrap="square" lIns="64291" tIns="32146" rIns="64291" bIns="32146" numCol="1" anchor="t" anchorCtr="0" compatLnSpc="1">
-            <a:prstTxWarp prst="textNoShape">
-              <a:avLst/>
-            </a:prstTxWarp>
-          </a:bodyPr>
-          <a:lstStyle/>
-          <a:p>
-            <a:pPr eaLnBrk="1" hangingPunct="1"/>
-            <a:r>
-              <a:rPr lang="en-US" dirty="0">
-                <a:ea typeface="ヒラギノ角ゴ ProN W3" charset="0"/>
-                <a:cs typeface="ヒラギノ角ゴ ProN W3" charset="0"/>
-              </a:rPr>
-              <a:t>Pre-requisites</a:t>
-            </a:r>
-          </a:p>
-        </p:txBody>
-      </p:sp>
-      <p:sp>
-        <p:nvSpPr>
-          <p:cNvPr id="3" name="Content Placeholder 2"/>
-          <p:cNvSpPr>
-            <a:spLocks noGrp="1"/>
-          </p:cNvSpPr>
-          <p:nvPr>
-            <p:ph idx="1"/>
-          </p:nvPr>
-        </p:nvSpPr>
-        <p:spPr/>
-        <p:txBody>
-          <a:bodyPr>
-            <a:normAutofit/>
-          </a:bodyPr>
-          <a:lstStyle/>
-          <a:p>
-            <a:pPr marL="0" indent="0" eaLnBrk="1" hangingPunct="1">
-              <a:buNone/>
-              <a:defRPr/>
-            </a:pPr>
-            <a:r>
-              <a:rPr lang="en-US" sz="2400" b="1" dirty="0" smtClean="0"/>
-              <a:t>Covered by the Pre-Study Guide</a:t>
-            </a:r>
-          </a:p>
-          <a:p>
-            <a:pPr eaLnBrk="1" hangingPunct="1">
-              <a:defRPr/>
-            </a:pPr>
-            <a:endParaRPr lang="en-US" sz="2400" b="1" dirty="0"/>
-          </a:p>
-          <a:p>
-            <a:pPr eaLnBrk="1" hangingPunct="1">
-              <a:defRPr/>
-            </a:pPr>
-            <a:r>
-              <a:rPr lang="en-US" sz="2400" b="1" dirty="0" smtClean="0"/>
-              <a:t>Command line </a:t>
-            </a:r>
-            <a:r>
-              <a:rPr lang="en-US" sz="2400" dirty="0" smtClean="0"/>
-              <a:t>tooling and Unix commands</a:t>
-            </a:r>
-          </a:p>
-          <a:p>
-            <a:pPr eaLnBrk="1" hangingPunct="1">
-              <a:defRPr/>
-            </a:pPr>
-            <a:r>
-              <a:rPr lang="en-US" sz="2400" dirty="0" smtClean="0"/>
-              <a:t>Some </a:t>
-            </a:r>
-            <a:r>
-              <a:rPr lang="en-US" sz="2400" b="1" dirty="0" smtClean="0"/>
-              <a:t>Python programming </a:t>
-            </a:r>
-            <a:r>
-              <a:rPr lang="en-US" sz="2400" dirty="0" smtClean="0"/>
-              <a:t>and </a:t>
-            </a:r>
-            <a:r>
-              <a:rPr lang="en-US" sz="2400" b="1" dirty="0" smtClean="0"/>
-              <a:t>text editors</a:t>
-            </a:r>
-            <a:endParaRPr lang="en-US" sz="2400" dirty="0" smtClean="0"/>
-          </a:p>
-          <a:p>
-            <a:pPr eaLnBrk="1" hangingPunct="1">
-              <a:defRPr/>
-            </a:pPr>
-            <a:r>
-              <a:rPr lang="en-US" sz="2400" b="1" dirty="0" smtClean="0"/>
-              <a:t>SQL </a:t>
-            </a:r>
-            <a:r>
-              <a:rPr lang="en-US" sz="2400" dirty="0" smtClean="0"/>
-              <a:t>and data manipulation</a:t>
-            </a:r>
-          </a:p>
-          <a:p>
-            <a:pPr eaLnBrk="1" hangingPunct="1">
-              <a:defRPr/>
-            </a:pPr>
-            <a:r>
-              <a:rPr lang="en-US" sz="2400" b="1" dirty="0" smtClean="0"/>
-              <a:t>Understanding</a:t>
-            </a:r>
-            <a:r>
-              <a:rPr lang="en-US" sz="2400" dirty="0" smtClean="0"/>
-              <a:t> of networking, servers and distributed computing </a:t>
-            </a:r>
-            <a:endParaRPr lang="en-US" sz="2400" b="1" dirty="0" smtClean="0"/>
-          </a:p>
-          <a:p>
-            <a:pPr marL="178587" indent="0">
-              <a:buNone/>
-              <a:defRPr/>
-            </a:pPr>
-            <a:endParaRPr lang="en-US" sz="2400" dirty="0"/>
-          </a:p>
-          <a:p>
-            <a:pPr marL="178587" indent="0">
-              <a:buNone/>
-              <a:defRPr/>
-            </a:pPr>
-            <a:endParaRPr lang="en-US" sz="2400" dirty="0"/>
-          </a:p>
-        </p:txBody>
-      </p:sp>
-    </p:spTree>
-    <p:extLst>
-      <p:ext uri="{BB962C8B-B14F-4D97-AF65-F5344CB8AC3E}">
-        <p14:creationId xmlns:p14="http://schemas.microsoft.com/office/powerpoint/2010/main" val="2576520273"/>
       </p:ext>
     </p:extLst>
   </p:cSld>
@@ -6413,7 +6554,7 @@
       </p:grpSpPr>
       <p:sp>
         <p:nvSpPr>
-          <p:cNvPr id="2" name="Title 1"/>
+          <p:cNvPr id="6145" name="Title 1"/>
           <p:cNvSpPr>
             <a:spLocks noGrp="1"/>
           </p:cNvSpPr>
@@ -6421,16 +6562,44 @@
             <p:ph type="title"/>
           </p:nvPr>
         </p:nvSpPr>
-        <p:spPr/>
-        <p:txBody>
-          <a:bodyPr/>
+        <p:spPr bwMode="auto">
+          <a:noFill/>
+          <a:extLst>
+            <a:ext uri="{909E8E84-426E-40dd-AFC4-6F175D3DCCD1}">
+              <a14:hiddenFill xmlns:a14="http://schemas.microsoft.com/office/drawing/2010/main">
+                <a:solidFill>
+                  <a:srgbClr val="FFFFFF"/>
+                </a:solidFill>
+              </a14:hiddenFill>
+            </a:ext>
+            <a:ext uri="{91240B29-F687-4f45-9708-019B960494DF}">
+              <a14:hiddenLine xmlns:a14="http://schemas.microsoft.com/office/drawing/2010/main" w="9525">
+                <a:solidFill>
+                  <a:srgbClr val="000000"/>
+                </a:solidFill>
+                <a:miter lim="800000"/>
+                <a:headEnd/>
+                <a:tailEnd/>
+              </a14:hiddenLine>
+            </a:ext>
+          </a:extLst>
+        </p:spPr>
+        <p:txBody>
+          <a:bodyPr wrap="square" lIns="64291" tIns="32146" rIns="64291" bIns="32146" numCol="1" anchor="t" anchorCtr="0" compatLnSpc="1">
+            <a:prstTxWarp prst="textNoShape">
+              <a:avLst/>
+            </a:prstTxWarp>
+          </a:bodyPr>
           <a:lstStyle/>
           <a:p>
-            <a:r>
-              <a:rPr lang="en-US" dirty="0" smtClean="0"/>
-              <a:t>Format</a:t>
-            </a:r>
-            <a:endParaRPr lang="en-US" dirty="0"/>
+            <a:pPr eaLnBrk="1" hangingPunct="1"/>
+            <a:r>
+              <a:rPr lang="en-US" dirty="0">
+                <a:ea typeface="ヒラギノ角ゴ ProN W3" charset="0"/>
+                <a:cs typeface="ヒラギノ角ゴ ProN W3" charset="0"/>
+              </a:rPr>
+              <a:t>Pre-requisites</a:t>
+            </a:r>
           </a:p>
         </p:txBody>
       </p:sp>
@@ -6451,50 +6620,124 @@
           </a:bodyPr>
           <a:lstStyle/>
           <a:p>
-            <a:r>
-              <a:rPr lang="en-US" dirty="0" smtClean="0"/>
-              <a:t>A mixture of lectures and practical labs</a:t>
-            </a:r>
-          </a:p>
-          <a:p>
-            <a:r>
-              <a:rPr lang="en-US" dirty="0" smtClean="0"/>
-              <a:t>Lectures aim to provide the wider context and background</a:t>
-            </a:r>
-          </a:p>
-          <a:p>
-            <a:pPr lvl="1"/>
-            <a:r>
-              <a:rPr lang="en-US" dirty="0" smtClean="0"/>
-              <a:t>Independent of specific technologies</a:t>
-            </a:r>
-          </a:p>
-          <a:p>
-            <a:r>
-              <a:rPr lang="en-US" dirty="0" smtClean="0"/>
-              <a:t>Labs are based on specific technologies </a:t>
-            </a:r>
-          </a:p>
-          <a:p>
-            <a:pPr lvl="1"/>
-            <a:r>
-              <a:rPr lang="en-US" dirty="0" smtClean="0"/>
-              <a:t>Designed to demonstrate the principles</a:t>
-            </a:r>
-            <a:endParaRPr lang="en-US" dirty="0"/>
+            <a:pPr marL="0" indent="0" eaLnBrk="1" hangingPunct="1">
+              <a:buNone/>
+              <a:defRPr/>
+            </a:pPr>
+            <a:r>
+              <a:rPr lang="en-US" sz="2400" b="1" dirty="0" smtClean="0"/>
+              <a:t>Covered by the Pre-Study Guide</a:t>
+            </a:r>
+          </a:p>
+          <a:p>
+            <a:pPr eaLnBrk="1" hangingPunct="1">
+              <a:defRPr/>
+            </a:pPr>
+            <a:endParaRPr lang="en-US" sz="2400" b="1" dirty="0"/>
+          </a:p>
+          <a:p>
+            <a:pPr eaLnBrk="1" hangingPunct="1">
+              <a:defRPr/>
+            </a:pPr>
+            <a:r>
+              <a:rPr lang="en-US" sz="2400" b="1" dirty="0" smtClean="0"/>
+              <a:t>Command line </a:t>
+            </a:r>
+            <a:r>
+              <a:rPr lang="en-US" sz="2400" dirty="0" smtClean="0"/>
+              <a:t>tooling and Unix commands</a:t>
+            </a:r>
+          </a:p>
+          <a:p>
+            <a:pPr eaLnBrk="1" hangingPunct="1">
+              <a:defRPr/>
+            </a:pPr>
+            <a:r>
+              <a:rPr lang="en-US" sz="2400" dirty="0" smtClean="0"/>
+              <a:t>Some </a:t>
+            </a:r>
+            <a:r>
+              <a:rPr lang="en-US" sz="2400" b="1" dirty="0" smtClean="0"/>
+              <a:t>Python programming </a:t>
+            </a:r>
+            <a:r>
+              <a:rPr lang="en-US" sz="2400" dirty="0" smtClean="0"/>
+              <a:t>and </a:t>
+            </a:r>
+            <a:r>
+              <a:rPr lang="en-US" sz="2400" b="1" dirty="0" smtClean="0"/>
+              <a:t>text editors</a:t>
+            </a:r>
+            <a:endParaRPr lang="en-US" sz="2400" dirty="0" smtClean="0"/>
+          </a:p>
+          <a:p>
+            <a:pPr eaLnBrk="1" hangingPunct="1">
+              <a:defRPr/>
+            </a:pPr>
+            <a:r>
+              <a:rPr lang="en-US" sz="2400" b="1" dirty="0" smtClean="0"/>
+              <a:t>SQL </a:t>
+            </a:r>
+            <a:r>
+              <a:rPr lang="en-US" sz="2400" dirty="0" smtClean="0"/>
+              <a:t>and data manipulation</a:t>
+            </a:r>
+          </a:p>
+          <a:p>
+            <a:pPr eaLnBrk="1" hangingPunct="1">
+              <a:defRPr/>
+            </a:pPr>
+            <a:r>
+              <a:rPr lang="en-US" sz="2400" b="1" dirty="0" smtClean="0"/>
+              <a:t>Understanding</a:t>
+            </a:r>
+            <a:r>
+              <a:rPr lang="en-US" sz="2400" dirty="0" smtClean="0"/>
+              <a:t> of networking, servers and distributed computing </a:t>
+            </a:r>
+            <a:endParaRPr lang="en-US" sz="2400" b="1" dirty="0" smtClean="0"/>
+          </a:p>
+          <a:p>
+            <a:pPr marL="178587" indent="0">
+              <a:buNone/>
+              <a:defRPr/>
+            </a:pPr>
+            <a:endParaRPr lang="en-US" sz="2400" dirty="0"/>
+          </a:p>
+          <a:p>
+            <a:pPr marL="178587" indent="0">
+              <a:buNone/>
+              <a:defRPr/>
+            </a:pPr>
+            <a:endParaRPr lang="en-US" sz="2400" dirty="0"/>
           </a:p>
         </p:txBody>
       </p:sp>
     </p:spTree>
     <p:extLst>
       <p:ext uri="{BB962C8B-B14F-4D97-AF65-F5344CB8AC3E}">
-        <p14:creationId xmlns:p14="http://schemas.microsoft.com/office/powerpoint/2010/main" val="3540329346"/>
+        <p14:creationId xmlns:p14="http://schemas.microsoft.com/office/powerpoint/2010/main" val="2576520273"/>
       </p:ext>
     </p:extLst>
   </p:cSld>
   <p:clrMapOvr>
     <a:masterClrMapping/>
   </p:clrMapOvr>
+  <mc:AlternateContent xmlns:mc="http://schemas.openxmlformats.org/markup-compatibility/2006" xmlns:p14="http://schemas.microsoft.com/office/powerpoint/2010/main">
+    <mc:Choice Requires="p14">
+      <p:transition spd="slow" p14:dur="2000"/>
+    </mc:Choice>
+    <mc:Fallback xmlns="">
+      <p:transition xmlns:p14="http://schemas.microsoft.com/office/powerpoint/2010/main" spd="slow"/>
+    </mc:Fallback>
+  </mc:AlternateContent>
+  <p:timing>
+    <p:tnLst>
+      <p:par>
+        <p:cTn xmlns:p14="http://schemas.microsoft.com/office/powerpoint/2010/main" id="1" dur="indefinite" restart="never" nodeType="tmRoot"/>
+      </p:par>
+    </p:tnLst>
+  </p:timing>
 </p:sld>
 </file>
 
@@ -6532,7 +6775,7 @@
           <a:p>
             <a:r>
               <a:rPr lang="en-US" dirty="0" smtClean="0"/>
-              <a:t>Lab model	</a:t>
+              <a:t>Format</a:t>
             </a:r>
             <a:endParaRPr lang="en-US" dirty="0"/>
           </a:p>
@@ -6550,75 +6793,41 @@
         </p:nvSpPr>
         <p:spPr/>
         <p:txBody>
-          <a:bodyPr/>
+          <a:bodyPr>
+            <a:normAutofit/>
+          </a:bodyPr>
           <a:lstStyle/>
           <a:p>
             <a:r>
               <a:rPr lang="en-US" dirty="0" smtClean="0"/>
-              <a:t>Local Virtual Machine</a:t>
+              <a:t>A mixture of lectures and practical labs</a:t>
+            </a:r>
+          </a:p>
+          <a:p>
+            <a:r>
+              <a:rPr lang="en-US" dirty="0" smtClean="0"/>
+              <a:t>Lectures aim to provide the wider context and background</a:t>
             </a:r>
           </a:p>
           <a:p>
             <a:pPr lvl="1"/>
             <a:r>
               <a:rPr lang="en-US" dirty="0" smtClean="0"/>
-              <a:t>Ubuntu </a:t>
+              <a:t>Independent of specific technologies</a:t>
+            </a:r>
+          </a:p>
+          <a:p>
+            <a:r>
+              <a:rPr lang="en-US" dirty="0" smtClean="0"/>
+              <a:t>Labs are based on specific technologies </a:t>
             </a:r>
           </a:p>
           <a:p>
             <a:pPr lvl="1"/>
             <a:r>
               <a:rPr lang="en-US" dirty="0" smtClean="0"/>
-              <a:t>Pre-installed big data software	</a:t>
-            </a:r>
-          </a:p>
-          <a:p>
-            <a:pPr lvl="2"/>
-            <a:r>
-              <a:rPr lang="en-US" dirty="0" smtClean="0"/>
-              <a:t>E.g. Apache </a:t>
-            </a:r>
-            <a:r>
-              <a:rPr lang="en-US" dirty="0" err="1" smtClean="0"/>
-              <a:t>Hadoop</a:t>
-            </a:r>
-            <a:r>
-              <a:rPr lang="en-US" dirty="0" smtClean="0"/>
-              <a:t> and Spark, </a:t>
-            </a:r>
-            <a:r>
-              <a:rPr lang="en-US" dirty="0" err="1" smtClean="0"/>
-              <a:t>Docker</a:t>
-            </a:r>
-            <a:r>
-              <a:rPr lang="en-US" dirty="0" smtClean="0"/>
-              <a:t>, </a:t>
-            </a:r>
-            <a:r>
-              <a:rPr lang="en-US" dirty="0" err="1" smtClean="0"/>
-              <a:t>etc</a:t>
-            </a:r>
-            <a:endParaRPr lang="en-US" dirty="0" smtClean="0"/>
-          </a:p>
-          <a:p>
-            <a:r>
-              <a:rPr lang="en-US" dirty="0" smtClean="0"/>
-              <a:t>Amazon Web Services</a:t>
-            </a:r>
-          </a:p>
-          <a:p>
-            <a:pPr lvl="1"/>
-            <a:r>
-              <a:rPr lang="en-US" dirty="0" smtClean="0"/>
-              <a:t>Virtual machines in the cloud</a:t>
-            </a:r>
-          </a:p>
-          <a:p>
-            <a:pPr lvl="1"/>
-            <a:endParaRPr lang="en-US" dirty="0" smtClean="0"/>
-          </a:p>
-          <a:p>
-            <a:pPr lvl="1"/>
+              <a:t>Designed to demonstrate the principles</a:t>
+            </a:r>
             <a:endParaRPr lang="en-US" dirty="0"/>
           </a:p>
         </p:txBody>
@@ -6626,7 +6835,7 @@
     </p:spTree>
     <p:extLst>
       <p:ext uri="{BB962C8B-B14F-4D97-AF65-F5344CB8AC3E}">
-        <p14:creationId xmlns:p14="http://schemas.microsoft.com/office/powerpoint/2010/main" val="3810880434"/>
+        <p14:creationId xmlns:p14="http://schemas.microsoft.com/office/powerpoint/2010/main" val="3540329346"/>
       </p:ext>
     </p:extLst>
   </p:cSld>
@@ -6655,6 +6864,144 @@
       </p:grpSpPr>
       <p:sp>
         <p:nvSpPr>
+          <p:cNvPr id="2" name="Title 1"/>
+          <p:cNvSpPr>
+            <a:spLocks noGrp="1"/>
+          </p:cNvSpPr>
+          <p:nvPr>
+            <p:ph type="title"/>
+          </p:nvPr>
+        </p:nvSpPr>
+        <p:spPr/>
+        <p:txBody>
+          <a:bodyPr/>
+          <a:lstStyle/>
+          <a:p>
+            <a:r>
+              <a:rPr lang="en-US" dirty="0" smtClean="0"/>
+              <a:t>Lab model	</a:t>
+            </a:r>
+            <a:endParaRPr lang="en-US" dirty="0"/>
+          </a:p>
+        </p:txBody>
+      </p:sp>
+      <p:sp>
+        <p:nvSpPr>
+          <p:cNvPr id="3" name="Content Placeholder 2"/>
+          <p:cNvSpPr>
+            <a:spLocks noGrp="1"/>
+          </p:cNvSpPr>
+          <p:nvPr>
+            <p:ph idx="1"/>
+          </p:nvPr>
+        </p:nvSpPr>
+        <p:spPr/>
+        <p:txBody>
+          <a:bodyPr/>
+          <a:lstStyle/>
+          <a:p>
+            <a:r>
+              <a:rPr lang="en-US" dirty="0" smtClean="0"/>
+              <a:t>Local Virtual Machine</a:t>
+            </a:r>
+          </a:p>
+          <a:p>
+            <a:pPr lvl="1"/>
+            <a:r>
+              <a:rPr lang="en-US" dirty="0" smtClean="0"/>
+              <a:t>Ubuntu </a:t>
+            </a:r>
+          </a:p>
+          <a:p>
+            <a:pPr lvl="1"/>
+            <a:r>
+              <a:rPr lang="en-US" dirty="0" smtClean="0"/>
+              <a:t>Pre-installed big data software	</a:t>
+            </a:r>
+          </a:p>
+          <a:p>
+            <a:pPr lvl="2"/>
+            <a:r>
+              <a:rPr lang="en-US" dirty="0" smtClean="0"/>
+              <a:t>E.g. Apache </a:t>
+            </a:r>
+            <a:r>
+              <a:rPr lang="en-US" dirty="0" err="1" smtClean="0"/>
+              <a:t>Hadoop</a:t>
+            </a:r>
+            <a:r>
+              <a:rPr lang="en-US" dirty="0" smtClean="0"/>
+              <a:t> and Spark, </a:t>
+            </a:r>
+            <a:r>
+              <a:rPr lang="en-US" dirty="0" err="1" smtClean="0"/>
+              <a:t>Docker</a:t>
+            </a:r>
+            <a:r>
+              <a:rPr lang="en-US" dirty="0" smtClean="0"/>
+              <a:t>, </a:t>
+            </a:r>
+            <a:r>
+              <a:rPr lang="en-US" dirty="0" err="1" smtClean="0"/>
+              <a:t>etc</a:t>
+            </a:r>
+            <a:endParaRPr lang="en-US" dirty="0" smtClean="0"/>
+          </a:p>
+          <a:p>
+            <a:r>
+              <a:rPr lang="en-US" dirty="0" smtClean="0"/>
+              <a:t>Amazon Web Services</a:t>
+            </a:r>
+          </a:p>
+          <a:p>
+            <a:pPr lvl="1"/>
+            <a:r>
+              <a:rPr lang="en-US" dirty="0" smtClean="0"/>
+              <a:t>Virtual machines in the cloud</a:t>
+            </a:r>
+          </a:p>
+          <a:p>
+            <a:pPr lvl="1"/>
+            <a:endParaRPr lang="en-US" dirty="0" smtClean="0"/>
+          </a:p>
+          <a:p>
+            <a:pPr lvl="1"/>
+            <a:endParaRPr lang="en-US" dirty="0"/>
+          </a:p>
+        </p:txBody>
+      </p:sp>
+    </p:spTree>
+    <p:extLst>
+      <p:ext uri="{BB962C8B-B14F-4D97-AF65-F5344CB8AC3E}">
+        <p14:creationId xmlns:p14="http://schemas.microsoft.com/office/powerpoint/2010/main" val="3810880434"/>
+      </p:ext>
+    </p:extLst>
+  </p:cSld>
+  <p:clrMapOvr>
+    <a:masterClrMapping/>
+  </p:clrMapOvr>
+</p:sld>
+</file>
+
+<file path=ppt/slides/slide8.xml><?xml version="1.0" encoding="utf-8"?>
+<p:sld xmlns:a="http://schemas.openxmlformats.org/drawingml/2006/main" xmlns:r="http://schemas.openxmlformats.org/officeDocument/2006/relationships" xmlns:p="http://schemas.openxmlformats.org/presentationml/2006/main">
+  <p:cSld>
+    <p:spTree>
+      <p:nvGrpSpPr>
+        <p:cNvPr id="1" name=""/>
+        <p:cNvGrpSpPr/>
+        <p:nvPr/>
+      </p:nvGrpSpPr>
+      <p:grpSpPr>
+        <a:xfrm>
+          <a:off x="0" y="0"/>
+          <a:ext cx="0" cy="0"/>
+          <a:chOff x="0" y="0"/>
+          <a:chExt cx="0" cy="0"/>
+        </a:xfrm>
+      </p:grpSpPr>
+      <p:sp>
+        <p:nvSpPr>
           <p:cNvPr id="7169" name="Title 1"/>
           <p:cNvSpPr>
             <a:spLocks noGrp="1"/>
@@ -6860,285 +7207,6 @@
     <p:extLst>
       <p:ext uri="{BB962C8B-B14F-4D97-AF65-F5344CB8AC3E}">
         <p14:creationId xmlns:p14="http://schemas.microsoft.com/office/powerpoint/2010/main" val="3618617325"/>
-      </p:ext>
-    </p:extLst>
-  </p:cSld>
-  <p:clrMapOvr>
-    <a:masterClrMapping/>
-  </p:clrMapOvr>
-  <mc:AlternateContent xmlns:mc="http://schemas.openxmlformats.org/markup-compatibility/2006" xmlns:p14="http://schemas.microsoft.com/office/powerpoint/2010/main">
-    <mc:Choice Requires="p14">
-      <p:transition spd="slow" p14:dur="2000"/>
-    </mc:Choice>
-    <mc:Fallback xmlns="">
-      <p:transition xmlns:p14="http://schemas.microsoft.com/office/powerpoint/2010/main" spd="slow"/>
-    </mc:Fallback>
-  </mc:AlternateContent>
-  <p:timing>
-    <p:tnLst>
-      <p:par>
-        <p:cTn xmlns:p14="http://schemas.microsoft.com/office/powerpoint/2010/main" id="1" dur="indefinite" restart="never" nodeType="tmRoot"/>
-      </p:par>
-    </p:tnLst>
-  </p:timing>
-</p:sld>
-</file>
-
-<file path=ppt/slides/slide8.xml><?xml version="1.0" encoding="utf-8"?>
-<p:sld xmlns:a="http://schemas.openxmlformats.org/drawingml/2006/main" xmlns:r="http://schemas.openxmlformats.org/officeDocument/2006/relationships" xmlns:p="http://schemas.openxmlformats.org/presentationml/2006/main">
-  <p:cSld>
-    <p:spTree>
-      <p:nvGrpSpPr>
-        <p:cNvPr id="1" name=""/>
-        <p:cNvGrpSpPr/>
-        <p:nvPr/>
-      </p:nvGrpSpPr>
-      <p:grpSpPr>
-        <a:xfrm>
-          <a:off x="0" y="0"/>
-          <a:ext cx="0" cy="0"/>
-          <a:chOff x="0" y="0"/>
-          <a:chExt cx="0" cy="0"/>
-        </a:xfrm>
-      </p:grpSpPr>
-      <p:sp>
-        <p:nvSpPr>
-          <p:cNvPr id="8193" name="Title 1"/>
-          <p:cNvSpPr>
-            <a:spLocks noGrp="1"/>
-          </p:cNvSpPr>
-          <p:nvPr>
-            <p:ph type="title"/>
-          </p:nvPr>
-        </p:nvSpPr>
-        <p:spPr bwMode="auto">
-          <a:noFill/>
-          <a:extLst>
-            <a:ext uri="{909E8E84-426E-40dd-AFC4-6F175D3DCCD1}">
-              <a14:hiddenFill xmlns:a14="http://schemas.microsoft.com/office/drawing/2010/main">
-                <a:solidFill>
-                  <a:srgbClr val="FFFFFF"/>
-                </a:solidFill>
-              </a14:hiddenFill>
-            </a:ext>
-            <a:ext uri="{91240B29-F687-4f45-9708-019B960494DF}">
-              <a14:hiddenLine xmlns:a14="http://schemas.microsoft.com/office/drawing/2010/main" w="9525">
-                <a:solidFill>
-                  <a:srgbClr val="000000"/>
-                </a:solidFill>
-                <a:miter lim="800000"/>
-                <a:headEnd/>
-                <a:tailEnd/>
-              </a14:hiddenLine>
-            </a:ext>
-          </a:extLst>
-        </p:spPr>
-        <p:txBody>
-          <a:bodyPr wrap="square" lIns="64291" tIns="32146" rIns="64291" bIns="32146" numCol="1" anchor="t" anchorCtr="0" compatLnSpc="1">
-            <a:prstTxWarp prst="textNoShape">
-              <a:avLst/>
-            </a:prstTxWarp>
-          </a:bodyPr>
-          <a:lstStyle/>
-          <a:p>
-            <a:pPr eaLnBrk="1" hangingPunct="1"/>
-            <a:r>
-              <a:rPr lang="en-US" dirty="0" err="1">
-                <a:ea typeface="ヒラギノ角ゴ ProN W3" charset="0"/>
-                <a:cs typeface="ヒラギノ角ゴ ProN W3" charset="0"/>
-              </a:rPr>
-              <a:t>Practicals</a:t>
-            </a:r>
-            <a:endParaRPr lang="en-US" dirty="0">
-              <a:ea typeface="ヒラギノ角ゴ ProN W3" charset="0"/>
-              <a:cs typeface="ヒラギノ角ゴ ProN W3" charset="0"/>
-            </a:endParaRPr>
-          </a:p>
-        </p:txBody>
-      </p:sp>
-      <p:sp>
-        <p:nvSpPr>
-          <p:cNvPr id="8194" name="Content Placeholder 2"/>
-          <p:cNvSpPr>
-            <a:spLocks noGrp="1"/>
-          </p:cNvSpPr>
-          <p:nvPr>
-            <p:ph idx="1"/>
-          </p:nvPr>
-        </p:nvSpPr>
-        <p:spPr bwMode="auto">
-          <a:noFill/>
-          <a:extLst>
-            <a:ext uri="{909E8E84-426E-40dd-AFC4-6F175D3DCCD1}">
-              <a14:hiddenFill xmlns:a14="http://schemas.microsoft.com/office/drawing/2010/main">
-                <a:solidFill>
-                  <a:srgbClr val="FFFFFF"/>
-                </a:solidFill>
-              </a14:hiddenFill>
-            </a:ext>
-            <a:ext uri="{91240B29-F687-4f45-9708-019B960494DF}">
-              <a14:hiddenLine xmlns:a14="http://schemas.microsoft.com/office/drawing/2010/main" w="9525">
-                <a:solidFill>
-                  <a:srgbClr val="000000"/>
-                </a:solidFill>
-                <a:miter lim="800000"/>
-                <a:headEnd/>
-                <a:tailEnd/>
-              </a14:hiddenLine>
-            </a:ext>
-          </a:extLst>
-        </p:spPr>
-        <p:txBody>
-          <a:bodyPr wrap="square" lIns="64291" tIns="32146" rIns="64291" bIns="32146" numCol="1" anchor="t" anchorCtr="0" compatLnSpc="1">
-            <a:prstTxWarp prst="textNoShape">
-              <a:avLst/>
-            </a:prstTxWarp>
-            <a:normAutofit fontScale="92500" lnSpcReduction="10000"/>
-          </a:bodyPr>
-          <a:lstStyle/>
-          <a:p>
-            <a:pPr eaLnBrk="1" hangingPunct="1"/>
-            <a:r>
-              <a:rPr lang="en-US" dirty="0" smtClean="0">
-                <a:ea typeface="ヒラギノ角ゴ ProN W3" charset="0"/>
-                <a:cs typeface="ヒラギノ角ゴ ProN W3" charset="0"/>
-              </a:rPr>
-              <a:t>Using Cloud Services</a:t>
-            </a:r>
-          </a:p>
-          <a:p>
-            <a:pPr eaLnBrk="1" hangingPunct="1"/>
-            <a:r>
-              <a:rPr lang="en-US" dirty="0" smtClean="0">
-                <a:ea typeface="ヒラギノ角ゴ ProN W3" charset="0"/>
-                <a:cs typeface="ヒラギノ角ゴ ProN W3" charset="0"/>
-              </a:rPr>
-              <a:t>Elastic scaling</a:t>
-            </a:r>
-          </a:p>
-          <a:p>
-            <a:pPr eaLnBrk="1" hangingPunct="1"/>
-            <a:r>
-              <a:rPr lang="en-US" dirty="0" err="1" smtClean="0">
-                <a:ea typeface="ヒラギノ角ゴ ProN W3" charset="0"/>
-                <a:cs typeface="ヒラギノ角ゴ ProN W3" charset="0"/>
-              </a:rPr>
-              <a:t>Hadoop</a:t>
-            </a:r>
-            <a:r>
-              <a:rPr lang="en-US" dirty="0" smtClean="0">
-                <a:ea typeface="ヒラギノ角ゴ ProN W3" charset="0"/>
-                <a:cs typeface="ヒラギノ角ゴ ProN W3" charset="0"/>
-              </a:rPr>
-              <a:t> and Map Reduce</a:t>
-            </a:r>
-          </a:p>
-          <a:p>
-            <a:pPr eaLnBrk="1" hangingPunct="1"/>
-            <a:r>
-              <a:rPr lang="en-US" dirty="0" smtClean="0">
-                <a:ea typeface="ヒラギノ角ゴ ProN W3" charset="0"/>
-                <a:cs typeface="ヒラギノ角ゴ ProN W3" charset="0"/>
-              </a:rPr>
-              <a:t>Spark, </a:t>
-            </a:r>
-            <a:r>
-              <a:rPr lang="en-US" dirty="0" err="1" smtClean="0">
-                <a:ea typeface="ヒラギノ角ゴ ProN W3" charset="0"/>
-                <a:cs typeface="ヒラギノ角ゴ ProN W3" charset="0"/>
-              </a:rPr>
-              <a:t>SparkSQL</a:t>
-            </a:r>
-            <a:endParaRPr lang="en-US" dirty="0" smtClean="0">
-              <a:ea typeface="ヒラギノ角ゴ ProN W3" charset="0"/>
-              <a:cs typeface="ヒラギノ角ゴ ProN W3" charset="0"/>
-            </a:endParaRPr>
-          </a:p>
-          <a:p>
-            <a:pPr eaLnBrk="1" hangingPunct="1"/>
-            <a:r>
-              <a:rPr lang="en-US" dirty="0" smtClean="0">
-                <a:ea typeface="ヒラギノ角ゴ ProN W3" charset="0"/>
-                <a:cs typeface="ヒラギノ角ゴ ProN W3" charset="0"/>
-              </a:rPr>
-              <a:t>Cassandra and </a:t>
-            </a:r>
-            <a:r>
-              <a:rPr lang="en-US" dirty="0" err="1" smtClean="0">
-                <a:ea typeface="ヒラギノ角ゴ ProN W3" charset="0"/>
-                <a:cs typeface="ヒラギノ角ゴ ProN W3" charset="0"/>
-              </a:rPr>
-              <a:t>NoSQL</a:t>
-            </a:r>
-            <a:endParaRPr lang="en-US" dirty="0" smtClean="0">
-              <a:ea typeface="ヒラギノ角ゴ ProN W3" charset="0"/>
-              <a:cs typeface="ヒラギノ角ゴ ProN W3" charset="0"/>
-            </a:endParaRPr>
-          </a:p>
-          <a:p>
-            <a:pPr eaLnBrk="1" hangingPunct="1"/>
-            <a:r>
-              <a:rPr lang="en-US" dirty="0" smtClean="0">
-                <a:ea typeface="ヒラギノ角ゴ ProN W3" charset="0"/>
-                <a:cs typeface="ヒラギノ角ゴ ProN W3" charset="0"/>
-              </a:rPr>
-              <a:t>Spark and Cassandra together</a:t>
-            </a:r>
-          </a:p>
-          <a:p>
-            <a:pPr eaLnBrk="1" hangingPunct="1"/>
-            <a:r>
-              <a:rPr lang="en-US" dirty="0" err="1" smtClean="0">
-                <a:ea typeface="ヒラギノ角ゴ ProN W3" charset="0"/>
-                <a:cs typeface="ヒラギノ角ゴ ProN W3" charset="0"/>
-              </a:rPr>
-              <a:t>Realtime</a:t>
-            </a:r>
-            <a:r>
-              <a:rPr lang="en-US" dirty="0">
-                <a:ea typeface="ヒラギノ角ゴ ProN W3" charset="0"/>
-                <a:cs typeface="ヒラギノ角ゴ ProN W3" charset="0"/>
-              </a:rPr>
-              <a:t> </a:t>
-            </a:r>
-            <a:r>
-              <a:rPr lang="en-US" dirty="0" smtClean="0">
-                <a:ea typeface="ヒラギノ角ゴ ProN W3" charset="0"/>
-                <a:cs typeface="ヒラギノ角ゴ ProN W3" charset="0"/>
-              </a:rPr>
-              <a:t>big data</a:t>
-            </a:r>
-          </a:p>
-          <a:p>
-            <a:pPr eaLnBrk="1" hangingPunct="1"/>
-            <a:r>
-              <a:rPr lang="en-US" dirty="0" smtClean="0">
-                <a:ea typeface="ヒラギノ角ゴ ProN W3" charset="0"/>
-                <a:cs typeface="ヒラギノ角ゴ ProN W3" charset="0"/>
-              </a:rPr>
-              <a:t>Containers</a:t>
-            </a:r>
-          </a:p>
-          <a:p>
-            <a:pPr eaLnBrk="1" hangingPunct="1"/>
-            <a:r>
-              <a:rPr lang="en-US" dirty="0" err="1" smtClean="0">
-                <a:ea typeface="ヒラギノ角ゴ ProN W3" charset="0"/>
-                <a:cs typeface="ヒラギノ角ゴ ProN W3" charset="0"/>
-              </a:rPr>
-              <a:t>Visualisation</a:t>
-            </a:r>
-            <a:endParaRPr lang="en-US" dirty="0">
-              <a:ea typeface="ヒラギノ角ゴ ProN W3" charset="0"/>
-              <a:cs typeface="ヒラギノ角ゴ ProN W3" charset="0"/>
-            </a:endParaRPr>
-          </a:p>
-        </p:txBody>
-      </p:sp>
-    </p:spTree>
-    <p:extLst>
-      <p:ext uri="{BB962C8B-B14F-4D97-AF65-F5344CB8AC3E}">
-        <p14:creationId xmlns:p14="http://schemas.microsoft.com/office/powerpoint/2010/main" val="3934740033"/>
       </p:ext>
     </p:extLst>
   </p:cSld>
@@ -7182,7 +7250,7 @@
       </p:grpSpPr>
       <p:sp>
         <p:nvSpPr>
-          <p:cNvPr id="9217" name="Title 1"/>
+          <p:cNvPr id="8193" name="Title 1"/>
           <p:cNvSpPr>
             <a:spLocks noGrp="1"/>
           </p:cNvSpPr>
@@ -7222,11 +7290,11 @@
           <a:p>
             <a:pPr eaLnBrk="1" hangingPunct="1"/>
             <a:r>
-              <a:rPr lang="en-US" dirty="0" smtClean="0">
-                <a:ea typeface="ヒラギノ角ゴ ProN W3" charset="0"/>
-                <a:cs typeface="ヒラギノ角ゴ ProN W3" charset="0"/>
-              </a:rPr>
-              <a:t>Specific Objectives</a:t>
+              <a:rPr lang="en-US" dirty="0" err="1">
+                <a:ea typeface="ヒラギノ角ゴ ProN W3" charset="0"/>
+                <a:cs typeface="ヒラギノ角ゴ ProN W3" charset="0"/>
+              </a:rPr>
+              <a:t>Practicals</a:t>
             </a:r>
             <a:endParaRPr lang="en-US" dirty="0">
               <a:ea typeface="ヒラギノ角ゴ ProN W3" charset="0"/>
@@ -7237,7 +7305,7 @@
       </p:sp>
       <p:sp>
         <p:nvSpPr>
-          <p:cNvPr id="9218" name="Content Placeholder 2"/>
+          <p:cNvPr id="8194" name="Content Placeholder 2"/>
           <p:cNvSpPr>
             <a:spLocks noGrp="1"/>
           </p:cNvSpPr>
@@ -7272,169 +7340,152 @@
             <a:prstTxWarp prst="textNoShape">
               <a:avLst/>
             </a:prstTxWarp>
-            <a:noAutofit/>
+            <a:normAutofit fontScale="92500" lnSpcReduction="10000"/>
           </a:bodyPr>
           <a:lstStyle/>
           <a:p>
             <a:pPr eaLnBrk="1" hangingPunct="1"/>
             <a:r>
-              <a:rPr lang="en-US" sz="2000" dirty="0" smtClean="0">
-                <a:ea typeface="ヒラギノ角ゴ ProN W3" charset="0"/>
-                <a:cs typeface="ヒラギノ角ゴ ProN W3" charset="0"/>
-              </a:rPr>
-              <a:t>Understand the principles of cloud computing</a:t>
-            </a:r>
-          </a:p>
-          <a:p>
-            <a:pPr lvl="1"/>
-            <a:r>
-              <a:rPr lang="en-US" sz="1800" dirty="0" smtClean="0">
-                <a:ea typeface="ヒラギノ角ゴ ProN W3" charset="0"/>
-                <a:cs typeface="ヒラギノ角ゴ ProN W3" charset="0"/>
-              </a:rPr>
-              <a:t>Theory of scalability </a:t>
-            </a:r>
-          </a:p>
-          <a:p>
-            <a:pPr lvl="1"/>
-            <a:r>
-              <a:rPr lang="en-US" sz="1800" dirty="0" smtClean="0">
-                <a:ea typeface="ヒラギノ角ゴ ProN W3" charset="0"/>
-                <a:cs typeface="ヒラギノ角ゴ ProN W3" charset="0"/>
-              </a:rPr>
-              <a:t>Including scalability and deployment</a:t>
-            </a:r>
-          </a:p>
-          <a:p>
-            <a:pPr lvl="1"/>
-            <a:r>
-              <a:rPr lang="en-US" sz="1800" dirty="0" err="1" smtClean="0">
-                <a:ea typeface="ヒラギノ角ゴ ProN W3" charset="0"/>
-                <a:cs typeface="ヒラギノ角ゴ ProN W3" charset="0"/>
-              </a:rPr>
-              <a:t>IaaS</a:t>
-            </a:r>
-            <a:r>
-              <a:rPr lang="en-US" sz="1800" dirty="0" smtClean="0">
-                <a:ea typeface="ヒラギノ角ゴ ProN W3" charset="0"/>
-                <a:cs typeface="ヒラギノ角ゴ ProN W3" charset="0"/>
-              </a:rPr>
-              <a:t> frameworks, </a:t>
-            </a:r>
-            <a:r>
-              <a:rPr lang="en-US" sz="1800" dirty="0" err="1" smtClean="0">
-                <a:ea typeface="ヒラギノ角ゴ ProN W3" charset="0"/>
-                <a:cs typeface="ヒラギノ角ゴ ProN W3" charset="0"/>
-              </a:rPr>
-              <a:t>PaaS</a:t>
-            </a:r>
-            <a:r>
-              <a:rPr lang="en-US" sz="1800" dirty="0" smtClean="0">
-                <a:ea typeface="ヒラギノ角ゴ ProN W3" charset="0"/>
-                <a:cs typeface="ヒラギノ角ゴ ProN W3" charset="0"/>
-              </a:rPr>
-              <a:t>, containers</a:t>
+              <a:rPr lang="en-US" dirty="0" smtClean="0">
+                <a:ea typeface="ヒラギノ角ゴ ProN W3" charset="0"/>
+                <a:cs typeface="ヒラギノ角ゴ ProN W3" charset="0"/>
+              </a:rPr>
+              <a:t>Using Cloud Services</a:t>
             </a:r>
           </a:p>
           <a:p>
             <a:pPr eaLnBrk="1" hangingPunct="1"/>
             <a:r>
-              <a:rPr lang="en-US" sz="2000" dirty="0" smtClean="0">
-                <a:ea typeface="ヒラギノ角ゴ ProN W3" charset="0"/>
-                <a:cs typeface="ヒラギノ角ゴ ProN W3" charset="0"/>
-              </a:rPr>
-              <a:t>Understand Big Data approaches, technologies and techniques</a:t>
-            </a:r>
-          </a:p>
-          <a:p>
-            <a:pPr lvl="1"/>
-            <a:r>
-              <a:rPr lang="en-US" sz="1800" dirty="0" smtClean="0">
-                <a:ea typeface="ヒラギノ角ゴ ProN W3" charset="0"/>
-                <a:cs typeface="ヒラギノ角ゴ ProN W3" charset="0"/>
-              </a:rPr>
-              <a:t>Theoretical background and approaches</a:t>
-            </a:r>
-          </a:p>
-          <a:p>
-            <a:pPr lvl="1"/>
-            <a:r>
-              <a:rPr lang="en-US" sz="1800" dirty="0" smtClean="0">
-                <a:ea typeface="ヒラギノ角ゴ ProN W3" charset="0"/>
-                <a:cs typeface="ヒラギノ角ゴ ProN W3" charset="0"/>
-              </a:rPr>
-              <a:t>Including Map Reduce, </a:t>
-            </a:r>
-            <a:r>
-              <a:rPr lang="en-US" sz="1800" dirty="0" err="1" smtClean="0">
-                <a:ea typeface="ヒラギノ角ゴ ProN W3" charset="0"/>
-                <a:cs typeface="ヒラギノ角ゴ ProN W3" charset="0"/>
-              </a:rPr>
-              <a:t>NoSQL</a:t>
-            </a:r>
-            <a:r>
-              <a:rPr lang="en-US" sz="1800" dirty="0" smtClean="0">
-                <a:ea typeface="ヒラギノ角ゴ ProN W3" charset="0"/>
-                <a:cs typeface="ヒラギノ角ゴ ProN W3" charset="0"/>
-              </a:rPr>
-              <a:t>, </a:t>
-            </a:r>
-            <a:r>
-              <a:rPr lang="en-US" sz="1800" dirty="0" err="1" smtClean="0">
-                <a:ea typeface="ヒラギノ角ゴ ProN W3" charset="0"/>
-                <a:cs typeface="ヒラギノ角ゴ ProN W3" charset="0"/>
-              </a:rPr>
-              <a:t>Realtime</a:t>
-            </a:r>
-            <a:endParaRPr lang="en-US" sz="1800" dirty="0" smtClean="0">
+              <a:rPr lang="en-US" dirty="0" smtClean="0">
+                <a:ea typeface="ヒラギノ角ゴ ProN W3" charset="0"/>
+                <a:cs typeface="ヒラギノ角ゴ ProN W3" charset="0"/>
+              </a:rPr>
+              <a:t>Elastic scaling</a:t>
+            </a:r>
+          </a:p>
+          <a:p>
+            <a:pPr eaLnBrk="1" hangingPunct="1"/>
+            <a:r>
+              <a:rPr lang="en-US" dirty="0" err="1" smtClean="0">
+                <a:ea typeface="ヒラギノ角ゴ ProN W3" charset="0"/>
+                <a:cs typeface="ヒラギノ角ゴ ProN W3" charset="0"/>
+              </a:rPr>
+              <a:t>Hadoop</a:t>
+            </a:r>
+            <a:r>
+              <a:rPr lang="en-US" dirty="0" smtClean="0">
+                <a:ea typeface="ヒラギノ角ゴ ProN W3" charset="0"/>
+                <a:cs typeface="ヒラギノ角ゴ ProN W3" charset="0"/>
+              </a:rPr>
+              <a:t> and Map Reduce</a:t>
+            </a:r>
+          </a:p>
+          <a:p>
+            <a:pPr eaLnBrk="1" hangingPunct="1"/>
+            <a:r>
+              <a:rPr lang="en-US" dirty="0" smtClean="0">
+                <a:ea typeface="ヒラギノ角ゴ ProN W3" charset="0"/>
+                <a:cs typeface="ヒラギノ角ゴ ProN W3" charset="0"/>
+              </a:rPr>
+              <a:t>Spark, </a:t>
+            </a:r>
+            <a:r>
+              <a:rPr lang="en-US" dirty="0" err="1" smtClean="0">
+                <a:ea typeface="ヒラギノ角ゴ ProN W3" charset="0"/>
+                <a:cs typeface="ヒラギノ角ゴ ProN W3" charset="0"/>
+              </a:rPr>
+              <a:t>SparkSQL</a:t>
+            </a:r>
+            <a:endParaRPr lang="en-US" dirty="0" smtClean="0">
               <a:ea typeface="ヒラギノ角ゴ ProN W3" charset="0"/>
               <a:cs typeface="ヒラギノ角ゴ ProN W3" charset="0"/>
             </a:endParaRPr>
           </a:p>
           <a:p>
-            <a:r>
-              <a:rPr lang="en-US" sz="2000" dirty="0" smtClean="0">
-                <a:ea typeface="ヒラギノ角ゴ ProN W3" charset="0"/>
-                <a:cs typeface="ヒラギノ角ゴ ProN W3" charset="0"/>
-              </a:rPr>
-              <a:t>Be able to design and implement scalable cloud and big </a:t>
-            </a:r>
-            <a:r>
-              <a:rPr lang="en-US" sz="2000" dirty="0">
-                <a:ea typeface="ヒラギノ角ゴ ProN W3" charset="0"/>
-                <a:cs typeface="ヒラギノ角ゴ ProN W3" charset="0"/>
-              </a:rPr>
-              <a:t>d</a:t>
-            </a:r>
-            <a:r>
-              <a:rPr lang="en-US" sz="2000" dirty="0" smtClean="0">
-                <a:ea typeface="ヒラギノ角ゴ ProN W3" charset="0"/>
-                <a:cs typeface="ヒラギノ角ゴ ProN W3" charset="0"/>
-              </a:rPr>
-              <a:t>ata systems</a:t>
-            </a:r>
-          </a:p>
-          <a:p>
-            <a:r>
-              <a:rPr lang="en-US" sz="2000" dirty="0" smtClean="0">
-                <a:ea typeface="ヒラギノ角ゴ ProN W3" charset="0"/>
-                <a:cs typeface="ヒラギノ角ゴ ProN W3" charset="0"/>
-              </a:rPr>
-              <a:t>Understand and implement effective Open Source systems on Amazon EC2</a:t>
-            </a:r>
-          </a:p>
-          <a:p>
-            <a:endParaRPr lang="en-US" sz="2000" dirty="0">
+            <a:pPr eaLnBrk="1" hangingPunct="1"/>
+            <a:r>
+              <a:rPr lang="en-US" dirty="0" smtClean="0">
+                <a:ea typeface="ヒラギノ角ゴ ProN W3" charset="0"/>
+                <a:cs typeface="ヒラギノ角ゴ ProN W3" charset="0"/>
+              </a:rPr>
+              <a:t>Cassandra and </a:t>
+            </a:r>
+            <a:r>
+              <a:rPr lang="en-US" dirty="0" err="1" smtClean="0">
+                <a:ea typeface="ヒラギノ角ゴ ProN W3" charset="0"/>
+                <a:cs typeface="ヒラギノ角ゴ ProN W3" charset="0"/>
+              </a:rPr>
+              <a:t>NoSQL</a:t>
+            </a:r>
+            <a:endParaRPr lang="en-US" dirty="0" smtClean="0">
               <a:ea typeface="ヒラギノ角ゴ ProN W3" charset="0"/>
               <a:cs typeface="ヒラギノ角ゴ ProN W3" charset="0"/>
             </a:endParaRPr>
           </a:p>
+          <a:p>
+            <a:pPr eaLnBrk="1" hangingPunct="1"/>
+            <a:r>
+              <a:rPr lang="en-US" dirty="0" smtClean="0">
+                <a:ea typeface="ヒラギノ角ゴ ProN W3" charset="0"/>
+                <a:cs typeface="ヒラギノ角ゴ ProN W3" charset="0"/>
+              </a:rPr>
+              <a:t>Spark and Cassandra together</a:t>
+            </a:r>
+          </a:p>
+          <a:p>
+            <a:pPr eaLnBrk="1" hangingPunct="1"/>
+            <a:r>
+              <a:rPr lang="en-US" dirty="0" err="1" smtClean="0">
+                <a:ea typeface="ヒラギノ角ゴ ProN W3" charset="0"/>
+                <a:cs typeface="ヒラギノ角ゴ ProN W3" charset="0"/>
+              </a:rPr>
+              <a:t>Realtime</a:t>
+            </a:r>
+            <a:r>
+              <a:rPr lang="en-US" dirty="0">
+                <a:ea typeface="ヒラギノ角ゴ ProN W3" charset="0"/>
+                <a:cs typeface="ヒラギノ角ゴ ProN W3" charset="0"/>
+              </a:rPr>
+              <a:t> </a:t>
+            </a:r>
+            <a:r>
+              <a:rPr lang="en-US" dirty="0" smtClean="0">
+                <a:ea typeface="ヒラギノ角ゴ ProN W3" charset="0"/>
+                <a:cs typeface="ヒラギノ角ゴ ProN W3" charset="0"/>
+              </a:rPr>
+              <a:t>big data</a:t>
+            </a:r>
+          </a:p>
+          <a:p>
+            <a:pPr eaLnBrk="1" hangingPunct="1"/>
+            <a:r>
+              <a:rPr lang="en-US" dirty="0" smtClean="0">
+                <a:ea typeface="ヒラギノ角ゴ ProN W3" charset="0"/>
+                <a:cs typeface="ヒラギノ角ゴ ProN W3" charset="0"/>
+              </a:rPr>
+              <a:t>Containers</a:t>
+            </a:r>
+          </a:p>
+          <a:p>
+            <a:pPr eaLnBrk="1" hangingPunct="1"/>
+            <a:r>
+              <a:rPr lang="en-US" dirty="0" err="1" smtClean="0">
+                <a:ea typeface="ヒラギノ角ゴ ProN W3" charset="0"/>
+                <a:cs typeface="ヒラギノ角ゴ ProN W3" charset="0"/>
+              </a:rPr>
+              <a:t>Visualisation</a:t>
+            </a:r>
+            <a:endParaRPr lang="en-US" dirty="0">
+              <a:ea typeface="ヒラギノ角ゴ ProN W3" charset="0"/>
+              <a:cs typeface="ヒラギノ角ゴ ProN W3" charset="0"/>
+            </a:endParaRPr>
+          </a:p>
         </p:txBody>
       </p:sp>
     </p:spTree>
     <p:extLst>
       <p:ext uri="{BB962C8B-B14F-4D97-AF65-F5344CB8AC3E}">
-        <p14:creationId xmlns:p14="http://schemas.microsoft.com/office/powerpoint/2010/main" val="1239434471"/>
+        <p14:creationId xmlns:p14="http://schemas.microsoft.com/office/powerpoint/2010/main" val="3934740033"/>
       </p:ext>
     </p:extLst>
   </p:cSld>

--- a/pres-source/00-intro.pptx
+++ b/pres-source/00-intro.pptx
@@ -214,7 +214,7 @@
             <a:fld id="{7307762F-A706-E543-A832-3C298AA3103F}" type="datetimeFigureOut">
               <a:rPr lang="en-US" smtClean="0"/>
               <a:pPr/>
-              <a:t>22/05/17</a:t>
+              <a:t>07/07/17</a:t>
             </a:fld>
             <a:endParaRPr lang="en-US" dirty="0"/>
           </a:p>
@@ -781,7 +781,7 @@
           <a:p>
             <a:fld id="{875CF0EB-321F-0749-B37A-89BBA859503C}" type="datetimeFigureOut">
               <a:rPr lang="en-US" smtClean="0"/>
-              <a:t>22/05/17</a:t>
+              <a:t>07/07/17</a:t>
             </a:fld>
             <a:endParaRPr lang="en-US"/>
           </a:p>
@@ -985,7 +985,7 @@
           <a:p>
             <a:fld id="{875CF0EB-321F-0749-B37A-89BBA859503C}" type="datetimeFigureOut">
               <a:rPr lang="en-US" smtClean="0"/>
-              <a:t>22/05/17</a:t>
+              <a:t>07/07/17</a:t>
             </a:fld>
             <a:endParaRPr lang="en-US"/>
           </a:p>
@@ -1179,7 +1179,7 @@
           <a:p>
             <a:fld id="{875CF0EB-321F-0749-B37A-89BBA859503C}" type="datetimeFigureOut">
               <a:rPr lang="en-US" smtClean="0"/>
-              <a:t>22/05/17</a:t>
+              <a:t>07/07/17</a:t>
             </a:fld>
             <a:endParaRPr lang="en-US"/>
           </a:p>
@@ -1449,7 +1449,7 @@
           <a:p>
             <a:fld id="{875CF0EB-321F-0749-B37A-89BBA859503C}" type="datetimeFigureOut">
               <a:rPr lang="en-US" smtClean="0"/>
-              <a:t>22/05/17</a:t>
+              <a:t>07/07/17</a:t>
             </a:fld>
             <a:endParaRPr lang="en-US"/>
           </a:p>
@@ -1761,7 +1761,7 @@
           <a:p>
             <a:fld id="{875CF0EB-321F-0749-B37A-89BBA859503C}" type="datetimeFigureOut">
               <a:rPr lang="en-US" smtClean="0"/>
-              <a:t>22/05/17</a:t>
+              <a:t>07/07/17</a:t>
             </a:fld>
             <a:endParaRPr lang="en-US"/>
           </a:p>
@@ -2207,7 +2207,7 @@
           <a:p>
             <a:fld id="{875CF0EB-321F-0749-B37A-89BBA859503C}" type="datetimeFigureOut">
               <a:rPr lang="en-US" smtClean="0"/>
-              <a:t>22/05/17</a:t>
+              <a:t>07/07/17</a:t>
             </a:fld>
             <a:endParaRPr lang="en-US"/>
           </a:p>
@@ -2349,7 +2349,7 @@
           <a:p>
             <a:fld id="{875CF0EB-321F-0749-B37A-89BBA859503C}" type="datetimeFigureOut">
               <a:rPr lang="en-US" smtClean="0"/>
-              <a:t>22/05/17</a:t>
+              <a:t>07/07/17</a:t>
             </a:fld>
             <a:endParaRPr lang="en-US"/>
           </a:p>
@@ -2468,7 +2468,7 @@
           <a:p>
             <a:fld id="{875CF0EB-321F-0749-B37A-89BBA859503C}" type="datetimeFigureOut">
               <a:rPr lang="en-US" smtClean="0"/>
-              <a:t>22/05/17</a:t>
+              <a:t>07/07/17</a:t>
             </a:fld>
             <a:endParaRPr lang="en-US"/>
           </a:p>
@@ -2769,7 +2769,7 @@
           <a:p>
             <a:fld id="{875CF0EB-321F-0749-B37A-89BBA859503C}" type="datetimeFigureOut">
               <a:rPr lang="en-US" smtClean="0"/>
-              <a:t>22/05/17</a:t>
+              <a:t>07/07/17</a:t>
             </a:fld>
             <a:endParaRPr lang="en-US"/>
           </a:p>
@@ -3046,7 +3046,7 @@
           <a:p>
             <a:fld id="{875CF0EB-321F-0749-B37A-89BBA859503C}" type="datetimeFigureOut">
               <a:rPr lang="en-US" smtClean="0"/>
-              <a:t>22/05/17</a:t>
+              <a:t>07/07/17</a:t>
             </a:fld>
             <a:endParaRPr lang="en-US"/>
           </a:p>
@@ -4462,6 +4462,14 @@
             <a:r>
               <a:rPr lang="en-US" dirty="0" smtClean="0"/>
               <a:t>, Spark, </a:t>
+            </a:r>
+            <a:r>
+              <a:rPr lang="en-US" dirty="0" err="1" smtClean="0"/>
+              <a:t>Kubernetes</a:t>
+            </a:r>
+            <a:r>
+              <a:rPr lang="en-US" dirty="0" smtClean="0"/>
+              <a:t>, </a:t>
             </a:r>
             <a:r>
               <a:rPr lang="en-US" dirty="0" err="1" smtClean="0"/>
@@ -7189,7 +7197,7 @@
             <a:endParaRPr lang="en-US" dirty="0"/>
           </a:p>
           <a:p>
-            <a:pPr lvl="1"/>
+            <a:pPr lvl="2"/>
             <a:r>
               <a:rPr lang="en-US" dirty="0"/>
               <a:t>Cassandra</a:t>

--- a/pres-source/00-intro.pptx
+++ b/pres-source/00-intro.pptx
@@ -214,7 +214,7 @@
             <a:fld id="{7307762F-A706-E543-A832-3C298AA3103F}" type="datetimeFigureOut">
               <a:rPr lang="en-US" smtClean="0"/>
               <a:pPr/>
-              <a:t>07/07/17</a:t>
+              <a:t>09/07/17</a:t>
             </a:fld>
             <a:endParaRPr lang="en-US" dirty="0"/>
           </a:p>
@@ -781,7 +781,7 @@
           <a:p>
             <a:fld id="{875CF0EB-321F-0749-B37A-89BBA859503C}" type="datetimeFigureOut">
               <a:rPr lang="en-US" smtClean="0"/>
-              <a:t>07/07/17</a:t>
+              <a:t>09/07/17</a:t>
             </a:fld>
             <a:endParaRPr lang="en-US"/>
           </a:p>
@@ -985,7 +985,7 @@
           <a:p>
             <a:fld id="{875CF0EB-321F-0749-B37A-89BBA859503C}" type="datetimeFigureOut">
               <a:rPr lang="en-US" smtClean="0"/>
-              <a:t>07/07/17</a:t>
+              <a:t>09/07/17</a:t>
             </a:fld>
             <a:endParaRPr lang="en-US"/>
           </a:p>
@@ -1179,7 +1179,7 @@
           <a:p>
             <a:fld id="{875CF0EB-321F-0749-B37A-89BBA859503C}" type="datetimeFigureOut">
               <a:rPr lang="en-US" smtClean="0"/>
-              <a:t>07/07/17</a:t>
+              <a:t>09/07/17</a:t>
             </a:fld>
             <a:endParaRPr lang="en-US"/>
           </a:p>
@@ -1449,7 +1449,7 @@
           <a:p>
             <a:fld id="{875CF0EB-321F-0749-B37A-89BBA859503C}" type="datetimeFigureOut">
               <a:rPr lang="en-US" smtClean="0"/>
-              <a:t>07/07/17</a:t>
+              <a:t>09/07/17</a:t>
             </a:fld>
             <a:endParaRPr lang="en-US"/>
           </a:p>
@@ -1761,7 +1761,7 @@
           <a:p>
             <a:fld id="{875CF0EB-321F-0749-B37A-89BBA859503C}" type="datetimeFigureOut">
               <a:rPr lang="en-US" smtClean="0"/>
-              <a:t>07/07/17</a:t>
+              <a:t>09/07/17</a:t>
             </a:fld>
             <a:endParaRPr lang="en-US"/>
           </a:p>
@@ -2207,7 +2207,7 @@
           <a:p>
             <a:fld id="{875CF0EB-321F-0749-B37A-89BBA859503C}" type="datetimeFigureOut">
               <a:rPr lang="en-US" smtClean="0"/>
-              <a:t>07/07/17</a:t>
+              <a:t>09/07/17</a:t>
             </a:fld>
             <a:endParaRPr lang="en-US"/>
           </a:p>
@@ -2349,7 +2349,7 @@
           <a:p>
             <a:fld id="{875CF0EB-321F-0749-B37A-89BBA859503C}" type="datetimeFigureOut">
               <a:rPr lang="en-US" smtClean="0"/>
-              <a:t>07/07/17</a:t>
+              <a:t>09/07/17</a:t>
             </a:fld>
             <a:endParaRPr lang="en-US"/>
           </a:p>
@@ -2468,7 +2468,7 @@
           <a:p>
             <a:fld id="{875CF0EB-321F-0749-B37A-89BBA859503C}" type="datetimeFigureOut">
               <a:rPr lang="en-US" smtClean="0"/>
-              <a:t>07/07/17</a:t>
+              <a:t>09/07/17</a:t>
             </a:fld>
             <a:endParaRPr lang="en-US"/>
           </a:p>
@@ -2769,7 +2769,7 @@
           <a:p>
             <a:fld id="{875CF0EB-321F-0749-B37A-89BBA859503C}" type="datetimeFigureOut">
               <a:rPr lang="en-US" smtClean="0"/>
-              <a:t>07/07/17</a:t>
+              <a:t>09/07/17</a:t>
             </a:fld>
             <a:endParaRPr lang="en-US"/>
           </a:p>
@@ -3046,7 +3046,7 @@
           <a:p>
             <a:fld id="{875CF0EB-321F-0749-B37A-89BBA859503C}" type="datetimeFigureOut">
               <a:rPr lang="en-US" smtClean="0"/>
-              <a:t>07/07/17</a:t>
+              <a:t>09/07/17</a:t>
             </a:fld>
             <a:endParaRPr lang="en-US"/>
           </a:p>
@@ -3962,11 +3962,11 @@
           <a:p>
             <a:pPr eaLnBrk="1" hangingPunct="1"/>
             <a:r>
-              <a:rPr lang="en-US" dirty="0" smtClean="0">
-                <a:ea typeface="ヒラギノ角ゴ ProN W3" charset="0"/>
-                <a:cs typeface="ヒラギノ角ゴ ProN W3" charset="0"/>
-              </a:rPr>
-              <a:t>Sep 2016</a:t>
+              <a:rPr lang="en-US" smtClean="0">
+                <a:ea typeface="ヒラギノ角ゴ ProN W3" charset="0"/>
+                <a:cs typeface="ヒラギノ角ゴ ProN W3" charset="0"/>
+              </a:rPr>
+              <a:t>July 2017</a:t>
             </a:r>
             <a:endParaRPr lang="en-US" dirty="0">
               <a:ea typeface="ヒラギノ角ゴ ProN W3" charset="0"/>

--- a/pres-source/00-intro.pptx
+++ b/pres-source/00-intro.pptx
@@ -214,7 +214,7 @@
             <a:fld id="{7307762F-A706-E543-A832-3C298AA3103F}" type="datetimeFigureOut">
               <a:rPr lang="en-US" smtClean="0"/>
               <a:pPr/>
-              <a:t>09/07/17</a:t>
+              <a:t>22/08/17</a:t>
             </a:fld>
             <a:endParaRPr lang="en-US" dirty="0"/>
           </a:p>
@@ -781,7 +781,7 @@
           <a:p>
             <a:fld id="{875CF0EB-321F-0749-B37A-89BBA859503C}" type="datetimeFigureOut">
               <a:rPr lang="en-US" smtClean="0"/>
-              <a:t>09/07/17</a:t>
+              <a:t>22/08/17</a:t>
             </a:fld>
             <a:endParaRPr lang="en-US"/>
           </a:p>
@@ -985,7 +985,7 @@
           <a:p>
             <a:fld id="{875CF0EB-321F-0749-B37A-89BBA859503C}" type="datetimeFigureOut">
               <a:rPr lang="en-US" smtClean="0"/>
-              <a:t>09/07/17</a:t>
+              <a:t>22/08/17</a:t>
             </a:fld>
             <a:endParaRPr lang="en-US"/>
           </a:p>
@@ -1179,7 +1179,7 @@
           <a:p>
             <a:fld id="{875CF0EB-321F-0749-B37A-89BBA859503C}" type="datetimeFigureOut">
               <a:rPr lang="en-US" smtClean="0"/>
-              <a:t>09/07/17</a:t>
+              <a:t>22/08/17</a:t>
             </a:fld>
             <a:endParaRPr lang="en-US"/>
           </a:p>
@@ -1449,7 +1449,7 @@
           <a:p>
             <a:fld id="{875CF0EB-321F-0749-B37A-89BBA859503C}" type="datetimeFigureOut">
               <a:rPr lang="en-US" smtClean="0"/>
-              <a:t>09/07/17</a:t>
+              <a:t>22/08/17</a:t>
             </a:fld>
             <a:endParaRPr lang="en-US"/>
           </a:p>
@@ -1761,7 +1761,7 @@
           <a:p>
             <a:fld id="{875CF0EB-321F-0749-B37A-89BBA859503C}" type="datetimeFigureOut">
               <a:rPr lang="en-US" smtClean="0"/>
-              <a:t>09/07/17</a:t>
+              <a:t>22/08/17</a:t>
             </a:fld>
             <a:endParaRPr lang="en-US"/>
           </a:p>
@@ -2207,7 +2207,7 @@
           <a:p>
             <a:fld id="{875CF0EB-321F-0749-B37A-89BBA859503C}" type="datetimeFigureOut">
               <a:rPr lang="en-US" smtClean="0"/>
-              <a:t>09/07/17</a:t>
+              <a:t>22/08/17</a:t>
             </a:fld>
             <a:endParaRPr lang="en-US"/>
           </a:p>
@@ -2349,7 +2349,7 @@
           <a:p>
             <a:fld id="{875CF0EB-321F-0749-B37A-89BBA859503C}" type="datetimeFigureOut">
               <a:rPr lang="en-US" smtClean="0"/>
-              <a:t>09/07/17</a:t>
+              <a:t>22/08/17</a:t>
             </a:fld>
             <a:endParaRPr lang="en-US"/>
           </a:p>
@@ -2468,7 +2468,7 @@
           <a:p>
             <a:fld id="{875CF0EB-321F-0749-B37A-89BBA859503C}" type="datetimeFigureOut">
               <a:rPr lang="en-US" smtClean="0"/>
-              <a:t>09/07/17</a:t>
+              <a:t>22/08/17</a:t>
             </a:fld>
             <a:endParaRPr lang="en-US"/>
           </a:p>
@@ -2769,7 +2769,7 @@
           <a:p>
             <a:fld id="{875CF0EB-321F-0749-B37A-89BBA859503C}" type="datetimeFigureOut">
               <a:rPr lang="en-US" smtClean="0"/>
-              <a:t>09/07/17</a:t>
+              <a:t>22/08/17</a:t>
             </a:fld>
             <a:endParaRPr lang="en-US"/>
           </a:p>
@@ -3046,7 +3046,7 @@
           <a:p>
             <a:fld id="{875CF0EB-321F-0749-B37A-89BBA859503C}" type="datetimeFigureOut">
               <a:rPr lang="en-US" smtClean="0"/>
-              <a:t>09/07/17</a:t>
+              <a:t>22/08/17</a:t>
             </a:fld>
             <a:endParaRPr lang="en-US"/>
           </a:p>
@@ -3962,11 +3962,11 @@
           <a:p>
             <a:pPr eaLnBrk="1" hangingPunct="1"/>
             <a:r>
-              <a:rPr lang="en-US" smtClean="0">
-                <a:ea typeface="ヒラギノ角ゴ ProN W3" charset="0"/>
-                <a:cs typeface="ヒラギノ角ゴ ProN W3" charset="0"/>
-              </a:rPr>
-              <a:t>July 2017</a:t>
+              <a:rPr lang="en-US" dirty="0" smtClean="0">
+                <a:ea typeface="ヒラギノ角ゴ ProN W3" charset="0"/>
+                <a:cs typeface="ヒラギノ角ゴ ProN W3" charset="0"/>
+              </a:rPr>
+              <a:t>Sept 2017</a:t>
             </a:r>
             <a:endParaRPr lang="en-US" dirty="0">
               <a:ea typeface="ヒラギノ角ゴ ProN W3" charset="0"/>
@@ -4988,33 +4988,9 @@
                 <a:ea typeface="ヒラギノ角ゴ ProN W3" charset="0"/>
                 <a:cs typeface="ヒラギノ角ゴ ProN W3" charset="0"/>
               </a:rPr>
-              <a:t>WSO2</a:t>
-            </a:r>
-          </a:p>
-          <a:p>
-            <a:pPr lvl="1"/>
-            <a:r>
-              <a:rPr lang="en-US" sz="1600" dirty="0" smtClean="0">
-                <a:ea typeface="ヒラギノ角ゴ ProN W3" charset="0"/>
-                <a:cs typeface="ヒラギノ角ゴ ProN W3" charset="0"/>
-              </a:rPr>
-              <a:t>Currently on </a:t>
-            </a:r>
-            <a:r>
-              <a:rPr lang="en-US" sz="1600" dirty="0">
-                <a:ea typeface="ヒラギノ角ゴ ProN W3" charset="0"/>
-                <a:cs typeface="ヒラギノ角ゴ ProN W3" charset="0"/>
-              </a:rPr>
-              <a:t>s</a:t>
-            </a:r>
-            <a:r>
-              <a:rPr lang="en-US" sz="1600" dirty="0" smtClean="0">
-                <a:ea typeface="ヒラギノ角ゴ ProN W3" charset="0"/>
-                <a:cs typeface="ヒラギノ角ゴ ProN W3" charset="0"/>
-              </a:rPr>
-              <a:t>tudy leave</a:t>
-            </a:r>
-            <a:endParaRPr lang="en-US" sz="1600" dirty="0">
+              <a:t>WSO2, now a consultant</a:t>
+            </a:r>
+            <a:endParaRPr lang="en-US" sz="2000" dirty="0" smtClean="0">
               <a:ea typeface="ヒラギノ角ゴ ProN W3" charset="0"/>
               <a:cs typeface="ヒラギノ角ゴ ProN W3" charset="0"/>
             </a:endParaRPr>
@@ -5022,11 +4998,18 @@
           <a:p>
             <a:pPr eaLnBrk="1" hangingPunct="1"/>
             <a:r>
+              <a:rPr lang="en-US" sz="2000" dirty="0" smtClean="0">
+                <a:ea typeface="ヒラギノ角ゴ ProN W3" charset="0"/>
+                <a:cs typeface="ヒラギノ角ゴ ProN W3" charset="0"/>
+              </a:rPr>
+              <a:t>Previously </a:t>
+            </a:r>
+            <a:r>
               <a:rPr lang="en-US" sz="2000" dirty="0">
                 <a:ea typeface="ヒラギノ角ゴ ProN W3" charset="0"/>
                 <a:cs typeface="ヒラギノ角ゴ ProN W3" charset="0"/>
               </a:rPr>
-              <a:t>Previously Senior Technical Staff Member, IBM </a:t>
+              <a:t>Senior Technical Staff Member, IBM </a:t>
             </a:r>
             <a:r>
               <a:rPr lang="en-US" sz="2000" dirty="0" err="1">
@@ -5095,8 +5078,19 @@
                 <a:ea typeface="ヒラギノ角ゴ ProN W3" charset="0"/>
                 <a:cs typeface="ヒラギノ角ゴ ProN W3" charset="0"/>
               </a:rPr>
-              <a:t> and Philosophy</a:t>
-            </a:r>
+              <a:t> and </a:t>
+            </a:r>
+            <a:r>
+              <a:rPr lang="en-US" sz="2000" dirty="0" smtClean="0">
+                <a:ea typeface="ヒラギノ角ゴ ProN W3" charset="0"/>
+                <a:cs typeface="ヒラギノ角ゴ ProN W3" charset="0"/>
+              </a:rPr>
+              <a:t>Philosophy </a:t>
+            </a:r>
+            <a:endParaRPr lang="en-US" sz="2000" dirty="0">
+              <a:ea typeface="ヒラギノ角ゴ ProN W3" charset="0"/>
+              <a:cs typeface="ヒラギノ角ゴ ProN W3" charset="0"/>
+            </a:endParaRPr>
           </a:p>
           <a:p>
             <a:pPr eaLnBrk="1" hangingPunct="1"/>
@@ -5122,8 +5116,29 @@
                 <a:ea typeface="ヒラギノ角ゴ ProN W3" charset="0"/>
                 <a:cs typeface="ヒラギノ角ゴ ProN W3" charset="0"/>
               </a:rPr>
-              <a:t>Teaches SOA module</a:t>
-            </a:r>
+              <a:t>PhD in Computing (2017)</a:t>
+            </a:r>
+          </a:p>
+          <a:p>
+            <a:pPr lvl="1"/>
+            <a:r>
+              <a:rPr lang="en-US" sz="1600" dirty="0" err="1" smtClean="0">
+                <a:ea typeface="ヒラギノ角ゴ ProN W3" charset="0"/>
+                <a:cs typeface="ヒラギノ角ゴ ProN W3" charset="0"/>
+              </a:rPr>
+              <a:t>IoT</a:t>
+            </a:r>
+            <a:r>
+              <a:rPr lang="en-US" sz="1600" dirty="0" smtClean="0">
+                <a:ea typeface="ヒラギノ角ゴ ProN W3" charset="0"/>
+                <a:cs typeface="ヒラギノ角ゴ ProN W3" charset="0"/>
+              </a:rPr>
+              <a:t> security and privacy</a:t>
+            </a:r>
+            <a:endParaRPr lang="en-US" sz="1600" dirty="0" smtClean="0">
+              <a:ea typeface="ヒラギノ角ゴ ProN W3" charset="0"/>
+              <a:cs typeface="ヒラギノ角ゴ ProN W3" charset="0"/>
+            </a:endParaRPr>
           </a:p>
           <a:p>
             <a:pPr eaLnBrk="1" hangingPunct="1"/>
@@ -5132,9 +5147,23 @@
                 <a:ea typeface="ヒラギノ角ゴ ProN W3" charset="0"/>
                 <a:cs typeface="ヒラギノ角ゴ ProN W3" charset="0"/>
               </a:rPr>
-              <a:t>PhD Research Student</a:t>
-            </a:r>
-            <a:endParaRPr lang="en-US" sz="2000" dirty="0">
+              <a:t>Teaches </a:t>
+            </a:r>
+            <a:r>
+              <a:rPr lang="en-US" sz="2000" smtClean="0">
+                <a:ea typeface="ヒラギノ角ゴ ProN W3" charset="0"/>
+                <a:cs typeface="ヒラギノ角ゴ ProN W3" charset="0"/>
+              </a:rPr>
+              <a:t>SOA </a:t>
+            </a:r>
+            <a:r>
+              <a:rPr lang="en-US" sz="2000" smtClean="0">
+                <a:ea typeface="ヒラギノ角ゴ ProN W3" charset="0"/>
+                <a:cs typeface="ヒラギノ角ゴ ProN W3" charset="0"/>
+              </a:rPr>
+              <a:t>module</a:t>
+            </a:r>
+            <a:endParaRPr lang="en-US" sz="2000" dirty="0" smtClean="0">
               <a:ea typeface="ヒラギノ角ゴ ProN W3" charset="0"/>
               <a:cs typeface="ヒラギノ角ゴ ProN W3" charset="0"/>
             </a:endParaRPr>

--- a/pres-source/00-intro.pptx
+++ b/pres-source/00-intro.pptx
@@ -214,7 +214,7 @@
             <a:fld id="{7307762F-A706-E543-A832-3C298AA3103F}" type="datetimeFigureOut">
               <a:rPr lang="en-US" smtClean="0"/>
               <a:pPr/>
-              <a:t>22/08/17</a:t>
+              <a:t>18/07/18</a:t>
             </a:fld>
             <a:endParaRPr lang="en-US" dirty="0"/>
           </a:p>
@@ -781,7 +781,7 @@
           <a:p>
             <a:fld id="{875CF0EB-321F-0749-B37A-89BBA859503C}" type="datetimeFigureOut">
               <a:rPr lang="en-US" smtClean="0"/>
-              <a:t>22/08/17</a:t>
+              <a:t>18/07/18</a:t>
             </a:fld>
             <a:endParaRPr lang="en-US"/>
           </a:p>
@@ -985,7 +985,7 @@
           <a:p>
             <a:fld id="{875CF0EB-321F-0749-B37A-89BBA859503C}" type="datetimeFigureOut">
               <a:rPr lang="en-US" smtClean="0"/>
-              <a:t>22/08/17</a:t>
+              <a:t>18/07/18</a:t>
             </a:fld>
             <a:endParaRPr lang="en-US"/>
           </a:p>
@@ -1179,7 +1179,7 @@
           <a:p>
             <a:fld id="{875CF0EB-321F-0749-B37A-89BBA859503C}" type="datetimeFigureOut">
               <a:rPr lang="en-US" smtClean="0"/>
-              <a:t>22/08/17</a:t>
+              <a:t>18/07/18</a:t>
             </a:fld>
             <a:endParaRPr lang="en-US"/>
           </a:p>
@@ -1449,7 +1449,7 @@
           <a:p>
             <a:fld id="{875CF0EB-321F-0749-B37A-89BBA859503C}" type="datetimeFigureOut">
               <a:rPr lang="en-US" smtClean="0"/>
-              <a:t>22/08/17</a:t>
+              <a:t>18/07/18</a:t>
             </a:fld>
             <a:endParaRPr lang="en-US"/>
           </a:p>
@@ -1761,7 +1761,7 @@
           <a:p>
             <a:fld id="{875CF0EB-321F-0749-B37A-89BBA859503C}" type="datetimeFigureOut">
               <a:rPr lang="en-US" smtClean="0"/>
-              <a:t>22/08/17</a:t>
+              <a:t>18/07/18</a:t>
             </a:fld>
             <a:endParaRPr lang="en-US"/>
           </a:p>
@@ -2207,7 +2207,7 @@
           <a:p>
             <a:fld id="{875CF0EB-321F-0749-B37A-89BBA859503C}" type="datetimeFigureOut">
               <a:rPr lang="en-US" smtClean="0"/>
-              <a:t>22/08/17</a:t>
+              <a:t>18/07/18</a:t>
             </a:fld>
             <a:endParaRPr lang="en-US"/>
           </a:p>
@@ -2349,7 +2349,7 @@
           <a:p>
             <a:fld id="{875CF0EB-321F-0749-B37A-89BBA859503C}" type="datetimeFigureOut">
               <a:rPr lang="en-US" smtClean="0"/>
-              <a:t>22/08/17</a:t>
+              <a:t>18/07/18</a:t>
             </a:fld>
             <a:endParaRPr lang="en-US"/>
           </a:p>
@@ -2468,7 +2468,7 @@
           <a:p>
             <a:fld id="{875CF0EB-321F-0749-B37A-89BBA859503C}" type="datetimeFigureOut">
               <a:rPr lang="en-US" smtClean="0"/>
-              <a:t>22/08/17</a:t>
+              <a:t>18/07/18</a:t>
             </a:fld>
             <a:endParaRPr lang="en-US"/>
           </a:p>
@@ -2769,7 +2769,7 @@
           <a:p>
             <a:fld id="{875CF0EB-321F-0749-B37A-89BBA859503C}" type="datetimeFigureOut">
               <a:rPr lang="en-US" smtClean="0"/>
-              <a:t>22/08/17</a:t>
+              <a:t>18/07/18</a:t>
             </a:fld>
             <a:endParaRPr lang="en-US"/>
           </a:p>
@@ -3046,7 +3046,7 @@
           <a:p>
             <a:fld id="{875CF0EB-321F-0749-B37A-89BBA859503C}" type="datetimeFigureOut">
               <a:rPr lang="en-US" smtClean="0"/>
-              <a:t>22/08/17</a:t>
+              <a:t>18/07/18</a:t>
             </a:fld>
             <a:endParaRPr lang="en-US"/>
           </a:p>
@@ -3966,7 +3966,7 @@
                 <a:ea typeface="ヒラギノ角ゴ ProN W3" charset="0"/>
                 <a:cs typeface="ヒラギノ角ゴ ProN W3" charset="0"/>
               </a:rPr>
-              <a:t>Sept 2017</a:t>
+              <a:t>July 2018</a:t>
             </a:r>
             <a:endParaRPr lang="en-US" dirty="0">
               <a:ea typeface="ヒラギノ角ゴ ProN W3" charset="0"/>
@@ -4723,132 +4723,139 @@
           <a:chExt cx="0" cy="0"/>
         </a:xfrm>
       </p:grpSpPr>
+      <p:sp>
+        <p:nvSpPr>
+          <p:cNvPr id="2" name="Title 1"/>
+          <p:cNvSpPr>
+            <a:spLocks noGrp="1"/>
+          </p:cNvSpPr>
+          <p:nvPr>
+            <p:ph type="title"/>
+          </p:nvPr>
+        </p:nvSpPr>
+        <p:spPr/>
+        <p:txBody>
+          <a:bodyPr/>
+          <a:lstStyle/>
+          <a:p>
+            <a:r>
+              <a:rPr lang="en-US" dirty="0" smtClean="0"/>
+              <a:t>There </a:t>
+            </a:r>
+            <a:r>
+              <a:rPr lang="en-US" strike="dblStrike" dirty="0" smtClean="0"/>
+              <a:t>might</a:t>
+            </a:r>
+            <a:r>
+              <a:rPr lang="en-US" dirty="0" smtClean="0"/>
+              <a:t> will be bugs!</a:t>
+            </a:r>
+            <a:endParaRPr lang="en-US" dirty="0"/>
+          </a:p>
+        </p:txBody>
+      </p:sp>
+      <p:sp>
+        <p:nvSpPr>
+          <p:cNvPr id="3" name="Content Placeholder 2"/>
+          <p:cNvSpPr>
+            <a:spLocks noGrp="1"/>
+          </p:cNvSpPr>
+          <p:nvPr>
+            <p:ph idx="1"/>
+          </p:nvPr>
+        </p:nvSpPr>
+        <p:spPr>
+          <a:xfrm>
+            <a:off x="4677298" y="1600200"/>
+            <a:ext cx="4237233" cy="4525963"/>
+          </a:xfrm>
+        </p:spPr>
+        <p:txBody>
+          <a:bodyPr>
+            <a:normAutofit/>
+          </a:bodyPr>
+          <a:lstStyle/>
+          <a:p>
+            <a:pPr marL="0" indent="0">
+              <a:buNone/>
+            </a:pPr>
+            <a:endParaRPr lang="en-US" dirty="0"/>
+          </a:p>
+          <a:p>
+            <a:r>
+              <a:rPr lang="en-US" dirty="0" smtClean="0"/>
+              <a:t>Please help out:</a:t>
+            </a:r>
+          </a:p>
+          <a:p>
+            <a:pPr lvl="1"/>
+            <a:r>
+              <a:rPr lang="en-US" dirty="0"/>
+              <a:t>C</a:t>
+            </a:r>
+            <a:r>
+              <a:rPr lang="en-US" dirty="0" smtClean="0"/>
+              <a:t>reate </a:t>
+            </a:r>
+            <a:r>
+              <a:rPr lang="en-US" dirty="0" smtClean="0"/>
+              <a:t>new issues on the </a:t>
+            </a:r>
+            <a:r>
+              <a:rPr lang="en-US" dirty="0" err="1" smtClean="0"/>
+              <a:t>Github</a:t>
+            </a:r>
+            <a:r>
+              <a:rPr lang="en-US" dirty="0" smtClean="0"/>
+              <a:t> repository</a:t>
+            </a:r>
+          </a:p>
+          <a:p>
+            <a:pPr lvl="1"/>
+            <a:r>
+              <a:rPr lang="en-US" dirty="0">
+                <a:hlinkClick r:id="rId2"/>
+              </a:rPr>
+              <a:t>https://github.com/pzfreo/ox-clo/issues/</a:t>
+            </a:r>
+            <a:r>
+              <a:rPr lang="en-US" dirty="0" smtClean="0">
+                <a:hlinkClick r:id="rId2"/>
+              </a:rPr>
+              <a:t>new</a:t>
+            </a:r>
+            <a:r>
+              <a:rPr lang="en-US" dirty="0" smtClean="0"/>
+              <a:t> </a:t>
+            </a:r>
+            <a:endParaRPr lang="en-US" dirty="0"/>
+          </a:p>
+        </p:txBody>
+      </p:sp>
       <p:pic>
         <p:nvPicPr>
-          <p:cNvPr id="4" name="Picture 3"/>
+          <p:cNvPr id="6" name="Picture 5"/>
           <p:cNvPicPr>
             <a:picLocks noChangeAspect="1"/>
           </p:cNvPicPr>
           <p:nvPr/>
         </p:nvPicPr>
         <p:blipFill>
-          <a:blip r:embed="rId2"/>
+          <a:blip r:embed="rId3"/>
           <a:stretch>
             <a:fillRect/>
           </a:stretch>
         </p:blipFill>
         <p:spPr>
           <a:xfrm>
-            <a:off x="3983789" y="682725"/>
-            <a:ext cx="4987230" cy="3715486"/>
+            <a:off x="226322" y="1841406"/>
+            <a:ext cx="4736598" cy="3867569"/>
           </a:xfrm>
           <a:prstGeom prst="rect">
             <a:avLst/>
           </a:prstGeom>
         </p:spPr>
       </p:pic>
-      <p:sp>
-        <p:nvSpPr>
-          <p:cNvPr id="2" name="Title 1"/>
-          <p:cNvSpPr>
-            <a:spLocks noGrp="1"/>
-          </p:cNvSpPr>
-          <p:nvPr>
-            <p:ph type="title"/>
-          </p:nvPr>
-        </p:nvSpPr>
-        <p:spPr/>
-        <p:txBody>
-          <a:bodyPr/>
-          <a:lstStyle/>
-          <a:p>
-            <a:r>
-              <a:rPr lang="en-US" dirty="0" smtClean="0"/>
-              <a:t>There </a:t>
-            </a:r>
-            <a:r>
-              <a:rPr lang="en-US" strike="dblStrike" dirty="0" smtClean="0"/>
-              <a:t>might</a:t>
-            </a:r>
-            <a:r>
-              <a:rPr lang="en-US" dirty="0" smtClean="0"/>
-              <a:t> will be bugs!</a:t>
-            </a:r>
-            <a:endParaRPr lang="en-US" dirty="0"/>
-          </a:p>
-        </p:txBody>
-      </p:sp>
-      <p:sp>
-        <p:nvSpPr>
-          <p:cNvPr id="3" name="Content Placeholder 2"/>
-          <p:cNvSpPr>
-            <a:spLocks noGrp="1"/>
-          </p:cNvSpPr>
-          <p:nvPr>
-            <p:ph idx="1"/>
-          </p:nvPr>
-        </p:nvSpPr>
-        <p:spPr/>
-        <p:txBody>
-          <a:bodyPr>
-            <a:normAutofit lnSpcReduction="10000"/>
-          </a:bodyPr>
-          <a:lstStyle/>
-          <a:p>
-            <a:endParaRPr lang="en-US" dirty="0" smtClean="0"/>
-          </a:p>
-          <a:p>
-            <a:endParaRPr lang="en-US" dirty="0"/>
-          </a:p>
-          <a:p>
-            <a:endParaRPr lang="en-US" dirty="0" smtClean="0"/>
-          </a:p>
-          <a:p>
-            <a:endParaRPr lang="en-US" dirty="0"/>
-          </a:p>
-          <a:p>
-            <a:r>
-              <a:rPr lang="en-US" dirty="0" smtClean="0"/>
-              <a:t>Please help out:</a:t>
-            </a:r>
-          </a:p>
-          <a:p>
-            <a:pPr lvl="1"/>
-            <a:r>
-              <a:rPr lang="en-US" dirty="0" smtClean="0"/>
-              <a:t>Please create new issues on the </a:t>
-            </a:r>
-            <a:r>
-              <a:rPr lang="en-US" dirty="0" err="1" smtClean="0"/>
-              <a:t>Github</a:t>
-            </a:r>
-            <a:r>
-              <a:rPr lang="en-US" dirty="0" smtClean="0"/>
-              <a:t> repository</a:t>
-            </a:r>
-          </a:p>
-          <a:p>
-            <a:pPr lvl="1"/>
-            <a:r>
-              <a:rPr lang="en-US" dirty="0">
-                <a:hlinkClick r:id="rId3"/>
-              </a:rPr>
-              <a:t>https://github.com/pzfreo/ox-clo/issues/</a:t>
-            </a:r>
-            <a:r>
-              <a:rPr lang="en-US" dirty="0" smtClean="0">
-                <a:hlinkClick r:id="rId3"/>
-              </a:rPr>
-              <a:t>new</a:t>
-            </a:r>
-            <a:r>
-              <a:rPr lang="en-US" dirty="0" smtClean="0"/>
-              <a:t> </a:t>
-            </a:r>
-            <a:endParaRPr lang="en-US" dirty="0"/>
-          </a:p>
-        </p:txBody>
-      </p:sp>
     </p:spTree>
     <p:extLst>
       <p:ext uri="{BB962C8B-B14F-4D97-AF65-F5344CB8AC3E}">
@@ -4988,12 +4995,8 @@
                 <a:ea typeface="ヒラギノ角ゴ ProN W3" charset="0"/>
                 <a:cs typeface="ヒラギノ角ゴ ProN W3" charset="0"/>
               </a:rPr>
-              <a:t>WSO2, now a consultant</a:t>
-            </a:r>
-            <a:endParaRPr lang="en-US" sz="2000" dirty="0" smtClean="0">
-              <a:ea typeface="ヒラギノ角ゴ ProN W3" charset="0"/>
-              <a:cs typeface="ヒラギノ角ゴ ProN W3" charset="0"/>
-            </a:endParaRPr>
+              <a:t>WSO2</a:t>
+            </a:r>
           </a:p>
           <a:p>
             <a:pPr eaLnBrk="1" hangingPunct="1"/>
@@ -5135,10 +5138,6 @@
               </a:rPr>
               <a:t> security and privacy</a:t>
             </a:r>
-            <a:endParaRPr lang="en-US" sz="1600" dirty="0" smtClean="0">
-              <a:ea typeface="ヒラギノ角ゴ ProN W3" charset="0"/>
-              <a:cs typeface="ヒラギノ角ゴ ProN W3" charset="0"/>
-            </a:endParaRPr>
           </a:p>
           <a:p>
             <a:pPr eaLnBrk="1" hangingPunct="1"/>
@@ -5147,26 +5146,15 @@
                 <a:ea typeface="ヒラギノ角ゴ ProN W3" charset="0"/>
                 <a:cs typeface="ヒラギノ角ゴ ProN W3" charset="0"/>
               </a:rPr>
-              <a:t>Teaches </a:t>
-            </a:r>
-            <a:r>
-              <a:rPr lang="en-US" sz="2000" smtClean="0">
-                <a:ea typeface="ヒラギノ角ゴ ProN W3" charset="0"/>
-                <a:cs typeface="ヒラギノ角ゴ ProN W3" charset="0"/>
-              </a:rPr>
-              <a:t>SOA </a:t>
-            </a:r>
-            <a:r>
-              <a:rPr lang="en-US" sz="2000" smtClean="0">
-                <a:ea typeface="ヒラギノ角ゴ ProN W3" charset="0"/>
-                <a:cs typeface="ヒラギノ角ゴ ProN W3" charset="0"/>
-              </a:rPr>
-              <a:t>module</a:t>
-            </a:r>
-            <a:endParaRPr lang="en-US" sz="2000" dirty="0" smtClean="0">
-              <a:ea typeface="ヒラギノ角ゴ ProN W3" charset="0"/>
-              <a:cs typeface="ヒラギノ角ゴ ProN W3" charset="0"/>
-            </a:endParaRPr>
+              <a:t>Also teaches </a:t>
+            </a:r>
+            <a:r>
+              <a:rPr lang="en-US" sz="2000" dirty="0" smtClean="0">
+                <a:ea typeface="ヒラギノ角ゴ ProN W3" charset="0"/>
+                <a:cs typeface="ヒラギノ角ゴ ProN W3" charset="0"/>
+              </a:rPr>
+              <a:t>SOA module</a:t>
+            </a:r>
           </a:p>
         </p:txBody>
       </p:sp>
@@ -5390,14 +5378,14 @@
             <p:ph idx="1"/>
             <p:extLst>
               <p:ext uri="{D42A27DB-BD31-4B8C-83A1-F6EECF244321}">
-                <p14:modId xmlns:p14="http://schemas.microsoft.com/office/powerpoint/2010/main" val="1629388527"/>
+                <p14:modId xmlns:p14="http://schemas.microsoft.com/office/powerpoint/2010/main" val="3707707792"/>
               </p:ext>
             </p:extLst>
           </p:nvPr>
         </p:nvGraphicFramePr>
         <p:xfrm>
           <a:off x="457646" y="1172857"/>
-          <a:ext cx="8063510" cy="4839072"/>
+          <a:ext cx="8063510" cy="5540113"/>
         </p:xfrm>
         <a:graphic>
           <a:graphicData uri="http://schemas.openxmlformats.org/drawingml/2006/table">
@@ -5544,14 +5532,9 @@
                     </a:p>
                     <a:p>
                       <a:r>
-                        <a:rPr lang="en-US" sz="1700" baseline="0" dirty="0" err="1" smtClean="0"/>
-                        <a:t>Hadoop</a:t>
+                        <a:rPr lang="en-US" sz="1700" baseline="0" dirty="0" smtClean="0"/>
+                        <a:t>Data processing in Python</a:t>
                       </a:r>
-                      <a:r>
-                        <a:rPr lang="en-US" sz="1700" baseline="0" dirty="0" smtClean="0"/>
-                        <a:t> Lab 1</a:t>
-                      </a:r>
-                      <a:endParaRPr lang="en-US" sz="1700" dirty="0"/>
                     </a:p>
                   </a:txBody>
                   <a:tcPr marL="64294" marR="64294" marT="32147" marB="32147"/>
@@ -5593,23 +5576,26 @@
                     <a:lstStyle/>
                     <a:p>
                       <a:r>
-                        <a:rPr lang="en-US" dirty="0" err="1" smtClean="0"/>
-                        <a:t>Visualisation</a:t>
+                        <a:rPr lang="en-US" dirty="0" smtClean="0"/>
+                        <a:t>Cassandra details</a:t>
                       </a:r>
-                      <a:endParaRPr lang="en-US" dirty="0" smtClean="0"/>
                     </a:p>
                     <a:p>
                       <a:endParaRPr lang="en-US" dirty="0" smtClean="0"/>
                     </a:p>
                     <a:p>
                       <a:r>
-                        <a:rPr lang="en-US" dirty="0" err="1" smtClean="0"/>
-                        <a:t>Visualisation</a:t>
+                        <a:rPr lang="en-US" dirty="0" smtClean="0"/>
+                        <a:t>Cassandra </a:t>
                       </a:r>
+                    </a:p>
+                    <a:p>
                       <a:r>
-                        <a:rPr lang="en-US" baseline="0" dirty="0" smtClean="0"/>
-                        <a:t> Lab</a:t>
+                        <a:rPr lang="en-US" dirty="0" smtClean="0"/>
+                        <a:t>Lab2</a:t>
                       </a:r>
+                    </a:p>
+                    <a:p>
                       <a:endParaRPr lang="en-US" dirty="0"/>
                     </a:p>
                   </a:txBody>
@@ -5682,13 +5668,48 @@
                     <a:bodyPr/>
                     <a:lstStyle/>
                     <a:p>
+                      <a:pPr marL="0" marR="0" indent="0" algn="l" defTabSz="457200" rtl="0" eaLnBrk="1" fontAlgn="auto" latinLnBrk="0" hangingPunct="1">
+                        <a:lnSpc>
+                          <a:spcPct val="100000"/>
+                        </a:lnSpc>
+                        <a:spcBef>
+                          <a:spcPts val="0"/>
+                        </a:spcBef>
+                        <a:spcAft>
+                          <a:spcPts val="0"/>
+                        </a:spcAft>
+                        <a:buClrTx/>
+                        <a:buSzTx/>
+                        <a:buFontTx/>
+                        <a:buNone/>
+                        <a:tabLst/>
+                        <a:defRPr/>
+                      </a:pPr>
+                      <a:r>
+                        <a:rPr lang="en-US" sz="1700" baseline="0" dirty="0" err="1" smtClean="0"/>
+                        <a:t>Hadoop</a:t>
+                      </a:r>
+                      <a:r>
+                        <a:rPr lang="en-US" sz="1700" baseline="0" dirty="0" smtClean="0"/>
+                        <a:t> Lab 1</a:t>
+                      </a:r>
+                      <a:endParaRPr lang="en-US" sz="1700" dirty="0" smtClean="0"/>
+                    </a:p>
+                    <a:p>
+                      <a:endParaRPr lang="en-US" sz="1700" dirty="0" smtClean="0"/>
+                    </a:p>
+                    <a:p>
                       <a:r>
                         <a:rPr lang="en-US" sz="1700" dirty="0" err="1" smtClean="0"/>
                         <a:t>Hadoop</a:t>
                       </a:r>
                       <a:r>
                         <a:rPr lang="en-US" sz="1700" dirty="0" smtClean="0"/>
-                        <a:t> details,</a:t>
+                        <a:t> </a:t>
+                      </a:r>
+                      <a:r>
+                        <a:rPr lang="en-US" sz="1700" dirty="0" smtClean="0"/>
+                        <a:t>details,</a:t>
                       </a:r>
                       <a:r>
                         <a:rPr lang="en-US" sz="1700" baseline="0" dirty="0" smtClean="0"/>
@@ -5721,25 +5742,11 @@
                     <a:p>
                       <a:r>
                         <a:rPr lang="en-US" dirty="0" smtClean="0"/>
-                        <a:t>Storage</a:t>
+                        <a:t>Spark </a:t>
                       </a:r>
                       <a:r>
-                        <a:rPr lang="en-US" baseline="0" dirty="0" smtClean="0"/>
-                        <a:t> and </a:t>
-                      </a:r>
-                      <a:r>
-                        <a:rPr lang="en-US" baseline="0" dirty="0" err="1" smtClean="0"/>
-                        <a:t>NoSQL</a:t>
-                      </a:r>
-                      <a:endParaRPr lang="en-US" baseline="0" dirty="0" smtClean="0"/>
-                    </a:p>
-                    <a:p>
-                      <a:endParaRPr lang="en-US" baseline="0" dirty="0" smtClean="0"/>
-                    </a:p>
-                    <a:p>
-                      <a:r>
-                        <a:rPr lang="en-US" baseline="0" dirty="0" smtClean="0"/>
-                        <a:t>Cassandra Lab</a:t>
+                        <a:rPr lang="en-US" smtClean="0"/>
+                        <a:t>Lab continued</a:t>
                       </a:r>
                       <a:endParaRPr lang="en-US" dirty="0"/>
                     </a:p>
@@ -5855,25 +5862,26 @@
                     <a:p>
                       <a:r>
                         <a:rPr lang="en-US" dirty="0" smtClean="0"/>
-                        <a:t>Cassandra details</a:t>
+                        <a:t>Storage</a:t>
                       </a:r>
+                      <a:r>
+                        <a:rPr lang="en-US" baseline="0" dirty="0" smtClean="0"/>
+                        <a:t> and </a:t>
+                      </a:r>
+                      <a:r>
+                        <a:rPr lang="en-US" baseline="0" dirty="0" err="1" smtClean="0"/>
+                        <a:t>NoSQL</a:t>
+                      </a:r>
+                      <a:endParaRPr lang="en-US" baseline="0" dirty="0" smtClean="0"/>
                     </a:p>
                     <a:p>
-                      <a:endParaRPr lang="en-US" dirty="0" smtClean="0"/>
+                      <a:endParaRPr lang="en-US" baseline="0" dirty="0" smtClean="0"/>
                     </a:p>
                     <a:p>
                       <a:r>
-                        <a:rPr lang="en-US" dirty="0" smtClean="0"/>
-                        <a:t>Cassandra </a:t>
+                        <a:rPr lang="en-US" baseline="0" dirty="0" smtClean="0"/>
+                        <a:t>Cassandra Lab</a:t>
                       </a:r>
-                    </a:p>
-                    <a:p>
-                      <a:r>
-                        <a:rPr lang="en-US" dirty="0" smtClean="0"/>
-                        <a:t>Lab2</a:t>
-                      </a:r>
-                    </a:p>
-                    <a:p>
                       <a:endParaRPr lang="en-US" dirty="0"/>
                     </a:p>
                   </a:txBody>
@@ -7414,7 +7422,14 @@
                 <a:ea typeface="ヒラギノ角ゴ ProN W3" charset="0"/>
                 <a:cs typeface="ヒラギノ角ゴ ProN W3" charset="0"/>
               </a:rPr>
-              <a:t> and Map Reduce</a:t>
+              <a:t> and Map </a:t>
+            </a:r>
+            <a:r>
+              <a:rPr lang="en-US" dirty="0" smtClean="0">
+                <a:ea typeface="ヒラギノ角ゴ ProN W3" charset="0"/>
+                <a:cs typeface="ヒラギノ角ゴ ProN W3" charset="0"/>
+              </a:rPr>
+              <a:t>Reduce</a:t>
             </a:r>
           </a:p>
           <a:p>
@@ -7424,14 +7439,7 @@
                 <a:ea typeface="ヒラギノ角ゴ ProN W3" charset="0"/>
                 <a:cs typeface="ヒラギノ角ゴ ProN W3" charset="0"/>
               </a:rPr>
-              <a:t>Spark, </a:t>
-            </a:r>
-            <a:r>
-              <a:rPr lang="en-US" dirty="0" err="1" smtClean="0">
-                <a:ea typeface="ヒラギノ角ゴ ProN W3" charset="0"/>
-                <a:cs typeface="ヒラギノ角ゴ ProN W3" charset="0"/>
-              </a:rPr>
-              <a:t>SparkSQL</a:t>
+              <a:t>Python Big Data, Pandas</a:t>
             </a:r>
             <a:endParaRPr lang="en-US" dirty="0" smtClean="0">
               <a:ea typeface="ヒラギノ角ゴ ProN W3" charset="0"/>
@@ -7445,14 +7453,14 @@
                 <a:ea typeface="ヒラギノ角ゴ ProN W3" charset="0"/>
                 <a:cs typeface="ヒラギノ角ゴ ProN W3" charset="0"/>
               </a:rPr>
-              <a:t>Cassandra and </a:t>
+              <a:t>Spark, </a:t>
             </a:r>
             <a:r>
               <a:rPr lang="en-US" dirty="0" err="1" smtClean="0">
                 <a:ea typeface="ヒラギノ角ゴ ProN W3" charset="0"/>
                 <a:cs typeface="ヒラギノ角ゴ ProN W3" charset="0"/>
               </a:rPr>
-              <a:t>NoSQL</a:t>
+              <a:t>SparkSQL</a:t>
             </a:r>
             <a:endParaRPr lang="en-US" dirty="0" smtClean="0">
               <a:ea typeface="ヒラギノ角ゴ ProN W3" charset="0"/>
@@ -7466,6 +7474,27 @@
                 <a:ea typeface="ヒラギノ角ゴ ProN W3" charset="0"/>
                 <a:cs typeface="ヒラギノ角ゴ ProN W3" charset="0"/>
               </a:rPr>
+              <a:t>Cassandra and </a:t>
+            </a:r>
+            <a:r>
+              <a:rPr lang="en-US" dirty="0" err="1" smtClean="0">
+                <a:ea typeface="ヒラギノ角ゴ ProN W3" charset="0"/>
+                <a:cs typeface="ヒラギノ角ゴ ProN W3" charset="0"/>
+              </a:rPr>
+              <a:t>NoSQL</a:t>
+            </a:r>
+            <a:endParaRPr lang="en-US" dirty="0" smtClean="0">
+              <a:ea typeface="ヒラギノ角ゴ ProN W3" charset="0"/>
+              <a:cs typeface="ヒラギノ角ゴ ProN W3" charset="0"/>
+            </a:endParaRPr>
+          </a:p>
+          <a:p>
+            <a:pPr eaLnBrk="1" hangingPunct="1"/>
+            <a:r>
+              <a:rPr lang="en-US" dirty="0" smtClean="0">
+                <a:ea typeface="ヒラギノ角ゴ ProN W3" charset="0"/>
+                <a:cs typeface="ヒラギノ角ゴ ProN W3" charset="0"/>
+              </a:rPr>
               <a:t>Spark and Cassandra together</a:t>
             </a:r>
           </a:p>
@@ -7502,17 +7531,7 @@
               </a:rPr>
               <a:t>Containers</a:t>
             </a:r>
-          </a:p>
-          <a:p>
-            <a:pPr eaLnBrk="1" hangingPunct="1"/>
-            <a:r>
-              <a:rPr lang="en-US" dirty="0" err="1" smtClean="0">
-                <a:ea typeface="ヒラギノ角ゴ ProN W3" charset="0"/>
-                <a:cs typeface="ヒラギノ角ゴ ProN W3" charset="0"/>
-              </a:rPr>
-              <a:t>Visualisation</a:t>
-            </a:r>
-            <a:endParaRPr lang="en-US" dirty="0">
+            <a:endParaRPr lang="en-US" dirty="0" smtClean="0">
               <a:ea typeface="ヒラギノ角ゴ ProN W3" charset="0"/>
               <a:cs typeface="ヒラギノ角ゴ ProN W3" charset="0"/>
             </a:endParaRPr>
